--- a/答辩-素材.pptx
+++ b/答辩-素材.pptx
@@ -6,6 +6,8 @@
   </p:sldMasterIdLst>
   <p:sldIdLst>
     <p:sldId id="256" r:id="rId2"/>
+    <p:sldId id="257" r:id="rId3"/>
+    <p:sldId id="258" r:id="rId4"/>
   </p:sldIdLst>
   <p:sldSz cx="12192000" cy="6858000"/>
   <p:notesSz cx="6858000" cy="9144000"/>
@@ -104,6 +106,11 @@
       </a:defRPr>
     </a:lvl9pPr>
   </p:defaultTextStyle>
+  <p:extLst>
+    <p:ext uri="{EFAFB233-063F-42B5-8137-9DF3F51BA10A}">
+      <p15:sldGuideLst xmlns:p15="http://schemas.microsoft.com/office/powerpoint/2012/main"/>
+    </p:ext>
+  </p:extLst>
 </p:presentation>
 </file>
 
@@ -238,7 +245,7 @@
           <a:p>
             <a:fld id="{EF526062-D22A-4152-92A9-E268373F6016}" type="datetimeFigureOut">
               <a:rPr lang="zh-CN" altLang="en-US" smtClean="0"/>
-              <a:t>2018/11/27</a:t>
+              <a:t>2018/11/28</a:t>
             </a:fld>
             <a:endParaRPr lang="zh-CN" altLang="en-US"/>
           </a:p>
@@ -408,7 +415,7 @@
           <a:p>
             <a:fld id="{EF526062-D22A-4152-92A9-E268373F6016}" type="datetimeFigureOut">
               <a:rPr lang="zh-CN" altLang="en-US" smtClean="0"/>
-              <a:t>2018/11/27</a:t>
+              <a:t>2018/11/28</a:t>
             </a:fld>
             <a:endParaRPr lang="zh-CN" altLang="en-US"/>
           </a:p>
@@ -588,7 +595,7 @@
           <a:p>
             <a:fld id="{EF526062-D22A-4152-92A9-E268373F6016}" type="datetimeFigureOut">
               <a:rPr lang="zh-CN" altLang="en-US" smtClean="0"/>
-              <a:t>2018/11/27</a:t>
+              <a:t>2018/11/28</a:t>
             </a:fld>
             <a:endParaRPr lang="zh-CN" altLang="en-US"/>
           </a:p>
@@ -758,7 +765,7 @@
           <a:p>
             <a:fld id="{EF526062-D22A-4152-92A9-E268373F6016}" type="datetimeFigureOut">
               <a:rPr lang="zh-CN" altLang="en-US" smtClean="0"/>
-              <a:t>2018/11/27</a:t>
+              <a:t>2018/11/28</a:t>
             </a:fld>
             <a:endParaRPr lang="zh-CN" altLang="en-US"/>
           </a:p>
@@ -1004,7 +1011,7 @@
           <a:p>
             <a:fld id="{EF526062-D22A-4152-92A9-E268373F6016}" type="datetimeFigureOut">
               <a:rPr lang="zh-CN" altLang="en-US" smtClean="0"/>
-              <a:t>2018/11/27</a:t>
+              <a:t>2018/11/28</a:t>
             </a:fld>
             <a:endParaRPr lang="zh-CN" altLang="en-US"/>
           </a:p>
@@ -1236,7 +1243,7 @@
           <a:p>
             <a:fld id="{EF526062-D22A-4152-92A9-E268373F6016}" type="datetimeFigureOut">
               <a:rPr lang="zh-CN" altLang="en-US" smtClean="0"/>
-              <a:t>2018/11/27</a:t>
+              <a:t>2018/11/28</a:t>
             </a:fld>
             <a:endParaRPr lang="zh-CN" altLang="en-US"/>
           </a:p>
@@ -1603,7 +1610,7 @@
           <a:p>
             <a:fld id="{EF526062-D22A-4152-92A9-E268373F6016}" type="datetimeFigureOut">
               <a:rPr lang="zh-CN" altLang="en-US" smtClean="0"/>
-              <a:t>2018/11/27</a:t>
+              <a:t>2018/11/28</a:t>
             </a:fld>
             <a:endParaRPr lang="zh-CN" altLang="en-US"/>
           </a:p>
@@ -1721,7 +1728,7 @@
           <a:p>
             <a:fld id="{EF526062-D22A-4152-92A9-E268373F6016}" type="datetimeFigureOut">
               <a:rPr lang="zh-CN" altLang="en-US" smtClean="0"/>
-              <a:t>2018/11/27</a:t>
+              <a:t>2018/11/28</a:t>
             </a:fld>
             <a:endParaRPr lang="zh-CN" altLang="en-US"/>
           </a:p>
@@ -1816,7 +1823,7 @@
           <a:p>
             <a:fld id="{EF526062-D22A-4152-92A9-E268373F6016}" type="datetimeFigureOut">
               <a:rPr lang="zh-CN" altLang="en-US" smtClean="0"/>
-              <a:t>2018/11/27</a:t>
+              <a:t>2018/11/28</a:t>
             </a:fld>
             <a:endParaRPr lang="zh-CN" altLang="en-US"/>
           </a:p>
@@ -2093,7 +2100,7 @@
           <a:p>
             <a:fld id="{EF526062-D22A-4152-92A9-E268373F6016}" type="datetimeFigureOut">
               <a:rPr lang="zh-CN" altLang="en-US" smtClean="0"/>
-              <a:t>2018/11/27</a:t>
+              <a:t>2018/11/28</a:t>
             </a:fld>
             <a:endParaRPr lang="zh-CN" altLang="en-US"/>
           </a:p>
@@ -2346,7 +2353,7 @@
           <a:p>
             <a:fld id="{EF526062-D22A-4152-92A9-E268373F6016}" type="datetimeFigureOut">
               <a:rPr lang="zh-CN" altLang="en-US" smtClean="0"/>
-              <a:t>2018/11/27</a:t>
+              <a:t>2018/11/28</a:t>
             </a:fld>
             <a:endParaRPr lang="zh-CN" altLang="en-US"/>
           </a:p>
@@ -2559,7 +2566,7 @@
           <a:p>
             <a:fld id="{EF526062-D22A-4152-92A9-E268373F6016}" type="datetimeFigureOut">
               <a:rPr lang="zh-CN" altLang="en-US" smtClean="0"/>
-              <a:t>2018/11/27</a:t>
+              <a:t>2018/11/28</a:t>
             </a:fld>
             <a:endParaRPr lang="zh-CN" altLang="en-US"/>
           </a:p>
@@ -3014,8 +3021,8 @@
             </a:fontRef>
           </p:style>
         </p:cxnSp>
-        <mc:AlternateContent xmlns:mc="http://schemas.openxmlformats.org/markup-compatibility/2006">
-          <mc:Choice xmlns:a14="http://schemas.microsoft.com/office/drawing/2010/main" Requires="a14">
+        <mc:AlternateContent xmlns:mc="http://schemas.openxmlformats.org/markup-compatibility/2006" xmlns:a14="http://schemas.microsoft.com/office/drawing/2010/main">
+          <mc:Choice Requires="a14">
             <p:sp>
               <p:nvSpPr>
                 <p:cNvPr id="5" name="圆角矩形 4"/>
@@ -3099,7 +3106,7 @@
               </p:txBody>
             </p:sp>
           </mc:Choice>
-          <mc:Fallback>
+          <mc:Fallback xmlns="">
             <p:sp>
               <p:nvSpPr>
                 <p:cNvPr id="5" name="圆角矩形 4"/>
@@ -3190,8 +3197,8 @@
               </a:p>
             </p:txBody>
           </p:sp>
-          <mc:AlternateContent xmlns:mc="http://schemas.openxmlformats.org/markup-compatibility/2006">
-            <mc:Choice xmlns:a14="http://schemas.microsoft.com/office/drawing/2010/main" Requires="a14">
+          <mc:AlternateContent xmlns:mc="http://schemas.openxmlformats.org/markup-compatibility/2006" xmlns:a14="http://schemas.microsoft.com/office/drawing/2010/main">
+            <mc:Choice Requires="a14">
               <p:sp>
                 <p:nvSpPr>
                   <p:cNvPr id="8" name="圆角矩形 7"/>
@@ -3294,7 +3301,7 @@
                 </p:txBody>
               </p:sp>
             </mc:Choice>
-            <mc:Fallback>
+            <mc:Fallback xmlns="">
               <p:sp>
                 <p:nvSpPr>
                   <p:cNvPr id="8" name="圆角矩形 7"/>
@@ -3333,8 +3340,8 @@
               </p:sp>
             </mc:Fallback>
           </mc:AlternateContent>
-          <mc:AlternateContent xmlns:mc="http://schemas.openxmlformats.org/markup-compatibility/2006">
-            <mc:Choice xmlns:a14="http://schemas.microsoft.com/office/drawing/2010/main" Requires="a14">
+          <mc:AlternateContent xmlns:mc="http://schemas.openxmlformats.org/markup-compatibility/2006" xmlns:a14="http://schemas.microsoft.com/office/drawing/2010/main">
+            <mc:Choice Requires="a14">
               <p:sp>
                 <p:nvSpPr>
                   <p:cNvPr id="9" name="圆角矩形 8"/>
@@ -3437,7 +3444,7 @@
                 </p:txBody>
               </p:sp>
             </mc:Choice>
-            <mc:Fallback>
+            <mc:Fallback xmlns="">
               <p:sp>
                 <p:nvSpPr>
                   <p:cNvPr id="9" name="圆角矩形 8"/>
@@ -3476,8 +3483,8 @@
               </p:sp>
             </mc:Fallback>
           </mc:AlternateContent>
-          <mc:AlternateContent xmlns:mc="http://schemas.openxmlformats.org/markup-compatibility/2006">
-            <mc:Choice xmlns:a14="http://schemas.microsoft.com/office/drawing/2010/main" Requires="a14">
+          <mc:AlternateContent xmlns:mc="http://schemas.openxmlformats.org/markup-compatibility/2006" xmlns:a14="http://schemas.microsoft.com/office/drawing/2010/main">
+            <mc:Choice Requires="a14">
               <p:sp>
                 <p:nvSpPr>
                   <p:cNvPr id="10" name="圆角矩形 9"/>
@@ -3580,7 +3587,7 @@
                 </p:txBody>
               </p:sp>
             </mc:Choice>
-            <mc:Fallback>
+            <mc:Fallback xmlns="">
               <p:sp>
                 <p:nvSpPr>
                   <p:cNvPr id="10" name="圆角矩形 9"/>
@@ -3734,8 +3741,8 @@
               </a:p>
             </p:txBody>
           </p:sp>
-          <mc:AlternateContent xmlns:mc="http://schemas.openxmlformats.org/markup-compatibility/2006">
-            <mc:Choice xmlns:a14="http://schemas.microsoft.com/office/drawing/2010/main" Requires="a14">
+          <mc:AlternateContent xmlns:mc="http://schemas.openxmlformats.org/markup-compatibility/2006" xmlns:a14="http://schemas.microsoft.com/office/drawing/2010/main">
+            <mc:Choice Requires="a14">
               <p:sp>
                 <p:nvSpPr>
                   <p:cNvPr id="15" name="圆角矩形 14"/>
@@ -3875,7 +3882,7 @@
                 </p:txBody>
               </p:sp>
             </mc:Choice>
-            <mc:Fallback>
+            <mc:Fallback xmlns="">
               <p:sp>
                 <p:nvSpPr>
                   <p:cNvPr id="15" name="圆角矩形 14"/>
@@ -3976,8 +3983,8 @@
               </a:p>
             </p:txBody>
           </p:sp>
-          <mc:AlternateContent xmlns:mc="http://schemas.openxmlformats.org/markup-compatibility/2006">
-            <mc:Choice xmlns:a14="http://schemas.microsoft.com/office/drawing/2010/main" Requires="a14">
+          <mc:AlternateContent xmlns:mc="http://schemas.openxmlformats.org/markup-compatibility/2006" xmlns:a14="http://schemas.microsoft.com/office/drawing/2010/main">
+            <mc:Choice Requires="a14">
               <p:sp>
                 <p:nvSpPr>
                   <p:cNvPr id="18" name="圆角矩形 17"/>
@@ -4117,7 +4124,7 @@
                 </p:txBody>
               </p:sp>
             </mc:Choice>
-            <mc:Fallback>
+            <mc:Fallback xmlns="">
               <p:sp>
                 <p:nvSpPr>
                   <p:cNvPr id="18" name="圆角矩形 17"/>
@@ -4156,8 +4163,8 @@
               </p:sp>
             </mc:Fallback>
           </mc:AlternateContent>
-          <mc:AlternateContent xmlns:mc="http://schemas.openxmlformats.org/markup-compatibility/2006">
-            <mc:Choice xmlns:a14="http://schemas.microsoft.com/office/drawing/2010/main" Requires="a14">
+          <mc:AlternateContent xmlns:mc="http://schemas.openxmlformats.org/markup-compatibility/2006" xmlns:a14="http://schemas.microsoft.com/office/drawing/2010/main">
+            <mc:Choice Requires="a14">
               <p:sp>
                 <p:nvSpPr>
                   <p:cNvPr id="19" name="圆角矩形 18"/>
@@ -4291,7 +4298,7 @@
                 </p:txBody>
               </p:sp>
             </mc:Choice>
-            <mc:Fallback>
+            <mc:Fallback xmlns="">
               <p:sp>
                 <p:nvSpPr>
                   <p:cNvPr id="19" name="圆角矩形 18"/>
@@ -4571,6 +4578,7239 @@
 </p:sld>
 </file>
 
+<file path=ppt/slides/slide2.xml><?xml version="1.0" encoding="utf-8"?>
+<p:sld xmlns:a="http://schemas.openxmlformats.org/drawingml/2006/main" xmlns:r="http://schemas.openxmlformats.org/officeDocument/2006/relationships" xmlns:p="http://schemas.openxmlformats.org/presentationml/2006/main">
+  <p:cSld>
+    <p:spTree>
+      <p:nvGrpSpPr>
+        <p:cNvPr id="1" name=""/>
+        <p:cNvGrpSpPr/>
+        <p:nvPr/>
+      </p:nvGrpSpPr>
+      <p:grpSpPr>
+        <a:xfrm>
+          <a:off x="0" y="0"/>
+          <a:ext cx="0" cy="0"/>
+          <a:chOff x="0" y="0"/>
+          <a:chExt cx="0" cy="0"/>
+        </a:xfrm>
+      </p:grpSpPr>
+      <mc:AlternateContent xmlns:mc="http://schemas.openxmlformats.org/markup-compatibility/2006" xmlns:a14="http://schemas.microsoft.com/office/drawing/2010/main">
+        <mc:Choice Requires="a14">
+          <p:graphicFrame>
+            <p:nvGraphicFramePr>
+              <p:cNvPr id="5" name="表格 4"/>
+              <p:cNvGraphicFramePr>
+                <a:graphicFrameLocks noGrp="1"/>
+              </p:cNvGraphicFramePr>
+              <p:nvPr>
+                <p:extLst>
+                  <p:ext uri="{D42A27DB-BD31-4B8C-83A1-F6EECF244321}">
+                    <p14:modId xmlns:p14="http://schemas.microsoft.com/office/powerpoint/2010/main" val="460694813"/>
+                  </p:ext>
+                </p:extLst>
+              </p:nvPr>
+            </p:nvGraphicFramePr>
+            <p:xfrm>
+              <a:off x="1200690" y="4297209"/>
+              <a:ext cx="5790409" cy="1401445"/>
+            </p:xfrm>
+            <a:graphic>
+              <a:graphicData uri="http://schemas.openxmlformats.org/drawingml/2006/table">
+                <a:tbl>
+                  <a:tblPr firstRow="1" bandRow="1">
+                    <a:tableStyleId>{5C22544A-7EE6-4342-B048-85BDC9FD1C3A}</a:tableStyleId>
+                  </a:tblPr>
+                  <a:tblGrid>
+                    <a:gridCol w="795052">
+                      <a:extLst>
+                        <a:ext uri="{9D8B030D-6E8A-4147-A177-3AD203B41FA5}">
+                          <a16:colId xmlns:a16="http://schemas.microsoft.com/office/drawing/2014/main" val="3835905478"/>
+                        </a:ext>
+                      </a:extLst>
+                    </a:gridCol>
+                    <a:gridCol w="335039">
+                      <a:extLst>
+                        <a:ext uri="{9D8B030D-6E8A-4147-A177-3AD203B41FA5}">
+                          <a16:colId xmlns:a16="http://schemas.microsoft.com/office/drawing/2014/main" val="2520250840"/>
+                        </a:ext>
+                      </a:extLst>
+                    </a:gridCol>
+                    <a:gridCol w="346579">
+                      <a:extLst>
+                        <a:ext uri="{9D8B030D-6E8A-4147-A177-3AD203B41FA5}">
+                          <a16:colId xmlns:a16="http://schemas.microsoft.com/office/drawing/2014/main" val="1926617718"/>
+                        </a:ext>
+                      </a:extLst>
+                    </a:gridCol>
+                    <a:gridCol w="346579">
+                      <a:extLst>
+                        <a:ext uri="{9D8B030D-6E8A-4147-A177-3AD203B41FA5}">
+                          <a16:colId xmlns:a16="http://schemas.microsoft.com/office/drawing/2014/main" val="4288553424"/>
+                        </a:ext>
+                      </a:extLst>
+                    </a:gridCol>
+                    <a:gridCol w="346579">
+                      <a:extLst>
+                        <a:ext uri="{9D8B030D-6E8A-4147-A177-3AD203B41FA5}">
+                          <a16:colId xmlns:a16="http://schemas.microsoft.com/office/drawing/2014/main" val="2446567331"/>
+                        </a:ext>
+                      </a:extLst>
+                    </a:gridCol>
+                    <a:gridCol w="346579">
+                      <a:extLst>
+                        <a:ext uri="{9D8B030D-6E8A-4147-A177-3AD203B41FA5}">
+                          <a16:colId xmlns:a16="http://schemas.microsoft.com/office/drawing/2014/main" val="2806472921"/>
+                        </a:ext>
+                      </a:extLst>
+                    </a:gridCol>
+                    <a:gridCol w="407032">
+                      <a:extLst>
+                        <a:ext uri="{9D8B030D-6E8A-4147-A177-3AD203B41FA5}">
+                          <a16:colId xmlns:a16="http://schemas.microsoft.com/office/drawing/2014/main" val="1321504224"/>
+                        </a:ext>
+                      </a:extLst>
+                    </a:gridCol>
+                    <a:gridCol w="349903">
+                      <a:extLst>
+                        <a:ext uri="{9D8B030D-6E8A-4147-A177-3AD203B41FA5}">
+                          <a16:colId xmlns:a16="http://schemas.microsoft.com/office/drawing/2014/main" val="2001720395"/>
+                        </a:ext>
+                      </a:extLst>
+                    </a:gridCol>
+                    <a:gridCol w="1378295">
+                      <a:extLst>
+                        <a:ext uri="{9D8B030D-6E8A-4147-A177-3AD203B41FA5}">
+                          <a16:colId xmlns:a16="http://schemas.microsoft.com/office/drawing/2014/main" val="1811971496"/>
+                        </a:ext>
+                      </a:extLst>
+                    </a:gridCol>
+                    <a:gridCol w="561134">
+                      <a:extLst>
+                        <a:ext uri="{9D8B030D-6E8A-4147-A177-3AD203B41FA5}">
+                          <a16:colId xmlns:a16="http://schemas.microsoft.com/office/drawing/2014/main" val="79094274"/>
+                        </a:ext>
+                      </a:extLst>
+                    </a:gridCol>
+                    <a:gridCol w="577638">
+                      <a:extLst>
+                        <a:ext uri="{9D8B030D-6E8A-4147-A177-3AD203B41FA5}">
+                          <a16:colId xmlns:a16="http://schemas.microsoft.com/office/drawing/2014/main" val="799803660"/>
+                        </a:ext>
+                      </a:extLst>
+                    </a:gridCol>
+                  </a:tblGrid>
+                  <a:tr h="321475">
+                    <a:tc>
+                      <a:txBody>
+                        <a:bodyPr/>
+                        <a:lstStyle/>
+                        <a:p>
+                          <a:pPr algn="ctr"/>
+                          <a:r>
+                            <a:rPr lang="zh-CN" altLang="en-US" sz="1800" b="1" dirty="0" smtClean="0">
+                              <a:solidFill>
+                                <a:schemeClr val="tx1"/>
+                              </a:solidFill>
+                              <a:latin typeface="+mn-ea"/>
+                              <a:ea typeface="+mn-ea"/>
+                            </a:rPr>
+                            <a:t>点</a:t>
+                          </a:r>
+                          <a:endParaRPr lang="zh-CN" altLang="en-US" sz="1800" b="1" dirty="0">
+                            <a:solidFill>
+                              <a:schemeClr val="tx1"/>
+                            </a:solidFill>
+                            <a:latin typeface="+mn-ea"/>
+                            <a:ea typeface="+mn-ea"/>
+                          </a:endParaRPr>
+                        </a:p>
+                      </a:txBody>
+                      <a:tcPr>
+                        <a:solidFill>
+                          <a:schemeClr val="accent1">
+                            <a:lumMod val="40000"/>
+                            <a:lumOff val="60000"/>
+                          </a:schemeClr>
+                        </a:solidFill>
+                      </a:tcPr>
+                    </a:tc>
+                    <a:tc gridSpan="2">
+                      <a:txBody>
+                        <a:bodyPr/>
+                        <a:lstStyle/>
+                        <a:p>
+                          <a:pPr algn="ctr"/>
+                          <a14:m>
+                            <m:oMathPara xmlns:m="http://schemas.openxmlformats.org/officeDocument/2006/math">
+                              <m:oMathParaPr>
+                                <m:jc m:val="centerGroup"/>
+                              </m:oMathParaPr>
+                              <m:oMath xmlns:m="http://schemas.openxmlformats.org/officeDocument/2006/math">
+                                <m:sSub>
+                                  <m:sSubPr>
+                                    <m:ctrlPr>
+                                      <a:rPr lang="zh-CN" altLang="zh-CN" sz="1800" b="0" i="1" kern="1200" smtClean="0">
+                                        <a:solidFill>
+                                          <a:schemeClr val="tx1"/>
+                                        </a:solidFill>
+                                        <a:effectLst/>
+                                        <a:latin typeface="Cambria Math" panose="02040503050406030204" pitchFamily="18" charset="0"/>
+                                        <a:ea typeface="+mn-ea"/>
+                                        <a:cs typeface="+mn-cs"/>
+                                      </a:rPr>
+                                    </m:ctrlPr>
+                                  </m:sSubPr>
+                                  <m:e>
+                                    <m:r>
+                                      <a:rPr lang="en-US" altLang="zh-CN" sz="1800" b="0" i="1" kern="1200" smtClean="0">
+                                        <a:solidFill>
+                                          <a:schemeClr val="tx1"/>
+                                        </a:solidFill>
+                                        <a:effectLst/>
+                                        <a:latin typeface="Cambria Math" panose="02040503050406030204" pitchFamily="18" charset="0"/>
+                                        <a:ea typeface="+mn-ea"/>
+                                        <a:cs typeface="+mn-cs"/>
+                                      </a:rPr>
+                                      <m:t>𝑟</m:t>
+                                    </m:r>
+                                  </m:e>
+                                  <m:sub>
+                                    <m:r>
+                                      <a:rPr lang="en-US" altLang="zh-CN" sz="1800" b="0" i="1" kern="1200">
+                                        <a:solidFill>
+                                          <a:schemeClr val="tx1"/>
+                                        </a:solidFill>
+                                        <a:effectLst/>
+                                        <a:latin typeface="Cambria Math" panose="02040503050406030204" pitchFamily="18" charset="0"/>
+                                        <a:ea typeface="+mn-ea"/>
+                                        <a:cs typeface="+mn-cs"/>
+                                      </a:rPr>
+                                      <m:t>0</m:t>
+                                    </m:r>
+                                  </m:sub>
+                                </m:sSub>
+                              </m:oMath>
+                            </m:oMathPara>
+                          </a14:m>
+                          <a:endParaRPr lang="zh-CN" altLang="en-US" sz="1800" b="0" dirty="0">
+                            <a:solidFill>
+                              <a:schemeClr val="tx1"/>
+                            </a:solidFill>
+                            <a:latin typeface="+mn-ea"/>
+                            <a:ea typeface="+mn-ea"/>
+                          </a:endParaRPr>
+                        </a:p>
+                      </a:txBody>
+                      <a:tcPr>
+                        <a:solidFill>
+                          <a:schemeClr val="accent1">
+                            <a:lumMod val="40000"/>
+                            <a:lumOff val="60000"/>
+                          </a:schemeClr>
+                        </a:solidFill>
+                      </a:tcPr>
+                    </a:tc>
+                    <a:tc hMerge="1">
+                      <a:txBody>
+                        <a:bodyPr/>
+                        <a:lstStyle/>
+                        <a:p>
+                          <a:endParaRPr lang="zh-CN" altLang="en-US" dirty="0"/>
+                        </a:p>
+                      </a:txBody>
+                      <a:tcPr/>
+                    </a:tc>
+                    <a:tc gridSpan="2">
+                      <a:txBody>
+                        <a:bodyPr/>
+                        <a:lstStyle/>
+                        <a:p>
+                          <a:pPr marL="0" marR="0" indent="0" algn="ctr" defTabSz="914400" rtl="0" eaLnBrk="1" fontAlgn="auto" latinLnBrk="0" hangingPunct="1">
+                            <a:lnSpc>
+                              <a:spcPct val="100000"/>
+                            </a:lnSpc>
+                            <a:spcBef>
+                              <a:spcPts val="0"/>
+                            </a:spcBef>
+                            <a:spcAft>
+                              <a:spcPts val="0"/>
+                            </a:spcAft>
+                            <a:buClrTx/>
+                            <a:buSzTx/>
+                            <a:buFontTx/>
+                            <a:buNone/>
+                            <a:tabLst/>
+                            <a:defRPr/>
+                          </a:pPr>
+                          <a14:m>
+                            <m:oMathPara xmlns:m="http://schemas.openxmlformats.org/officeDocument/2006/math">
+                              <m:oMathParaPr>
+                                <m:jc m:val="centerGroup"/>
+                              </m:oMathParaPr>
+                              <m:oMath xmlns:m="http://schemas.openxmlformats.org/officeDocument/2006/math">
+                                <m:sSub>
+                                  <m:sSubPr>
+                                    <m:ctrlPr>
+                                      <a:rPr lang="zh-CN" altLang="zh-CN" sz="1800" b="0" i="1" kern="1200" smtClean="0">
+                                        <a:solidFill>
+                                          <a:schemeClr val="tx1"/>
+                                        </a:solidFill>
+                                        <a:effectLst/>
+                                        <a:latin typeface="Cambria Math" panose="02040503050406030204" pitchFamily="18" charset="0"/>
+                                        <a:ea typeface="+mn-ea"/>
+                                        <a:cs typeface="+mn-cs"/>
+                                      </a:rPr>
+                                    </m:ctrlPr>
+                                  </m:sSubPr>
+                                  <m:e>
+                                    <m:r>
+                                      <a:rPr lang="en-US" altLang="zh-CN" sz="1800" b="0" i="1" kern="1200">
+                                        <a:solidFill>
+                                          <a:schemeClr val="tx1"/>
+                                        </a:solidFill>
+                                        <a:effectLst/>
+                                        <a:latin typeface="Cambria Math" panose="02040503050406030204" pitchFamily="18" charset="0"/>
+                                        <a:ea typeface="+mn-ea"/>
+                                        <a:cs typeface="+mn-cs"/>
+                                      </a:rPr>
+                                      <m:t>𝑏𝑝</m:t>
+                                    </m:r>
+                                  </m:e>
+                                  <m:sub>
+                                    <m:r>
+                                      <a:rPr lang="en-US" altLang="zh-CN" sz="1800" b="0" i="1" kern="1200">
+                                        <a:solidFill>
+                                          <a:schemeClr val="tx1"/>
+                                        </a:solidFill>
+                                        <a:effectLst/>
+                                        <a:latin typeface="Cambria Math" panose="02040503050406030204" pitchFamily="18" charset="0"/>
+                                        <a:ea typeface="+mn-ea"/>
+                                        <a:cs typeface="+mn-cs"/>
+                                      </a:rPr>
+                                      <m:t>0</m:t>
+                                    </m:r>
+                                  </m:sub>
+                                </m:sSub>
+                              </m:oMath>
+                            </m:oMathPara>
+                          </a14:m>
+                          <a:endParaRPr lang="zh-CN" altLang="en-US" sz="1800" b="0" dirty="0">
+                            <a:solidFill>
+                              <a:schemeClr val="tx1"/>
+                            </a:solidFill>
+                            <a:latin typeface="+mn-ea"/>
+                            <a:ea typeface="+mn-ea"/>
+                          </a:endParaRPr>
+                        </a:p>
+                      </a:txBody>
+                      <a:tcPr>
+                        <a:solidFill>
+                          <a:schemeClr val="accent1">
+                            <a:lumMod val="40000"/>
+                            <a:lumOff val="60000"/>
+                          </a:schemeClr>
+                        </a:solidFill>
+                      </a:tcPr>
+                    </a:tc>
+                    <a:tc hMerge="1">
+                      <a:txBody>
+                        <a:bodyPr/>
+                        <a:lstStyle/>
+                        <a:p>
+                          <a:pPr marL="0" marR="0" indent="0" algn="l" defTabSz="914400" rtl="0" eaLnBrk="1" fontAlgn="auto" latinLnBrk="0" hangingPunct="1">
+                            <a:lnSpc>
+                              <a:spcPct val="100000"/>
+                            </a:lnSpc>
+                            <a:spcBef>
+                              <a:spcPts val="0"/>
+                            </a:spcBef>
+                            <a:spcAft>
+                              <a:spcPts val="0"/>
+                            </a:spcAft>
+                            <a:buClrTx/>
+                            <a:buSzTx/>
+                            <a:buFontTx/>
+                            <a:buNone/>
+                            <a:tabLst/>
+                            <a:defRPr/>
+                          </a:pPr>
+                          <a:endParaRPr lang="zh-CN" altLang="en-US" dirty="0"/>
+                        </a:p>
+                      </a:txBody>
+                      <a:tcPr/>
+                    </a:tc>
+                    <a:tc gridSpan="2">
+                      <a:txBody>
+                        <a:bodyPr/>
+                        <a:lstStyle/>
+                        <a:p>
+                          <a:pPr marL="0" marR="0" indent="0" algn="ctr" defTabSz="914400" rtl="0" eaLnBrk="1" fontAlgn="auto" latinLnBrk="0" hangingPunct="1">
+                            <a:lnSpc>
+                              <a:spcPct val="100000"/>
+                            </a:lnSpc>
+                            <a:spcBef>
+                              <a:spcPts val="0"/>
+                            </a:spcBef>
+                            <a:spcAft>
+                              <a:spcPts val="0"/>
+                            </a:spcAft>
+                            <a:buClrTx/>
+                            <a:buSzTx/>
+                            <a:buFontTx/>
+                            <a:buNone/>
+                            <a:tabLst/>
+                            <a:defRPr/>
+                          </a:pPr>
+                          <a14:m>
+                            <m:oMathPara xmlns:m="http://schemas.openxmlformats.org/officeDocument/2006/math">
+                              <m:oMathParaPr>
+                                <m:jc m:val="centerGroup"/>
+                              </m:oMathParaPr>
+                              <m:oMath xmlns:m="http://schemas.openxmlformats.org/officeDocument/2006/math">
+                                <m:sSub>
+                                  <m:sSubPr>
+                                    <m:ctrlPr>
+                                      <a:rPr lang="zh-CN" altLang="zh-CN" sz="1800" b="0" i="1" kern="1200" smtClean="0">
+                                        <a:solidFill>
+                                          <a:schemeClr val="tx1"/>
+                                        </a:solidFill>
+                                        <a:effectLst/>
+                                        <a:latin typeface="Cambria Math" panose="02040503050406030204" pitchFamily="18" charset="0"/>
+                                        <a:ea typeface="+mn-ea"/>
+                                        <a:cs typeface="+mn-cs"/>
+                                      </a:rPr>
+                                    </m:ctrlPr>
+                                  </m:sSubPr>
+                                  <m:e>
+                                    <m:r>
+                                      <a:rPr lang="en-US" altLang="zh-CN" sz="1800" b="0" i="1" kern="1200">
+                                        <a:solidFill>
+                                          <a:schemeClr val="tx1"/>
+                                        </a:solidFill>
+                                        <a:effectLst/>
+                                        <a:latin typeface="Cambria Math" panose="02040503050406030204" pitchFamily="18" charset="0"/>
+                                        <a:ea typeface="+mn-ea"/>
+                                        <a:cs typeface="+mn-cs"/>
+                                      </a:rPr>
+                                      <m:t>𝑏𝑝</m:t>
+                                    </m:r>
+                                  </m:e>
+                                  <m:sub>
+                                    <m:r>
+                                      <a:rPr lang="en-US" altLang="zh-CN" sz="1800" b="0" i="1" kern="1200" smtClean="0">
+                                        <a:solidFill>
+                                          <a:schemeClr val="tx1"/>
+                                        </a:solidFill>
+                                        <a:effectLst/>
+                                        <a:latin typeface="Cambria Math" panose="02040503050406030204" pitchFamily="18" charset="0"/>
+                                        <a:ea typeface="+mn-ea"/>
+                                        <a:cs typeface="+mn-cs"/>
+                                      </a:rPr>
+                                      <m:t>𝑖</m:t>
+                                    </m:r>
+                                  </m:sub>
+                                </m:sSub>
+                              </m:oMath>
+                            </m:oMathPara>
+                          </a14:m>
+                          <a:endParaRPr lang="zh-CN" altLang="en-US" sz="1800" b="0" dirty="0">
+                            <a:solidFill>
+                              <a:schemeClr val="tx1"/>
+                            </a:solidFill>
+                            <a:latin typeface="+mn-ea"/>
+                            <a:ea typeface="+mn-ea"/>
+                          </a:endParaRPr>
+                        </a:p>
+                      </a:txBody>
+                      <a:tcPr>
+                        <a:solidFill>
+                          <a:schemeClr val="accent1">
+                            <a:lumMod val="40000"/>
+                            <a:lumOff val="60000"/>
+                          </a:schemeClr>
+                        </a:solidFill>
+                      </a:tcPr>
+                    </a:tc>
+                    <a:tc hMerge="1">
+                      <a:txBody>
+                        <a:bodyPr/>
+                        <a:lstStyle/>
+                        <a:p>
+                          <a:pPr marL="0" marR="0" indent="0" algn="l" defTabSz="914400" rtl="0" eaLnBrk="1" fontAlgn="auto" latinLnBrk="0" hangingPunct="1">
+                            <a:lnSpc>
+                              <a:spcPct val="100000"/>
+                            </a:lnSpc>
+                            <a:spcBef>
+                              <a:spcPts val="0"/>
+                            </a:spcBef>
+                            <a:spcAft>
+                              <a:spcPts val="0"/>
+                            </a:spcAft>
+                            <a:buClrTx/>
+                            <a:buSzTx/>
+                            <a:buFontTx/>
+                            <a:buNone/>
+                            <a:tabLst/>
+                            <a:defRPr/>
+                          </a:pPr>
+                          <a:endParaRPr lang="zh-CN" altLang="en-US" dirty="0"/>
+                        </a:p>
+                      </a:txBody>
+                      <a:tcPr/>
+                    </a:tc>
+                    <a:tc gridSpan="2">
+                      <a:txBody>
+                        <a:bodyPr/>
+                        <a:lstStyle/>
+                        <a:p>
+                          <a:pPr algn="ctr"/>
+                          <a14:m>
+                            <m:oMathPara xmlns:m="http://schemas.openxmlformats.org/officeDocument/2006/math">
+                              <m:oMathParaPr>
+                                <m:jc m:val="centerGroup"/>
+                              </m:oMathParaPr>
+                              <m:oMath xmlns:m="http://schemas.openxmlformats.org/officeDocument/2006/math">
+                                <m:sSub>
+                                  <m:sSubPr>
+                                    <m:ctrlPr>
+                                      <a:rPr lang="zh-CN" altLang="zh-CN" sz="1800" b="0" i="1" kern="1200" smtClean="0">
+                                        <a:solidFill>
+                                          <a:schemeClr val="tx1"/>
+                                        </a:solidFill>
+                                        <a:effectLst/>
+                                        <a:latin typeface="Cambria Math" panose="02040503050406030204" pitchFamily="18" charset="0"/>
+                                        <a:ea typeface="+mn-ea"/>
+                                        <a:cs typeface="+mn-cs"/>
+                                      </a:rPr>
+                                    </m:ctrlPr>
+                                  </m:sSubPr>
+                                  <m:e>
+                                    <m:r>
+                                      <a:rPr lang="en-US" altLang="zh-CN" sz="1800" b="0" i="1" kern="1200">
+                                        <a:solidFill>
+                                          <a:schemeClr val="tx1"/>
+                                        </a:solidFill>
+                                        <a:effectLst/>
+                                        <a:latin typeface="Cambria Math" panose="02040503050406030204" pitchFamily="18" charset="0"/>
+                                        <a:ea typeface="+mn-ea"/>
+                                        <a:cs typeface="+mn-cs"/>
+                                      </a:rPr>
+                                      <m:t>𝑏𝑝</m:t>
+                                    </m:r>
+                                  </m:e>
+                                  <m:sub>
+                                    <m:r>
+                                      <a:rPr lang="en-US" altLang="zh-CN" sz="1800" b="0" i="1" kern="1200" smtClean="0">
+                                        <a:solidFill>
+                                          <a:schemeClr val="tx1"/>
+                                        </a:solidFill>
+                                        <a:effectLst/>
+                                        <a:latin typeface="Cambria Math" panose="02040503050406030204" pitchFamily="18" charset="0"/>
+                                        <a:ea typeface="+mn-ea"/>
+                                        <a:cs typeface="+mn-cs"/>
+                                      </a:rPr>
+                                      <m:t>5</m:t>
+                                    </m:r>
+                                  </m:sub>
+                                </m:sSub>
+                              </m:oMath>
+                            </m:oMathPara>
+                          </a14:m>
+                          <a:endParaRPr lang="zh-CN" altLang="en-US" sz="1800" b="0" dirty="0">
+                            <a:solidFill>
+                              <a:schemeClr val="tx1"/>
+                            </a:solidFill>
+                            <a:latin typeface="+mn-ea"/>
+                            <a:ea typeface="+mn-ea"/>
+                          </a:endParaRPr>
+                        </a:p>
+                      </a:txBody>
+                      <a:tcPr>
+                        <a:solidFill>
+                          <a:schemeClr val="accent1">
+                            <a:lumMod val="40000"/>
+                            <a:lumOff val="60000"/>
+                          </a:schemeClr>
+                        </a:solidFill>
+                      </a:tcPr>
+                    </a:tc>
+                    <a:tc hMerge="1">
+                      <a:txBody>
+                        <a:bodyPr/>
+                        <a:lstStyle/>
+                        <a:p>
+                          <a:endParaRPr lang="zh-CN" altLang="en-US"/>
+                        </a:p>
+                      </a:txBody>
+                      <a:tcPr/>
+                    </a:tc>
+                    <a:tc gridSpan="2">
+                      <a:txBody>
+                        <a:bodyPr/>
+                        <a:lstStyle/>
+                        <a:p>
+                          <a:pPr algn="ctr"/>
+                          <a14:m>
+                            <m:oMathPara xmlns:m="http://schemas.openxmlformats.org/officeDocument/2006/math">
+                              <m:oMathParaPr>
+                                <m:jc m:val="centerGroup"/>
+                              </m:oMathParaPr>
+                              <m:oMath xmlns:m="http://schemas.openxmlformats.org/officeDocument/2006/math">
+                                <m:sSub>
+                                  <m:sSubPr>
+                                    <m:ctrlPr>
+                                      <a:rPr lang="zh-CN" altLang="zh-CN" sz="1800" b="0" i="1" kern="1200" smtClean="0">
+                                        <a:solidFill>
+                                          <a:schemeClr val="tx1"/>
+                                        </a:solidFill>
+                                        <a:effectLst/>
+                                        <a:latin typeface="Cambria Math" panose="02040503050406030204" pitchFamily="18" charset="0"/>
+                                        <a:ea typeface="+mn-ea"/>
+                                        <a:cs typeface="+mn-cs"/>
+                                      </a:rPr>
+                                    </m:ctrlPr>
+                                  </m:sSubPr>
+                                  <m:e>
+                                    <m:r>
+                                      <a:rPr lang="en-US" altLang="zh-CN" sz="1800" b="0" i="1" kern="1200" smtClean="0">
+                                        <a:solidFill>
+                                          <a:schemeClr val="tx1"/>
+                                        </a:solidFill>
+                                        <a:effectLst/>
+                                        <a:latin typeface="Cambria Math" panose="02040503050406030204" pitchFamily="18" charset="0"/>
+                                        <a:ea typeface="+mn-ea"/>
+                                        <a:cs typeface="+mn-cs"/>
+                                      </a:rPr>
+                                      <m:t>𝑟</m:t>
+                                    </m:r>
+                                  </m:e>
+                                  <m:sub>
+                                    <m:r>
+                                      <a:rPr lang="en-US" altLang="zh-CN" sz="1800" b="0" i="1" kern="1200" smtClean="0">
+                                        <a:solidFill>
+                                          <a:schemeClr val="tx1"/>
+                                        </a:solidFill>
+                                        <a:effectLst/>
+                                        <a:latin typeface="Cambria Math" panose="02040503050406030204" pitchFamily="18" charset="0"/>
+                                        <a:ea typeface="+mn-ea"/>
+                                        <a:cs typeface="+mn-cs"/>
+                                      </a:rPr>
+                                      <m:t>1</m:t>
+                                    </m:r>
+                                  </m:sub>
+                                </m:sSub>
+                              </m:oMath>
+                            </m:oMathPara>
+                          </a14:m>
+                          <a:endParaRPr lang="zh-CN" altLang="en-US" sz="1800" b="0" dirty="0">
+                            <a:solidFill>
+                              <a:schemeClr val="tx1"/>
+                            </a:solidFill>
+                            <a:latin typeface="+mn-ea"/>
+                            <a:ea typeface="+mn-ea"/>
+                          </a:endParaRPr>
+                        </a:p>
+                      </a:txBody>
+                      <a:tcPr>
+                        <a:solidFill>
+                          <a:schemeClr val="accent1">
+                            <a:lumMod val="40000"/>
+                            <a:lumOff val="60000"/>
+                          </a:schemeClr>
+                        </a:solidFill>
+                      </a:tcPr>
+                    </a:tc>
+                    <a:tc hMerge="1">
+                      <a:txBody>
+                        <a:bodyPr/>
+                        <a:lstStyle/>
+                        <a:p>
+                          <a:endParaRPr lang="zh-CN" altLang="en-US"/>
+                        </a:p>
+                      </a:txBody>
+                      <a:tcPr/>
+                    </a:tc>
+                    <a:extLst>
+                      <a:ext uri="{0D108BD9-81ED-4DB2-BD59-A6C34878D82A}">
+                        <a16:rowId xmlns:a16="http://schemas.microsoft.com/office/drawing/2014/main" val="4142843008"/>
+                      </a:ext>
+                    </a:extLst>
+                  </a:tr>
+                  <a:tr h="321475">
+                    <a:tc>
+                      <a:txBody>
+                        <a:bodyPr/>
+                        <a:lstStyle/>
+                        <a:p>
+                          <a:pPr algn="ctr"/>
+                          <a:r>
+                            <a:rPr lang="zh-CN" altLang="en-US" sz="1800" b="1" dirty="0" smtClean="0">
+                              <a:solidFill>
+                                <a:schemeClr val="tx1"/>
+                              </a:solidFill>
+                              <a:latin typeface="+mn-ea"/>
+                              <a:ea typeface="+mn-ea"/>
+                            </a:rPr>
+                            <a:t>长度</a:t>
+                          </a:r>
+                          <a:endParaRPr lang="zh-CN" altLang="en-US" sz="1800" b="1" dirty="0">
+                            <a:solidFill>
+                              <a:schemeClr val="tx1"/>
+                            </a:solidFill>
+                            <a:latin typeface="+mn-ea"/>
+                            <a:ea typeface="+mn-ea"/>
+                          </a:endParaRPr>
+                        </a:p>
+                      </a:txBody>
+                      <a:tcPr>
+                        <a:solidFill>
+                          <a:schemeClr val="accent1">
+                            <a:lumMod val="40000"/>
+                            <a:lumOff val="60000"/>
+                          </a:schemeClr>
+                        </a:solidFill>
+                      </a:tcPr>
+                    </a:tc>
+                    <a:tc>
+                      <a:txBody>
+                        <a:bodyPr/>
+                        <a:lstStyle/>
+                        <a:p>
+                          <a:pPr algn="ctr"/>
+                          <a:endParaRPr lang="zh-CN" altLang="en-US" sz="1800" dirty="0">
+                            <a:solidFill>
+                              <a:schemeClr val="tx1"/>
+                            </a:solidFill>
+                            <a:latin typeface="+mn-ea"/>
+                            <a:ea typeface="+mn-ea"/>
+                          </a:endParaRPr>
+                        </a:p>
+                      </a:txBody>
+                      <a:tcPr>
+                        <a:solidFill>
+                          <a:schemeClr val="accent1">
+                            <a:lumMod val="40000"/>
+                            <a:lumOff val="60000"/>
+                          </a:schemeClr>
+                        </a:solidFill>
+                      </a:tcPr>
+                    </a:tc>
+                    <a:tc gridSpan="2">
+                      <a:txBody>
+                        <a:bodyPr/>
+                        <a:lstStyle/>
+                        <a:p>
+                          <a:pPr algn="ctr"/>
+                          <a14:m>
+                            <m:oMathPara xmlns:m="http://schemas.openxmlformats.org/officeDocument/2006/math">
+                              <m:oMathParaPr>
+                                <m:jc m:val="centerGroup"/>
+                              </m:oMathParaPr>
+                              <m:oMath xmlns:m="http://schemas.openxmlformats.org/officeDocument/2006/math">
+                                <m:r>
+                                  <m:rPr>
+                                    <m:sty m:val="p"/>
+                                  </m:rPr>
+                                  <a:rPr lang="en-US" altLang="zh-CN" sz="1800" kern="1200" smtClean="0">
+                                    <a:solidFill>
+                                      <a:schemeClr val="tx1"/>
+                                    </a:solidFill>
+                                    <a:effectLst/>
+                                    <a:latin typeface="Cambria Math" panose="02040503050406030204" pitchFamily="18" charset="0"/>
+                                    <a:ea typeface="+mn-ea"/>
+                                    <a:cs typeface="+mn-cs"/>
+                                  </a:rPr>
+                                  <m:t>η</m:t>
+                                </m:r>
+                              </m:oMath>
+                            </m:oMathPara>
+                          </a14:m>
+                          <a:endParaRPr lang="zh-CN" altLang="en-US" sz="1800" dirty="0">
+                            <a:solidFill>
+                              <a:schemeClr val="tx1"/>
+                            </a:solidFill>
+                            <a:latin typeface="+mn-ea"/>
+                            <a:ea typeface="+mn-ea"/>
+                          </a:endParaRPr>
+                        </a:p>
+                      </a:txBody>
+                      <a:tcPr>
+                        <a:solidFill>
+                          <a:schemeClr val="accent1">
+                            <a:lumMod val="40000"/>
+                            <a:lumOff val="60000"/>
+                          </a:schemeClr>
+                        </a:solidFill>
+                      </a:tcPr>
+                    </a:tc>
+                    <a:tc hMerge="1">
+                      <a:txBody>
+                        <a:bodyPr/>
+                        <a:lstStyle/>
+                        <a:p>
+                          <a:endParaRPr lang="zh-CN" altLang="en-US" dirty="0"/>
+                        </a:p>
+                      </a:txBody>
+                      <a:tcPr/>
+                    </a:tc>
+                    <a:tc gridSpan="2">
+                      <a:txBody>
+                        <a:bodyPr/>
+                        <a:lstStyle/>
+                        <a:p>
+                          <a:pPr algn="ctr"/>
+                          <a14:m>
+                            <m:oMathPara xmlns:m="http://schemas.openxmlformats.org/officeDocument/2006/math">
+                              <m:oMathParaPr>
+                                <m:jc m:val="centerGroup"/>
+                              </m:oMathParaPr>
+                              <m:oMath xmlns:m="http://schemas.openxmlformats.org/officeDocument/2006/math">
+                                <m:r>
+                                  <m:rPr>
+                                    <m:sty m:val="p"/>
+                                  </m:rPr>
+                                  <a:rPr lang="en-US" altLang="zh-CN" sz="1800" kern="1200" smtClean="0">
+                                    <a:solidFill>
+                                      <a:schemeClr val="tx1"/>
+                                    </a:solidFill>
+                                    <a:effectLst/>
+                                    <a:latin typeface="Cambria Math" panose="02040503050406030204" pitchFamily="18" charset="0"/>
+                                    <a:ea typeface="+mn-ea"/>
+                                    <a:cs typeface="+mn-cs"/>
+                                  </a:rPr>
+                                  <m:t>η</m:t>
+                                </m:r>
+                              </m:oMath>
+                            </m:oMathPara>
+                          </a14:m>
+                          <a:endParaRPr lang="zh-CN" altLang="en-US" sz="1800" dirty="0">
+                            <a:solidFill>
+                              <a:schemeClr val="tx1"/>
+                            </a:solidFill>
+                            <a:latin typeface="+mn-ea"/>
+                            <a:ea typeface="+mn-ea"/>
+                          </a:endParaRPr>
+                        </a:p>
+                      </a:txBody>
+                      <a:tcPr>
+                        <a:solidFill>
+                          <a:schemeClr val="accent1">
+                            <a:lumMod val="40000"/>
+                            <a:lumOff val="60000"/>
+                          </a:schemeClr>
+                        </a:solidFill>
+                      </a:tcPr>
+                    </a:tc>
+                    <a:tc hMerge="1">
+                      <a:txBody>
+                        <a:bodyPr/>
+                        <a:lstStyle/>
+                        <a:p>
+                          <a:endParaRPr lang="zh-CN" altLang="en-US" dirty="0"/>
+                        </a:p>
+                      </a:txBody>
+                      <a:tcPr/>
+                    </a:tc>
+                    <a:tc gridSpan="2">
+                      <a:txBody>
+                        <a:bodyPr/>
+                        <a:lstStyle/>
+                        <a:p>
+                          <a:pPr algn="ctr"/>
+                          <a14:m>
+                            <m:oMathPara xmlns:m="http://schemas.openxmlformats.org/officeDocument/2006/math">
+                              <m:oMathParaPr>
+                                <m:jc m:val="centerGroup"/>
+                              </m:oMathParaPr>
+                              <m:oMath xmlns:m="http://schemas.openxmlformats.org/officeDocument/2006/math">
+                                <m:r>
+                                  <m:rPr>
+                                    <m:sty m:val="p"/>
+                                  </m:rPr>
+                                  <a:rPr lang="en-US" altLang="zh-CN" sz="1800" kern="1200" smtClean="0">
+                                    <a:solidFill>
+                                      <a:schemeClr val="tx1"/>
+                                    </a:solidFill>
+                                    <a:effectLst/>
+                                    <a:latin typeface="Cambria Math" panose="02040503050406030204" pitchFamily="18" charset="0"/>
+                                    <a:ea typeface="+mn-ea"/>
+                                    <a:cs typeface="+mn-cs"/>
+                                  </a:rPr>
+                                  <m:t>η</m:t>
+                                </m:r>
+                              </m:oMath>
+                            </m:oMathPara>
+                          </a14:m>
+                          <a:endParaRPr lang="zh-CN" altLang="en-US" sz="1800" dirty="0">
+                            <a:solidFill>
+                              <a:schemeClr val="tx1"/>
+                            </a:solidFill>
+                            <a:latin typeface="+mn-ea"/>
+                            <a:ea typeface="+mn-ea"/>
+                          </a:endParaRPr>
+                        </a:p>
+                      </a:txBody>
+                      <a:tcPr>
+                        <a:solidFill>
+                          <a:schemeClr val="accent1">
+                            <a:lumMod val="40000"/>
+                            <a:lumOff val="60000"/>
+                          </a:schemeClr>
+                        </a:solidFill>
+                      </a:tcPr>
+                    </a:tc>
+                    <a:tc hMerge="1">
+                      <a:txBody>
+                        <a:bodyPr/>
+                        <a:lstStyle/>
+                        <a:p>
+                          <a:endParaRPr lang="zh-CN" altLang="en-US"/>
+                        </a:p>
+                      </a:txBody>
+                      <a:tcPr/>
+                    </a:tc>
+                    <a:tc gridSpan="2">
+                      <a:txBody>
+                        <a:bodyPr/>
+                        <a:lstStyle/>
+                        <a:p>
+                          <a:pPr algn="ctr"/>
+                          <a14:m>
+                            <m:oMathPara xmlns:m="http://schemas.openxmlformats.org/officeDocument/2006/math">
+                              <m:oMathParaPr>
+                                <m:jc m:val="centerGroup"/>
+                              </m:oMathParaPr>
+                              <m:oMath xmlns:m="http://schemas.openxmlformats.org/officeDocument/2006/math">
+                                <m:r>
+                                  <a:rPr lang="en-US" altLang="zh-CN" sz="1800" i="1" kern="1200" smtClean="0">
+                                    <a:solidFill>
+                                      <a:schemeClr val="tx1"/>
+                                    </a:solidFill>
+                                    <a:effectLst/>
+                                    <a:latin typeface="Cambria Math" panose="02040503050406030204" pitchFamily="18" charset="0"/>
+                                    <a:ea typeface="+mn-ea"/>
+                                    <a:cs typeface="+mn-cs"/>
+                                  </a:rPr>
+                                  <m:t>𝑑</m:t>
+                                </m:r>
+                                <m:d>
+                                  <m:dPr>
+                                    <m:ctrlPr>
+                                      <a:rPr lang="zh-CN" altLang="zh-CN" sz="1800" i="1" kern="1200">
+                                        <a:solidFill>
+                                          <a:schemeClr val="tx1"/>
+                                        </a:solidFill>
+                                        <a:effectLst/>
+                                        <a:latin typeface="Cambria Math" panose="02040503050406030204" pitchFamily="18" charset="0"/>
+                                        <a:ea typeface="+mn-ea"/>
+                                        <a:cs typeface="+mn-cs"/>
+                                      </a:rPr>
+                                    </m:ctrlPr>
+                                  </m:dPr>
+                                  <m:e>
+                                    <m:sSub>
+                                      <m:sSubPr>
+                                        <m:ctrlPr>
+                                          <a:rPr lang="zh-CN" altLang="zh-CN" sz="1800" i="1" kern="1200">
+                                            <a:solidFill>
+                                              <a:schemeClr val="tx1"/>
+                                            </a:solidFill>
+                                            <a:effectLst/>
+                                            <a:latin typeface="Cambria Math" panose="02040503050406030204" pitchFamily="18" charset="0"/>
+                                            <a:ea typeface="+mn-ea"/>
+                                            <a:cs typeface="+mn-cs"/>
+                                          </a:rPr>
+                                        </m:ctrlPr>
+                                      </m:sSubPr>
+                                      <m:e>
+                                        <m:r>
+                                          <a:rPr lang="en-US" altLang="zh-CN" sz="1800" i="1" kern="1200">
+                                            <a:solidFill>
+                                              <a:schemeClr val="tx1"/>
+                                            </a:solidFill>
+                                            <a:effectLst/>
+                                            <a:latin typeface="Cambria Math" panose="02040503050406030204" pitchFamily="18" charset="0"/>
+                                            <a:ea typeface="+mn-ea"/>
+                                            <a:cs typeface="+mn-cs"/>
+                                          </a:rPr>
+                                          <m:t>𝑏𝑝</m:t>
+                                        </m:r>
+                                      </m:e>
+                                      <m:sub>
+                                        <m:r>
+                                          <a:rPr lang="en-US" altLang="zh-CN" sz="1800" b="0" i="1" kern="1200" smtClean="0">
+                                            <a:solidFill>
+                                              <a:schemeClr val="tx1"/>
+                                            </a:solidFill>
+                                            <a:effectLst/>
+                                            <a:latin typeface="Cambria Math" panose="02040503050406030204" pitchFamily="18" charset="0"/>
+                                            <a:ea typeface="+mn-ea"/>
+                                            <a:cs typeface="+mn-cs"/>
+                                          </a:rPr>
+                                          <m:t>5</m:t>
+                                        </m:r>
+                                      </m:sub>
+                                    </m:sSub>
+                                    <m:r>
+                                      <a:rPr lang="en-US" altLang="zh-CN" sz="1800" i="1" kern="1200">
+                                        <a:solidFill>
+                                          <a:schemeClr val="tx1"/>
+                                        </a:solidFill>
+                                        <a:effectLst/>
+                                        <a:latin typeface="Cambria Math" panose="02040503050406030204" pitchFamily="18" charset="0"/>
+                                        <a:ea typeface="+mn-ea"/>
+                                        <a:cs typeface="+mn-cs"/>
+                                      </a:rPr>
+                                      <m:t>,</m:t>
+                                    </m:r>
+                                    <m:sSub>
+                                      <m:sSubPr>
+                                        <m:ctrlPr>
+                                          <a:rPr lang="zh-CN" altLang="zh-CN" sz="1800" i="1" kern="1200">
+                                            <a:solidFill>
+                                              <a:schemeClr val="tx1"/>
+                                            </a:solidFill>
+                                            <a:effectLst/>
+                                            <a:latin typeface="Cambria Math" panose="02040503050406030204" pitchFamily="18" charset="0"/>
+                                            <a:ea typeface="+mn-ea"/>
+                                            <a:cs typeface="+mn-cs"/>
+                                          </a:rPr>
+                                        </m:ctrlPr>
+                                      </m:sSubPr>
+                                      <m:e>
+                                        <m:r>
+                                          <a:rPr lang="en-US" altLang="zh-CN" sz="1800" i="1" kern="1200">
+                                            <a:solidFill>
+                                              <a:schemeClr val="tx1"/>
+                                            </a:solidFill>
+                                            <a:effectLst/>
+                                            <a:latin typeface="Cambria Math" panose="02040503050406030204" pitchFamily="18" charset="0"/>
+                                            <a:ea typeface="+mn-ea"/>
+                                            <a:cs typeface="+mn-cs"/>
+                                          </a:rPr>
+                                          <m:t>𝑟</m:t>
+                                        </m:r>
+                                      </m:e>
+                                      <m:sub>
+                                        <m:r>
+                                          <a:rPr lang="en-US" altLang="zh-CN" sz="1800" i="1" kern="1200">
+                                            <a:solidFill>
+                                              <a:schemeClr val="tx1"/>
+                                            </a:solidFill>
+                                            <a:effectLst/>
+                                            <a:latin typeface="Cambria Math" panose="02040503050406030204" pitchFamily="18" charset="0"/>
+                                            <a:ea typeface="+mn-ea"/>
+                                            <a:cs typeface="+mn-cs"/>
+                                          </a:rPr>
+                                          <m:t>1</m:t>
+                                        </m:r>
+                                      </m:sub>
+                                    </m:sSub>
+                                  </m:e>
+                                </m:d>
+                              </m:oMath>
+                            </m:oMathPara>
+                          </a14:m>
+                          <a:endParaRPr lang="zh-CN" altLang="en-US" sz="1800" b="0" dirty="0">
+                            <a:solidFill>
+                              <a:schemeClr val="tx1"/>
+                            </a:solidFill>
+                            <a:latin typeface="+mn-ea"/>
+                            <a:ea typeface="+mn-ea"/>
+                          </a:endParaRPr>
+                        </a:p>
+                      </a:txBody>
+                      <a:tcPr>
+                        <a:solidFill>
+                          <a:schemeClr val="accent1">
+                            <a:lumMod val="40000"/>
+                            <a:lumOff val="60000"/>
+                          </a:schemeClr>
+                        </a:solidFill>
+                      </a:tcPr>
+                    </a:tc>
+                    <a:tc hMerge="1">
+                      <a:txBody>
+                        <a:bodyPr/>
+                        <a:lstStyle/>
+                        <a:p>
+                          <a:endParaRPr lang="zh-CN" altLang="en-US"/>
+                        </a:p>
+                      </a:txBody>
+                      <a:tcPr/>
+                    </a:tc>
+                    <a:tc>
+                      <a:txBody>
+                        <a:bodyPr/>
+                        <a:lstStyle/>
+                        <a:p>
+                          <a:endParaRPr lang="zh-CN" altLang="en-US" dirty="0">
+                            <a:solidFill>
+                              <a:schemeClr val="tx1"/>
+                            </a:solidFill>
+                            <a:latin typeface="+mn-ea"/>
+                            <a:ea typeface="+mn-ea"/>
+                          </a:endParaRPr>
+                        </a:p>
+                      </a:txBody>
+                      <a:tcPr>
+                        <a:solidFill>
+                          <a:schemeClr val="accent1">
+                            <a:lumMod val="40000"/>
+                            <a:lumOff val="60000"/>
+                          </a:schemeClr>
+                        </a:solidFill>
+                      </a:tcPr>
+                    </a:tc>
+                    <a:extLst>
+                      <a:ext uri="{0D108BD9-81ED-4DB2-BD59-A6C34878D82A}">
+                        <a16:rowId xmlns:a16="http://schemas.microsoft.com/office/drawing/2014/main" val="31572473"/>
+                      </a:ext>
+                    </a:extLst>
+                  </a:tr>
+                  <a:tr h="580747">
+                    <a:tc>
+                      <a:txBody>
+                        <a:bodyPr/>
+                        <a:lstStyle/>
+                        <a:p>
+                          <a:pPr algn="ctr"/>
+                          <a:r>
+                            <a:rPr lang="zh-CN" altLang="en-US" sz="1800" b="1" dirty="0" smtClean="0">
+                              <a:solidFill>
+                                <a:schemeClr val="tx1"/>
+                              </a:solidFill>
+                              <a:latin typeface="+mn-ea"/>
+                              <a:ea typeface="+mn-ea"/>
+                            </a:rPr>
+                            <a:t>权重</a:t>
+                          </a:r>
+                          <a:endParaRPr lang="zh-CN" altLang="en-US" sz="1800" b="1" dirty="0">
+                            <a:solidFill>
+                              <a:schemeClr val="tx1"/>
+                            </a:solidFill>
+                            <a:latin typeface="+mn-ea"/>
+                            <a:ea typeface="+mn-ea"/>
+                          </a:endParaRPr>
+                        </a:p>
+                      </a:txBody>
+                      <a:tcPr>
+                        <a:solidFill>
+                          <a:schemeClr val="accent1">
+                            <a:lumMod val="40000"/>
+                            <a:lumOff val="60000"/>
+                          </a:schemeClr>
+                        </a:solidFill>
+                      </a:tcPr>
+                    </a:tc>
+                    <a:tc gridSpan="2">
+                      <a:txBody>
+                        <a:bodyPr/>
+                        <a:lstStyle/>
+                        <a:p>
+                          <a:pPr algn="ctr"/>
+                          <a:r>
+                            <a:rPr lang="en-US" altLang="zh-CN" sz="1800" b="1" dirty="0" smtClean="0">
+                              <a:solidFill>
+                                <a:schemeClr val="tx1"/>
+                              </a:solidFill>
+                              <a:latin typeface="+mn-ea"/>
+                              <a:ea typeface="+mn-ea"/>
+                            </a:rPr>
+                            <a:t>1/2</a:t>
+                          </a:r>
+                          <a:endParaRPr lang="zh-CN" altLang="en-US" sz="1800" b="1" dirty="0">
+                            <a:solidFill>
+                              <a:schemeClr val="tx1"/>
+                            </a:solidFill>
+                            <a:latin typeface="+mn-ea"/>
+                            <a:ea typeface="+mn-ea"/>
+                          </a:endParaRPr>
+                        </a:p>
+                      </a:txBody>
+                      <a:tcPr>
+                        <a:solidFill>
+                          <a:schemeClr val="accent1">
+                            <a:lumMod val="40000"/>
+                            <a:lumOff val="60000"/>
+                          </a:schemeClr>
+                        </a:solidFill>
+                      </a:tcPr>
+                    </a:tc>
+                    <a:tc hMerge="1">
+                      <a:txBody>
+                        <a:bodyPr/>
+                        <a:lstStyle/>
+                        <a:p>
+                          <a:endParaRPr lang="zh-CN" altLang="en-US" dirty="0"/>
+                        </a:p>
+                      </a:txBody>
+                      <a:tcPr/>
+                    </a:tc>
+                    <a:tc gridSpan="2">
+                      <a:txBody>
+                        <a:bodyPr/>
+                        <a:lstStyle/>
+                        <a:p>
+                          <a:pPr algn="ctr"/>
+                          <a:r>
+                            <a:rPr lang="en-US" altLang="zh-CN" sz="1800" b="1" dirty="0" smtClean="0">
+                              <a:solidFill>
+                                <a:schemeClr val="tx1"/>
+                              </a:solidFill>
+                              <a:latin typeface="+mn-ea"/>
+                              <a:ea typeface="+mn-ea"/>
+                            </a:rPr>
+                            <a:t>1</a:t>
+                          </a:r>
+                          <a:endParaRPr lang="zh-CN" altLang="en-US" sz="1800" b="1" dirty="0">
+                            <a:solidFill>
+                              <a:schemeClr val="tx1"/>
+                            </a:solidFill>
+                            <a:latin typeface="+mn-ea"/>
+                            <a:ea typeface="+mn-ea"/>
+                          </a:endParaRPr>
+                        </a:p>
+                      </a:txBody>
+                      <a:tcPr>
+                        <a:solidFill>
+                          <a:schemeClr val="accent1">
+                            <a:lumMod val="40000"/>
+                            <a:lumOff val="60000"/>
+                          </a:schemeClr>
+                        </a:solidFill>
+                      </a:tcPr>
+                    </a:tc>
+                    <a:tc hMerge="1">
+                      <a:txBody>
+                        <a:bodyPr/>
+                        <a:lstStyle/>
+                        <a:p>
+                          <a:endParaRPr lang="zh-CN" altLang="en-US" dirty="0"/>
+                        </a:p>
+                      </a:txBody>
+                      <a:tcPr/>
+                    </a:tc>
+                    <a:tc gridSpan="2">
+                      <a:txBody>
+                        <a:bodyPr/>
+                        <a:lstStyle/>
+                        <a:p>
+                          <a:pPr algn="ctr"/>
+                          <a:r>
+                            <a:rPr lang="en-US" altLang="zh-CN" sz="1800" b="1" dirty="0" smtClean="0">
+                              <a:solidFill>
+                                <a:schemeClr val="tx1"/>
+                              </a:solidFill>
+                              <a:latin typeface="+mn-ea"/>
+                              <a:ea typeface="+mn-ea"/>
+                            </a:rPr>
+                            <a:t>1</a:t>
+                          </a:r>
+                          <a:endParaRPr lang="zh-CN" altLang="en-US" sz="1800" b="1" dirty="0">
+                            <a:solidFill>
+                              <a:schemeClr val="tx1"/>
+                            </a:solidFill>
+                            <a:latin typeface="+mn-ea"/>
+                            <a:ea typeface="+mn-ea"/>
+                          </a:endParaRPr>
+                        </a:p>
+                      </a:txBody>
+                      <a:tcPr>
+                        <a:solidFill>
+                          <a:schemeClr val="accent1">
+                            <a:lumMod val="40000"/>
+                            <a:lumOff val="60000"/>
+                          </a:schemeClr>
+                        </a:solidFill>
+                      </a:tcPr>
+                    </a:tc>
+                    <a:tc hMerge="1">
+                      <a:txBody>
+                        <a:bodyPr/>
+                        <a:lstStyle/>
+                        <a:p>
+                          <a:endParaRPr lang="zh-CN" altLang="en-US" dirty="0"/>
+                        </a:p>
+                      </a:txBody>
+                      <a:tcPr/>
+                    </a:tc>
+                    <a:tc gridSpan="2">
+                      <a:txBody>
+                        <a:bodyPr/>
+                        <a:lstStyle/>
+                        <a:p>
+                          <a:pPr algn="ctr"/>
+                          <a14:m>
+                            <m:oMathPara xmlns:m="http://schemas.openxmlformats.org/officeDocument/2006/math">
+                              <m:oMathParaPr>
+                                <m:jc m:val="centerGroup"/>
+                              </m:oMathParaPr>
+                              <m:oMath xmlns:m="http://schemas.openxmlformats.org/officeDocument/2006/math">
+                                <m:f>
+                                  <m:fPr>
+                                    <m:ctrlPr>
+                                      <a:rPr lang="zh-CN" altLang="zh-CN" sz="1800" i="1" kern="1200" smtClean="0">
+                                        <a:solidFill>
+                                          <a:schemeClr val="dk1"/>
+                                        </a:solidFill>
+                                        <a:effectLst/>
+                                        <a:latin typeface="Cambria Math" panose="02040503050406030204" pitchFamily="18" charset="0"/>
+                                        <a:ea typeface="+mn-ea"/>
+                                        <a:cs typeface="+mn-cs"/>
+                                      </a:rPr>
+                                    </m:ctrlPr>
+                                  </m:fPr>
+                                  <m:num>
+                                    <m:r>
+                                      <a:rPr lang="en-US" altLang="zh-CN" sz="1800" i="1" kern="1200">
+                                        <a:solidFill>
+                                          <a:schemeClr val="dk1"/>
+                                        </a:solidFill>
+                                        <a:effectLst/>
+                                        <a:latin typeface="Cambria Math" panose="02040503050406030204" pitchFamily="18" charset="0"/>
+                                        <a:ea typeface="+mn-ea"/>
+                                        <a:cs typeface="+mn-cs"/>
+                                      </a:rPr>
+                                      <m:t>1</m:t>
+                                    </m:r>
+                                  </m:num>
+                                  <m:den>
+                                    <m:r>
+                                      <a:rPr lang="en-US" altLang="zh-CN" sz="1800" i="1" kern="1200">
+                                        <a:solidFill>
+                                          <a:schemeClr val="dk1"/>
+                                        </a:solidFill>
+                                        <a:effectLst/>
+                                        <a:latin typeface="Cambria Math" panose="02040503050406030204" pitchFamily="18" charset="0"/>
+                                        <a:ea typeface="+mn-ea"/>
+                                        <a:cs typeface="+mn-cs"/>
+                                      </a:rPr>
+                                      <m:t>2</m:t>
+                                    </m:r>
+                                  </m:den>
+                                </m:f>
+                                <m:r>
+                                  <a:rPr lang="en-US" altLang="zh-CN" sz="1800" i="1" kern="1200" smtClean="0">
+                                    <a:solidFill>
+                                      <a:schemeClr val="tx1"/>
+                                    </a:solidFill>
+                                    <a:effectLst/>
+                                    <a:latin typeface="Cambria Math" panose="02040503050406030204" pitchFamily="18" charset="0"/>
+                                    <a:ea typeface="+mn-ea"/>
+                                    <a:cs typeface="+mn-cs"/>
+                                  </a:rPr>
+                                  <m:t>+</m:t>
+                                </m:r>
+                                <m:f>
+                                  <m:fPr>
+                                    <m:ctrlPr>
+                                      <a:rPr lang="zh-CN" altLang="zh-CN" sz="1800" i="1" kern="1200">
+                                        <a:solidFill>
+                                          <a:schemeClr val="tx1"/>
+                                        </a:solidFill>
+                                        <a:effectLst/>
+                                        <a:latin typeface="Cambria Math" panose="02040503050406030204" pitchFamily="18" charset="0"/>
+                                        <a:ea typeface="+mn-ea"/>
+                                        <a:cs typeface="+mn-cs"/>
+                                      </a:rPr>
+                                    </m:ctrlPr>
+                                  </m:fPr>
+                                  <m:num>
+                                    <m:r>
+                                      <a:rPr lang="en-US" altLang="zh-CN" sz="1800" i="1" kern="1200">
+                                        <a:solidFill>
+                                          <a:schemeClr val="tx1"/>
+                                        </a:solidFill>
+                                        <a:effectLst/>
+                                        <a:latin typeface="Cambria Math" panose="02040503050406030204" pitchFamily="18" charset="0"/>
+                                        <a:ea typeface="+mn-ea"/>
+                                        <a:cs typeface="+mn-cs"/>
+                                      </a:rPr>
+                                      <m:t>𝑑</m:t>
+                                    </m:r>
+                                    <m:d>
+                                      <m:dPr>
+                                        <m:ctrlPr>
+                                          <a:rPr lang="zh-CN" altLang="zh-CN" sz="1800" i="1" kern="1200">
+                                            <a:solidFill>
+                                              <a:schemeClr val="tx1"/>
+                                            </a:solidFill>
+                                            <a:effectLst/>
+                                            <a:latin typeface="Cambria Math" panose="02040503050406030204" pitchFamily="18" charset="0"/>
+                                            <a:ea typeface="+mn-ea"/>
+                                            <a:cs typeface="+mn-cs"/>
+                                          </a:rPr>
+                                        </m:ctrlPr>
+                                      </m:dPr>
+                                      <m:e>
+                                        <m:sSub>
+                                          <m:sSubPr>
+                                            <m:ctrlPr>
+                                              <a:rPr lang="zh-CN" altLang="zh-CN" sz="1800" i="1" kern="1200">
+                                                <a:solidFill>
+                                                  <a:schemeClr val="tx1"/>
+                                                </a:solidFill>
+                                                <a:effectLst/>
+                                                <a:latin typeface="Cambria Math" panose="02040503050406030204" pitchFamily="18" charset="0"/>
+                                                <a:ea typeface="+mn-ea"/>
+                                                <a:cs typeface="+mn-cs"/>
+                                              </a:rPr>
+                                            </m:ctrlPr>
+                                          </m:sSubPr>
+                                          <m:e>
+                                            <m:r>
+                                              <a:rPr lang="en-US" altLang="zh-CN" sz="1800" i="1" kern="1200">
+                                                <a:solidFill>
+                                                  <a:schemeClr val="tx1"/>
+                                                </a:solidFill>
+                                                <a:effectLst/>
+                                                <a:latin typeface="Cambria Math" panose="02040503050406030204" pitchFamily="18" charset="0"/>
+                                                <a:ea typeface="+mn-ea"/>
+                                                <a:cs typeface="+mn-cs"/>
+                                              </a:rPr>
+                                              <m:t>𝑏𝑝</m:t>
+                                            </m:r>
+                                          </m:e>
+                                          <m:sub>
+                                            <m:r>
+                                              <a:rPr lang="en-US" altLang="zh-CN" sz="1800" b="0" i="1" kern="1200" smtClean="0">
+                                                <a:solidFill>
+                                                  <a:schemeClr val="tx1"/>
+                                                </a:solidFill>
+                                                <a:effectLst/>
+                                                <a:latin typeface="Cambria Math" panose="02040503050406030204" pitchFamily="18" charset="0"/>
+                                                <a:ea typeface="+mn-ea"/>
+                                                <a:cs typeface="+mn-cs"/>
+                                              </a:rPr>
+                                              <m:t>5</m:t>
+                                            </m:r>
+                                          </m:sub>
+                                        </m:sSub>
+                                        <m:r>
+                                          <a:rPr lang="en-US" altLang="zh-CN" sz="1800" i="1" kern="1200">
+                                            <a:solidFill>
+                                              <a:schemeClr val="tx1"/>
+                                            </a:solidFill>
+                                            <a:effectLst/>
+                                            <a:latin typeface="Cambria Math" panose="02040503050406030204" pitchFamily="18" charset="0"/>
+                                            <a:ea typeface="+mn-ea"/>
+                                            <a:cs typeface="+mn-cs"/>
+                                          </a:rPr>
+                                          <m:t>,</m:t>
+                                        </m:r>
+                                        <m:sSub>
+                                          <m:sSubPr>
+                                            <m:ctrlPr>
+                                              <a:rPr lang="zh-CN" altLang="zh-CN" sz="1800" i="1" kern="1200">
+                                                <a:solidFill>
+                                                  <a:schemeClr val="tx1"/>
+                                                </a:solidFill>
+                                                <a:effectLst/>
+                                                <a:latin typeface="Cambria Math" panose="02040503050406030204" pitchFamily="18" charset="0"/>
+                                                <a:ea typeface="+mn-ea"/>
+                                                <a:cs typeface="+mn-cs"/>
+                                              </a:rPr>
+                                            </m:ctrlPr>
+                                          </m:sSubPr>
+                                          <m:e>
+                                            <m:r>
+                                              <a:rPr lang="en-US" altLang="zh-CN" sz="1800" i="1" kern="1200">
+                                                <a:solidFill>
+                                                  <a:schemeClr val="tx1"/>
+                                                </a:solidFill>
+                                                <a:effectLst/>
+                                                <a:latin typeface="Cambria Math" panose="02040503050406030204" pitchFamily="18" charset="0"/>
+                                                <a:ea typeface="+mn-ea"/>
+                                                <a:cs typeface="+mn-cs"/>
+                                              </a:rPr>
+                                              <m:t>𝑟</m:t>
+                                            </m:r>
+                                          </m:e>
+                                          <m:sub>
+                                            <m:r>
+                                              <a:rPr lang="en-US" altLang="zh-CN" sz="1800" i="1" kern="1200">
+                                                <a:solidFill>
+                                                  <a:schemeClr val="tx1"/>
+                                                </a:solidFill>
+                                                <a:effectLst/>
+                                                <a:latin typeface="Cambria Math" panose="02040503050406030204" pitchFamily="18" charset="0"/>
+                                                <a:ea typeface="+mn-ea"/>
+                                                <a:cs typeface="+mn-cs"/>
+                                              </a:rPr>
+                                              <m:t>1</m:t>
+                                            </m:r>
+                                          </m:sub>
+                                        </m:sSub>
+                                      </m:e>
+                                    </m:d>
+                                  </m:num>
+                                  <m:den>
+                                    <m:r>
+                                      <a:rPr lang="en-US" altLang="zh-CN" sz="1800" b="0" i="1" kern="1200" smtClean="0">
+                                        <a:solidFill>
+                                          <a:schemeClr val="tx1"/>
+                                        </a:solidFill>
+                                        <a:effectLst/>
+                                        <a:latin typeface="Cambria Math" panose="02040503050406030204" pitchFamily="18" charset="0"/>
+                                        <a:ea typeface="+mn-ea"/>
+                                        <a:cs typeface="+mn-cs"/>
+                                      </a:rPr>
+                                      <m:t>2</m:t>
+                                    </m:r>
+                                    <m:r>
+                                      <m:rPr>
+                                        <m:sty m:val="p"/>
+                                      </m:rPr>
+                                      <a:rPr lang="en-US" altLang="zh-CN" sz="1800" kern="1200">
+                                        <a:solidFill>
+                                          <a:schemeClr val="tx1"/>
+                                        </a:solidFill>
+                                        <a:effectLst/>
+                                        <a:latin typeface="Cambria Math" panose="02040503050406030204" pitchFamily="18" charset="0"/>
+                                        <a:ea typeface="+mn-ea"/>
+                                        <a:cs typeface="+mn-cs"/>
+                                      </a:rPr>
+                                      <m:t>η</m:t>
+                                    </m:r>
+                                  </m:den>
+                                </m:f>
+                              </m:oMath>
+                            </m:oMathPara>
+                          </a14:m>
+                          <a:endParaRPr lang="zh-CN" altLang="en-US" sz="1800" dirty="0">
+                            <a:solidFill>
+                              <a:schemeClr val="tx1"/>
+                            </a:solidFill>
+                            <a:latin typeface="+mn-ea"/>
+                            <a:ea typeface="+mn-ea"/>
+                          </a:endParaRPr>
+                        </a:p>
+                      </a:txBody>
+                      <a:tcPr>
+                        <a:solidFill>
+                          <a:schemeClr val="accent1">
+                            <a:lumMod val="40000"/>
+                            <a:lumOff val="60000"/>
+                          </a:schemeClr>
+                        </a:solidFill>
+                      </a:tcPr>
+                    </a:tc>
+                    <a:tc hMerge="1">
+                      <a:txBody>
+                        <a:bodyPr/>
+                        <a:lstStyle/>
+                        <a:p>
+                          <a:endParaRPr lang="zh-CN" altLang="en-US"/>
+                        </a:p>
+                      </a:txBody>
+                      <a:tcPr/>
+                    </a:tc>
+                    <a:tc gridSpan="2">
+                      <a:txBody>
+                        <a:bodyPr/>
+                        <a:lstStyle/>
+                        <a:p>
+                          <a:pPr/>
+                          <a14:m>
+                            <m:oMathPara xmlns:m="http://schemas.openxmlformats.org/officeDocument/2006/math">
+                              <m:oMathParaPr>
+                                <m:jc m:val="centerGroup"/>
+                              </m:oMathParaPr>
+                              <m:oMath xmlns:m="http://schemas.openxmlformats.org/officeDocument/2006/math">
+                                <m:f>
+                                  <m:fPr>
+                                    <m:ctrlPr>
+                                      <a:rPr lang="zh-CN" altLang="zh-CN" sz="1800" i="1" kern="1200" smtClean="0">
+                                        <a:solidFill>
+                                          <a:schemeClr val="tx1"/>
+                                        </a:solidFill>
+                                        <a:effectLst/>
+                                        <a:latin typeface="Cambria Math" panose="02040503050406030204" pitchFamily="18" charset="0"/>
+                                        <a:ea typeface="+mn-ea"/>
+                                        <a:cs typeface="+mn-cs"/>
+                                      </a:rPr>
+                                    </m:ctrlPr>
+                                  </m:fPr>
+                                  <m:num>
+                                    <m:r>
+                                      <a:rPr lang="en-US" altLang="zh-CN" sz="1800" i="1" kern="1200">
+                                        <a:solidFill>
+                                          <a:schemeClr val="tx1"/>
+                                        </a:solidFill>
+                                        <a:effectLst/>
+                                        <a:latin typeface="Cambria Math" panose="02040503050406030204" pitchFamily="18" charset="0"/>
+                                        <a:ea typeface="+mn-ea"/>
+                                        <a:cs typeface="+mn-cs"/>
+                                      </a:rPr>
+                                      <m:t>𝑑</m:t>
+                                    </m:r>
+                                    <m:d>
+                                      <m:dPr>
+                                        <m:ctrlPr>
+                                          <a:rPr lang="zh-CN" altLang="zh-CN" sz="1800" i="1" kern="1200">
+                                            <a:solidFill>
+                                              <a:schemeClr val="tx1"/>
+                                            </a:solidFill>
+                                            <a:effectLst/>
+                                            <a:latin typeface="Cambria Math" panose="02040503050406030204" pitchFamily="18" charset="0"/>
+                                            <a:ea typeface="+mn-ea"/>
+                                            <a:cs typeface="+mn-cs"/>
+                                          </a:rPr>
+                                        </m:ctrlPr>
+                                      </m:dPr>
+                                      <m:e>
+                                        <m:sSub>
+                                          <m:sSubPr>
+                                            <m:ctrlPr>
+                                              <a:rPr lang="zh-CN" altLang="zh-CN" sz="1800" i="1" kern="1200">
+                                                <a:solidFill>
+                                                  <a:schemeClr val="tx1"/>
+                                                </a:solidFill>
+                                                <a:effectLst/>
+                                                <a:latin typeface="Cambria Math" panose="02040503050406030204" pitchFamily="18" charset="0"/>
+                                                <a:ea typeface="+mn-ea"/>
+                                                <a:cs typeface="+mn-cs"/>
+                                              </a:rPr>
+                                            </m:ctrlPr>
+                                          </m:sSubPr>
+                                          <m:e>
+                                            <m:r>
+                                              <a:rPr lang="en-US" altLang="zh-CN" sz="1800" i="1" kern="1200">
+                                                <a:solidFill>
+                                                  <a:schemeClr val="tx1"/>
+                                                </a:solidFill>
+                                                <a:effectLst/>
+                                                <a:latin typeface="Cambria Math" panose="02040503050406030204" pitchFamily="18" charset="0"/>
+                                                <a:ea typeface="+mn-ea"/>
+                                                <a:cs typeface="+mn-cs"/>
+                                              </a:rPr>
+                                              <m:t>𝑏𝑝</m:t>
+                                            </m:r>
+                                          </m:e>
+                                          <m:sub>
+                                            <m:r>
+                                              <a:rPr lang="en-US" altLang="zh-CN" sz="1800" b="0" i="1" kern="1200" smtClean="0">
+                                                <a:solidFill>
+                                                  <a:schemeClr val="tx1"/>
+                                                </a:solidFill>
+                                                <a:effectLst/>
+                                                <a:latin typeface="Cambria Math" panose="02040503050406030204" pitchFamily="18" charset="0"/>
+                                                <a:ea typeface="+mn-ea"/>
+                                                <a:cs typeface="+mn-cs"/>
+                                              </a:rPr>
+                                              <m:t>5</m:t>
+                                            </m:r>
+                                          </m:sub>
+                                        </m:sSub>
+                                        <m:r>
+                                          <a:rPr lang="en-US" altLang="zh-CN" sz="1800" i="1" kern="1200">
+                                            <a:solidFill>
+                                              <a:schemeClr val="tx1"/>
+                                            </a:solidFill>
+                                            <a:effectLst/>
+                                            <a:latin typeface="Cambria Math" panose="02040503050406030204" pitchFamily="18" charset="0"/>
+                                            <a:ea typeface="+mn-ea"/>
+                                            <a:cs typeface="+mn-cs"/>
+                                          </a:rPr>
+                                          <m:t>,</m:t>
+                                        </m:r>
+                                        <m:sSub>
+                                          <m:sSubPr>
+                                            <m:ctrlPr>
+                                              <a:rPr lang="zh-CN" altLang="zh-CN" sz="1800" i="1" kern="1200">
+                                                <a:solidFill>
+                                                  <a:schemeClr val="tx1"/>
+                                                </a:solidFill>
+                                                <a:effectLst/>
+                                                <a:latin typeface="Cambria Math" panose="02040503050406030204" pitchFamily="18" charset="0"/>
+                                                <a:ea typeface="+mn-ea"/>
+                                                <a:cs typeface="+mn-cs"/>
+                                              </a:rPr>
+                                            </m:ctrlPr>
+                                          </m:sSubPr>
+                                          <m:e>
+                                            <m:r>
+                                              <a:rPr lang="en-US" altLang="zh-CN" sz="1800" i="1" kern="1200">
+                                                <a:solidFill>
+                                                  <a:schemeClr val="tx1"/>
+                                                </a:solidFill>
+                                                <a:effectLst/>
+                                                <a:latin typeface="Cambria Math" panose="02040503050406030204" pitchFamily="18" charset="0"/>
+                                                <a:ea typeface="+mn-ea"/>
+                                                <a:cs typeface="+mn-cs"/>
+                                              </a:rPr>
+                                              <m:t>𝑟</m:t>
+                                            </m:r>
+                                          </m:e>
+                                          <m:sub>
+                                            <m:r>
+                                              <a:rPr lang="en-US" altLang="zh-CN" sz="1800" i="1" kern="1200">
+                                                <a:solidFill>
+                                                  <a:schemeClr val="tx1"/>
+                                                </a:solidFill>
+                                                <a:effectLst/>
+                                                <a:latin typeface="Cambria Math" panose="02040503050406030204" pitchFamily="18" charset="0"/>
+                                                <a:ea typeface="+mn-ea"/>
+                                                <a:cs typeface="+mn-cs"/>
+                                              </a:rPr>
+                                              <m:t>1</m:t>
+                                            </m:r>
+                                          </m:sub>
+                                        </m:sSub>
+                                      </m:e>
+                                    </m:d>
+                                  </m:num>
+                                  <m:den>
+                                    <m:r>
+                                      <a:rPr lang="en-US" altLang="zh-CN" sz="1800" b="0" i="1" kern="1200" smtClean="0">
+                                        <a:solidFill>
+                                          <a:schemeClr val="tx1"/>
+                                        </a:solidFill>
+                                        <a:effectLst/>
+                                        <a:latin typeface="Cambria Math" panose="02040503050406030204" pitchFamily="18" charset="0"/>
+                                        <a:ea typeface="+mn-ea"/>
+                                        <a:cs typeface="+mn-cs"/>
+                                      </a:rPr>
+                                      <m:t>2</m:t>
+                                    </m:r>
+                                    <m:r>
+                                      <m:rPr>
+                                        <m:sty m:val="p"/>
+                                      </m:rPr>
+                                      <a:rPr lang="en-US" altLang="zh-CN" sz="1800" kern="1200">
+                                        <a:solidFill>
+                                          <a:schemeClr val="tx1"/>
+                                        </a:solidFill>
+                                        <a:effectLst/>
+                                        <a:latin typeface="Cambria Math" panose="02040503050406030204" pitchFamily="18" charset="0"/>
+                                        <a:ea typeface="+mn-ea"/>
+                                        <a:cs typeface="+mn-cs"/>
+                                      </a:rPr>
+                                      <m:t>η</m:t>
+                                    </m:r>
+                                  </m:den>
+                                </m:f>
+                              </m:oMath>
+                            </m:oMathPara>
+                          </a14:m>
+                          <a:endParaRPr lang="zh-CN" altLang="en-US" sz="1800" dirty="0">
+                            <a:solidFill>
+                              <a:schemeClr val="tx1"/>
+                            </a:solidFill>
+                            <a:latin typeface="+mn-ea"/>
+                            <a:ea typeface="+mn-ea"/>
+                          </a:endParaRPr>
+                        </a:p>
+                      </a:txBody>
+                      <a:tcPr>
+                        <a:solidFill>
+                          <a:schemeClr val="accent1">
+                            <a:lumMod val="40000"/>
+                            <a:lumOff val="60000"/>
+                          </a:schemeClr>
+                        </a:solidFill>
+                      </a:tcPr>
+                    </a:tc>
+                    <a:tc hMerge="1">
+                      <a:txBody>
+                        <a:bodyPr/>
+                        <a:lstStyle/>
+                        <a:p>
+                          <a:endParaRPr lang="zh-CN" altLang="en-US" dirty="0"/>
+                        </a:p>
+                      </a:txBody>
+                      <a:tcPr/>
+                    </a:tc>
+                    <a:extLst>
+                      <a:ext uri="{0D108BD9-81ED-4DB2-BD59-A6C34878D82A}">
+                        <a16:rowId xmlns:a16="http://schemas.microsoft.com/office/drawing/2014/main" val="1880692282"/>
+                      </a:ext>
+                    </a:extLst>
+                  </a:tr>
+                </a:tbl>
+              </a:graphicData>
+            </a:graphic>
+          </p:graphicFrame>
+        </mc:Choice>
+        <mc:Fallback xmlns="">
+          <p:graphicFrame>
+            <p:nvGraphicFramePr>
+              <p:cNvPr id="5" name="表格 4"/>
+              <p:cNvGraphicFramePr>
+                <a:graphicFrameLocks noGrp="1"/>
+              </p:cNvGraphicFramePr>
+              <p:nvPr>
+                <p:extLst>
+                  <p:ext uri="{D42A27DB-BD31-4B8C-83A1-F6EECF244321}">
+                    <p14:modId xmlns:p14="http://schemas.microsoft.com/office/powerpoint/2010/main" val="460694813"/>
+                  </p:ext>
+                </p:extLst>
+              </p:nvPr>
+            </p:nvGraphicFramePr>
+            <p:xfrm>
+              <a:off x="1200690" y="4297209"/>
+              <a:ext cx="5790409" cy="1401445"/>
+            </p:xfrm>
+            <a:graphic>
+              <a:graphicData uri="http://schemas.openxmlformats.org/drawingml/2006/table">
+                <a:tbl>
+                  <a:tblPr firstRow="1" bandRow="1">
+                    <a:tableStyleId>{5C22544A-7EE6-4342-B048-85BDC9FD1C3A}</a:tableStyleId>
+                  </a:tblPr>
+                  <a:tblGrid>
+                    <a:gridCol w="795052">
+                      <a:extLst>
+                        <a:ext uri="{9D8B030D-6E8A-4147-A177-3AD203B41FA5}">
+                          <a16:colId xmlns:a16="http://schemas.microsoft.com/office/drawing/2014/main" val="3835905478"/>
+                        </a:ext>
+                      </a:extLst>
+                    </a:gridCol>
+                    <a:gridCol w="335039">
+                      <a:extLst>
+                        <a:ext uri="{9D8B030D-6E8A-4147-A177-3AD203B41FA5}">
+                          <a16:colId xmlns:a16="http://schemas.microsoft.com/office/drawing/2014/main" val="2520250840"/>
+                        </a:ext>
+                      </a:extLst>
+                    </a:gridCol>
+                    <a:gridCol w="346579">
+                      <a:extLst>
+                        <a:ext uri="{9D8B030D-6E8A-4147-A177-3AD203B41FA5}">
+                          <a16:colId xmlns:a16="http://schemas.microsoft.com/office/drawing/2014/main" val="1926617718"/>
+                        </a:ext>
+                      </a:extLst>
+                    </a:gridCol>
+                    <a:gridCol w="346579">
+                      <a:extLst>
+                        <a:ext uri="{9D8B030D-6E8A-4147-A177-3AD203B41FA5}">
+                          <a16:colId xmlns:a16="http://schemas.microsoft.com/office/drawing/2014/main" val="4288553424"/>
+                        </a:ext>
+                      </a:extLst>
+                    </a:gridCol>
+                    <a:gridCol w="346579">
+                      <a:extLst>
+                        <a:ext uri="{9D8B030D-6E8A-4147-A177-3AD203B41FA5}">
+                          <a16:colId xmlns:a16="http://schemas.microsoft.com/office/drawing/2014/main" val="2446567331"/>
+                        </a:ext>
+                      </a:extLst>
+                    </a:gridCol>
+                    <a:gridCol w="346579">
+                      <a:extLst>
+                        <a:ext uri="{9D8B030D-6E8A-4147-A177-3AD203B41FA5}">
+                          <a16:colId xmlns:a16="http://schemas.microsoft.com/office/drawing/2014/main" val="2806472921"/>
+                        </a:ext>
+                      </a:extLst>
+                    </a:gridCol>
+                    <a:gridCol w="407032">
+                      <a:extLst>
+                        <a:ext uri="{9D8B030D-6E8A-4147-A177-3AD203B41FA5}">
+                          <a16:colId xmlns:a16="http://schemas.microsoft.com/office/drawing/2014/main" val="1321504224"/>
+                        </a:ext>
+                      </a:extLst>
+                    </a:gridCol>
+                    <a:gridCol w="349903">
+                      <a:extLst>
+                        <a:ext uri="{9D8B030D-6E8A-4147-A177-3AD203B41FA5}">
+                          <a16:colId xmlns:a16="http://schemas.microsoft.com/office/drawing/2014/main" val="2001720395"/>
+                        </a:ext>
+                      </a:extLst>
+                    </a:gridCol>
+                    <a:gridCol w="1378295">
+                      <a:extLst>
+                        <a:ext uri="{9D8B030D-6E8A-4147-A177-3AD203B41FA5}">
+                          <a16:colId xmlns:a16="http://schemas.microsoft.com/office/drawing/2014/main" val="1811971496"/>
+                        </a:ext>
+                      </a:extLst>
+                    </a:gridCol>
+                    <a:gridCol w="561134">
+                      <a:extLst>
+                        <a:ext uri="{9D8B030D-6E8A-4147-A177-3AD203B41FA5}">
+                          <a16:colId xmlns:a16="http://schemas.microsoft.com/office/drawing/2014/main" val="79094274"/>
+                        </a:ext>
+                      </a:extLst>
+                    </a:gridCol>
+                    <a:gridCol w="577638">
+                      <a:extLst>
+                        <a:ext uri="{9D8B030D-6E8A-4147-A177-3AD203B41FA5}">
+                          <a16:colId xmlns:a16="http://schemas.microsoft.com/office/drawing/2014/main" val="799803660"/>
+                        </a:ext>
+                      </a:extLst>
+                    </a:gridCol>
+                  </a:tblGrid>
+                  <a:tr h="365760">
+                    <a:tc>
+                      <a:txBody>
+                        <a:bodyPr/>
+                        <a:lstStyle/>
+                        <a:p>
+                          <a:pPr algn="ctr"/>
+                          <a:r>
+                            <a:rPr lang="zh-CN" altLang="en-US" sz="1800" b="1" dirty="0" smtClean="0">
+                              <a:solidFill>
+                                <a:schemeClr val="tx1"/>
+                              </a:solidFill>
+                              <a:latin typeface="+mn-ea"/>
+                              <a:ea typeface="+mn-ea"/>
+                            </a:rPr>
+                            <a:t>点</a:t>
+                          </a:r>
+                          <a:endParaRPr lang="zh-CN" altLang="en-US" sz="1800" b="1" dirty="0">
+                            <a:solidFill>
+                              <a:schemeClr val="tx1"/>
+                            </a:solidFill>
+                            <a:latin typeface="+mn-ea"/>
+                            <a:ea typeface="+mn-ea"/>
+                          </a:endParaRPr>
+                        </a:p>
+                      </a:txBody>
+                      <a:tcPr>
+                        <a:solidFill>
+                          <a:schemeClr val="accent1">
+                            <a:lumMod val="40000"/>
+                            <a:lumOff val="60000"/>
+                          </a:schemeClr>
+                        </a:solidFill>
+                      </a:tcPr>
+                    </a:tc>
+                    <a:tc gridSpan="2">
+                      <a:txBody>
+                        <a:bodyPr/>
+                        <a:lstStyle/>
+                        <a:p>
+                          <a:endParaRPr lang="zh-CN"/>
+                        </a:p>
+                      </a:txBody>
+                      <a:tcPr>
+                        <a:blipFill>
+                          <a:blip r:embed="rId2"/>
+                          <a:stretch>
+                            <a:fillRect l="-117857" t="-8333" r="-635714" b="-288333"/>
+                          </a:stretch>
+                        </a:blipFill>
+                      </a:tcPr>
+                    </a:tc>
+                    <a:tc hMerge="1">
+                      <a:txBody>
+                        <a:bodyPr/>
+                        <a:lstStyle/>
+                        <a:p>
+                          <a:endParaRPr lang="zh-CN" altLang="en-US" dirty="0"/>
+                        </a:p>
+                      </a:txBody>
+                      <a:tcPr/>
+                    </a:tc>
+                    <a:tc gridSpan="2">
+                      <a:txBody>
+                        <a:bodyPr/>
+                        <a:lstStyle/>
+                        <a:p>
+                          <a:endParaRPr lang="zh-CN"/>
+                        </a:p>
+                      </a:txBody>
+                      <a:tcPr>
+                        <a:blipFill>
+                          <a:blip r:embed="rId2"/>
+                          <a:stretch>
+                            <a:fillRect l="-215929" t="-8333" r="-530088" b="-288333"/>
+                          </a:stretch>
+                        </a:blipFill>
+                      </a:tcPr>
+                    </a:tc>
+                    <a:tc hMerge="1">
+                      <a:txBody>
+                        <a:bodyPr/>
+                        <a:lstStyle/>
+                        <a:p>
+                          <a:pPr marL="0" marR="0" indent="0" algn="l" defTabSz="914400" rtl="0" eaLnBrk="1" fontAlgn="auto" latinLnBrk="0" hangingPunct="1">
+                            <a:lnSpc>
+                              <a:spcPct val="100000"/>
+                            </a:lnSpc>
+                            <a:spcBef>
+                              <a:spcPts val="0"/>
+                            </a:spcBef>
+                            <a:spcAft>
+                              <a:spcPts val="0"/>
+                            </a:spcAft>
+                            <a:buClrTx/>
+                            <a:buSzTx/>
+                            <a:buFontTx/>
+                            <a:buNone/>
+                            <a:tabLst/>
+                            <a:defRPr/>
+                          </a:pPr>
+                          <a:endParaRPr lang="zh-CN" altLang="en-US" dirty="0"/>
+                        </a:p>
+                      </a:txBody>
+                      <a:tcPr/>
+                    </a:tc>
+                    <a:tc gridSpan="2">
+                      <a:txBody>
+                        <a:bodyPr/>
+                        <a:lstStyle/>
+                        <a:p>
+                          <a:endParaRPr lang="zh-CN"/>
+                        </a:p>
+                      </a:txBody>
+                      <a:tcPr>
+                        <a:blipFill>
+                          <a:blip r:embed="rId2"/>
+                          <a:stretch>
+                            <a:fillRect l="-287903" t="-8333" r="-383065" b="-288333"/>
+                          </a:stretch>
+                        </a:blipFill>
+                      </a:tcPr>
+                    </a:tc>
+                    <a:tc hMerge="1">
+                      <a:txBody>
+                        <a:bodyPr/>
+                        <a:lstStyle/>
+                        <a:p>
+                          <a:pPr marL="0" marR="0" indent="0" algn="l" defTabSz="914400" rtl="0" eaLnBrk="1" fontAlgn="auto" latinLnBrk="0" hangingPunct="1">
+                            <a:lnSpc>
+                              <a:spcPct val="100000"/>
+                            </a:lnSpc>
+                            <a:spcBef>
+                              <a:spcPts val="0"/>
+                            </a:spcBef>
+                            <a:spcAft>
+                              <a:spcPts val="0"/>
+                            </a:spcAft>
+                            <a:buClrTx/>
+                            <a:buSzTx/>
+                            <a:buFontTx/>
+                            <a:buNone/>
+                            <a:tabLst/>
+                            <a:defRPr/>
+                          </a:pPr>
+                          <a:endParaRPr lang="zh-CN" altLang="en-US" dirty="0"/>
+                        </a:p>
+                      </a:txBody>
+                      <a:tcPr/>
+                    </a:tc>
+                    <a:tc gridSpan="2">
+                      <a:txBody>
+                        <a:bodyPr/>
+                        <a:lstStyle/>
+                        <a:p>
+                          <a:endParaRPr lang="zh-CN"/>
+                        </a:p>
+                      </a:txBody>
+                      <a:tcPr>
+                        <a:blipFill>
+                          <a:blip r:embed="rId2"/>
+                          <a:stretch>
+                            <a:fillRect l="-169366" t="-8333" r="-67254" b="-288333"/>
+                          </a:stretch>
+                        </a:blipFill>
+                      </a:tcPr>
+                    </a:tc>
+                    <a:tc hMerge="1">
+                      <a:txBody>
+                        <a:bodyPr/>
+                        <a:lstStyle/>
+                        <a:p>
+                          <a:endParaRPr lang="zh-CN" altLang="en-US"/>
+                        </a:p>
+                      </a:txBody>
+                      <a:tcPr/>
+                    </a:tc>
+                    <a:tc gridSpan="2">
+                      <a:txBody>
+                        <a:bodyPr/>
+                        <a:lstStyle/>
+                        <a:p>
+                          <a:endParaRPr lang="zh-CN"/>
+                        </a:p>
+                      </a:txBody>
+                      <a:tcPr>
+                        <a:blipFill>
+                          <a:blip r:embed="rId2"/>
+                          <a:stretch>
+                            <a:fillRect l="-409091" t="-8333" r="-2139" b="-288333"/>
+                          </a:stretch>
+                        </a:blipFill>
+                      </a:tcPr>
+                    </a:tc>
+                    <a:tc hMerge="1">
+                      <a:txBody>
+                        <a:bodyPr/>
+                        <a:lstStyle/>
+                        <a:p>
+                          <a:endParaRPr lang="zh-CN" altLang="en-US"/>
+                        </a:p>
+                      </a:txBody>
+                      <a:tcPr/>
+                    </a:tc>
+                    <a:extLst>
+                      <a:ext uri="{0D108BD9-81ED-4DB2-BD59-A6C34878D82A}">
+                        <a16:rowId xmlns:a16="http://schemas.microsoft.com/office/drawing/2014/main" val="4142843008"/>
+                      </a:ext>
+                    </a:extLst>
+                  </a:tr>
+                  <a:tr h="365760">
+                    <a:tc>
+                      <a:txBody>
+                        <a:bodyPr/>
+                        <a:lstStyle/>
+                        <a:p>
+                          <a:pPr algn="ctr"/>
+                          <a:r>
+                            <a:rPr lang="zh-CN" altLang="en-US" sz="1800" b="1" dirty="0" smtClean="0">
+                              <a:solidFill>
+                                <a:schemeClr val="tx1"/>
+                              </a:solidFill>
+                              <a:latin typeface="+mn-ea"/>
+                              <a:ea typeface="+mn-ea"/>
+                            </a:rPr>
+                            <a:t>长度</a:t>
+                          </a:r>
+                          <a:endParaRPr lang="zh-CN" altLang="en-US" sz="1800" b="1" dirty="0">
+                            <a:solidFill>
+                              <a:schemeClr val="tx1"/>
+                            </a:solidFill>
+                            <a:latin typeface="+mn-ea"/>
+                            <a:ea typeface="+mn-ea"/>
+                          </a:endParaRPr>
+                        </a:p>
+                      </a:txBody>
+                      <a:tcPr>
+                        <a:solidFill>
+                          <a:schemeClr val="accent1">
+                            <a:lumMod val="40000"/>
+                            <a:lumOff val="60000"/>
+                          </a:schemeClr>
+                        </a:solidFill>
+                      </a:tcPr>
+                    </a:tc>
+                    <a:tc>
+                      <a:txBody>
+                        <a:bodyPr/>
+                        <a:lstStyle/>
+                        <a:p>
+                          <a:pPr algn="ctr"/>
+                          <a:endParaRPr lang="zh-CN" altLang="en-US" sz="1800" dirty="0">
+                            <a:solidFill>
+                              <a:schemeClr val="tx1"/>
+                            </a:solidFill>
+                            <a:latin typeface="+mn-ea"/>
+                            <a:ea typeface="+mn-ea"/>
+                          </a:endParaRPr>
+                        </a:p>
+                      </a:txBody>
+                      <a:tcPr>
+                        <a:solidFill>
+                          <a:schemeClr val="accent1">
+                            <a:lumMod val="40000"/>
+                            <a:lumOff val="60000"/>
+                          </a:schemeClr>
+                        </a:solidFill>
+                      </a:tcPr>
+                    </a:tc>
+                    <a:tc gridSpan="2">
+                      <a:txBody>
+                        <a:bodyPr/>
+                        <a:lstStyle/>
+                        <a:p>
+                          <a:endParaRPr lang="zh-CN"/>
+                        </a:p>
+                      </a:txBody>
+                      <a:tcPr>
+                        <a:blipFill>
+                          <a:blip r:embed="rId2"/>
+                          <a:stretch>
+                            <a:fillRect l="-165487" t="-106557" r="-580531" b="-183607"/>
+                          </a:stretch>
+                        </a:blipFill>
+                      </a:tcPr>
+                    </a:tc>
+                    <a:tc hMerge="1">
+                      <a:txBody>
+                        <a:bodyPr/>
+                        <a:lstStyle/>
+                        <a:p>
+                          <a:endParaRPr lang="zh-CN" altLang="en-US" dirty="0"/>
+                        </a:p>
+                      </a:txBody>
+                      <a:tcPr/>
+                    </a:tc>
+                    <a:tc gridSpan="2">
+                      <a:txBody>
+                        <a:bodyPr/>
+                        <a:lstStyle/>
+                        <a:p>
+                          <a:endParaRPr lang="zh-CN"/>
+                        </a:p>
+                      </a:txBody>
+                      <a:tcPr>
+                        <a:blipFill>
+                          <a:blip r:embed="rId2"/>
+                          <a:stretch>
+                            <a:fillRect l="-263158" t="-106557" r="-475439" b="-183607"/>
+                          </a:stretch>
+                        </a:blipFill>
+                      </a:tcPr>
+                    </a:tc>
+                    <a:tc hMerge="1">
+                      <a:txBody>
+                        <a:bodyPr/>
+                        <a:lstStyle/>
+                        <a:p>
+                          <a:endParaRPr lang="zh-CN" altLang="en-US" dirty="0"/>
+                        </a:p>
+                      </a:txBody>
+                      <a:tcPr/>
+                    </a:tc>
+                    <a:tc gridSpan="2">
+                      <a:txBody>
+                        <a:bodyPr/>
+                        <a:lstStyle/>
+                        <a:p>
+                          <a:endParaRPr lang="zh-CN"/>
+                        </a:p>
+                      </a:txBody>
+                      <a:tcPr>
+                        <a:blipFill>
+                          <a:blip r:embed="rId2"/>
+                          <a:stretch>
+                            <a:fillRect l="-331200" t="-106557" r="-333600" b="-183607"/>
+                          </a:stretch>
+                        </a:blipFill>
+                      </a:tcPr>
+                    </a:tc>
+                    <a:tc hMerge="1">
+                      <a:txBody>
+                        <a:bodyPr/>
+                        <a:lstStyle/>
+                        <a:p>
+                          <a:endParaRPr lang="zh-CN" altLang="en-US"/>
+                        </a:p>
+                      </a:txBody>
+                      <a:tcPr/>
+                    </a:tc>
+                    <a:tc gridSpan="2">
+                      <a:txBody>
+                        <a:bodyPr/>
+                        <a:lstStyle/>
+                        <a:p>
+                          <a:endParaRPr lang="zh-CN"/>
+                        </a:p>
+                      </a:txBody>
+                      <a:tcPr>
+                        <a:blipFill>
+                          <a:blip r:embed="rId2"/>
+                          <a:stretch>
+                            <a:fillRect l="-169497" t="-106557" r="-31132" b="-183607"/>
+                          </a:stretch>
+                        </a:blipFill>
+                      </a:tcPr>
+                    </a:tc>
+                    <a:tc hMerge="1">
+                      <a:txBody>
+                        <a:bodyPr/>
+                        <a:lstStyle/>
+                        <a:p>
+                          <a:endParaRPr lang="zh-CN" altLang="en-US"/>
+                        </a:p>
+                      </a:txBody>
+                      <a:tcPr/>
+                    </a:tc>
+                    <a:tc>
+                      <a:txBody>
+                        <a:bodyPr/>
+                        <a:lstStyle/>
+                        <a:p>
+                          <a:endParaRPr lang="zh-CN" altLang="en-US" dirty="0">
+                            <a:solidFill>
+                              <a:schemeClr val="tx1"/>
+                            </a:solidFill>
+                            <a:latin typeface="+mn-ea"/>
+                            <a:ea typeface="+mn-ea"/>
+                          </a:endParaRPr>
+                        </a:p>
+                      </a:txBody>
+                      <a:tcPr>
+                        <a:solidFill>
+                          <a:schemeClr val="accent1">
+                            <a:lumMod val="40000"/>
+                            <a:lumOff val="60000"/>
+                          </a:schemeClr>
+                        </a:solidFill>
+                      </a:tcPr>
+                    </a:tc>
+                    <a:extLst>
+                      <a:ext uri="{0D108BD9-81ED-4DB2-BD59-A6C34878D82A}">
+                        <a16:rowId xmlns:a16="http://schemas.microsoft.com/office/drawing/2014/main" val="31572473"/>
+                      </a:ext>
+                    </a:extLst>
+                  </a:tr>
+                  <a:tr h="669925">
+                    <a:tc>
+                      <a:txBody>
+                        <a:bodyPr/>
+                        <a:lstStyle/>
+                        <a:p>
+                          <a:pPr algn="ctr"/>
+                          <a:r>
+                            <a:rPr lang="zh-CN" altLang="en-US" sz="1800" b="1" dirty="0" smtClean="0">
+                              <a:solidFill>
+                                <a:schemeClr val="tx1"/>
+                              </a:solidFill>
+                              <a:latin typeface="+mn-ea"/>
+                              <a:ea typeface="+mn-ea"/>
+                            </a:rPr>
+                            <a:t>权重</a:t>
+                          </a:r>
+                          <a:endParaRPr lang="zh-CN" altLang="en-US" sz="1800" b="1" dirty="0">
+                            <a:solidFill>
+                              <a:schemeClr val="tx1"/>
+                            </a:solidFill>
+                            <a:latin typeface="+mn-ea"/>
+                            <a:ea typeface="+mn-ea"/>
+                          </a:endParaRPr>
+                        </a:p>
+                      </a:txBody>
+                      <a:tcPr>
+                        <a:solidFill>
+                          <a:schemeClr val="accent1">
+                            <a:lumMod val="40000"/>
+                            <a:lumOff val="60000"/>
+                          </a:schemeClr>
+                        </a:solidFill>
+                      </a:tcPr>
+                    </a:tc>
+                    <a:tc gridSpan="2">
+                      <a:txBody>
+                        <a:bodyPr/>
+                        <a:lstStyle/>
+                        <a:p>
+                          <a:pPr algn="ctr"/>
+                          <a:r>
+                            <a:rPr lang="en-US" altLang="zh-CN" sz="1800" b="1" dirty="0" smtClean="0">
+                              <a:solidFill>
+                                <a:schemeClr val="tx1"/>
+                              </a:solidFill>
+                              <a:latin typeface="+mn-ea"/>
+                              <a:ea typeface="+mn-ea"/>
+                            </a:rPr>
+                            <a:t>1/2</a:t>
+                          </a:r>
+                          <a:endParaRPr lang="zh-CN" altLang="en-US" sz="1800" b="1" dirty="0">
+                            <a:solidFill>
+                              <a:schemeClr val="tx1"/>
+                            </a:solidFill>
+                            <a:latin typeface="+mn-ea"/>
+                            <a:ea typeface="+mn-ea"/>
+                          </a:endParaRPr>
+                        </a:p>
+                      </a:txBody>
+                      <a:tcPr>
+                        <a:solidFill>
+                          <a:schemeClr val="accent1">
+                            <a:lumMod val="40000"/>
+                            <a:lumOff val="60000"/>
+                          </a:schemeClr>
+                        </a:solidFill>
+                      </a:tcPr>
+                    </a:tc>
+                    <a:tc hMerge="1">
+                      <a:txBody>
+                        <a:bodyPr/>
+                        <a:lstStyle/>
+                        <a:p>
+                          <a:endParaRPr lang="zh-CN" altLang="en-US" dirty="0"/>
+                        </a:p>
+                      </a:txBody>
+                      <a:tcPr/>
+                    </a:tc>
+                    <a:tc gridSpan="2">
+                      <a:txBody>
+                        <a:bodyPr/>
+                        <a:lstStyle/>
+                        <a:p>
+                          <a:pPr algn="ctr"/>
+                          <a:r>
+                            <a:rPr lang="en-US" altLang="zh-CN" sz="1800" b="1" dirty="0" smtClean="0">
+                              <a:solidFill>
+                                <a:schemeClr val="tx1"/>
+                              </a:solidFill>
+                              <a:latin typeface="+mn-ea"/>
+                              <a:ea typeface="+mn-ea"/>
+                            </a:rPr>
+                            <a:t>1</a:t>
+                          </a:r>
+                          <a:endParaRPr lang="zh-CN" altLang="en-US" sz="1800" b="1" dirty="0">
+                            <a:solidFill>
+                              <a:schemeClr val="tx1"/>
+                            </a:solidFill>
+                            <a:latin typeface="+mn-ea"/>
+                            <a:ea typeface="+mn-ea"/>
+                          </a:endParaRPr>
+                        </a:p>
+                      </a:txBody>
+                      <a:tcPr>
+                        <a:solidFill>
+                          <a:schemeClr val="accent1">
+                            <a:lumMod val="40000"/>
+                            <a:lumOff val="60000"/>
+                          </a:schemeClr>
+                        </a:solidFill>
+                      </a:tcPr>
+                    </a:tc>
+                    <a:tc hMerge="1">
+                      <a:txBody>
+                        <a:bodyPr/>
+                        <a:lstStyle/>
+                        <a:p>
+                          <a:endParaRPr lang="zh-CN" altLang="en-US" dirty="0"/>
+                        </a:p>
+                      </a:txBody>
+                      <a:tcPr/>
+                    </a:tc>
+                    <a:tc gridSpan="2">
+                      <a:txBody>
+                        <a:bodyPr/>
+                        <a:lstStyle/>
+                        <a:p>
+                          <a:pPr algn="ctr"/>
+                          <a:r>
+                            <a:rPr lang="en-US" altLang="zh-CN" sz="1800" b="1" dirty="0" smtClean="0">
+                              <a:solidFill>
+                                <a:schemeClr val="tx1"/>
+                              </a:solidFill>
+                              <a:latin typeface="+mn-ea"/>
+                              <a:ea typeface="+mn-ea"/>
+                            </a:rPr>
+                            <a:t>1</a:t>
+                          </a:r>
+                          <a:endParaRPr lang="zh-CN" altLang="en-US" sz="1800" b="1" dirty="0">
+                            <a:solidFill>
+                              <a:schemeClr val="tx1"/>
+                            </a:solidFill>
+                            <a:latin typeface="+mn-ea"/>
+                            <a:ea typeface="+mn-ea"/>
+                          </a:endParaRPr>
+                        </a:p>
+                      </a:txBody>
+                      <a:tcPr>
+                        <a:solidFill>
+                          <a:schemeClr val="accent1">
+                            <a:lumMod val="40000"/>
+                            <a:lumOff val="60000"/>
+                          </a:schemeClr>
+                        </a:solidFill>
+                      </a:tcPr>
+                    </a:tc>
+                    <a:tc hMerge="1">
+                      <a:txBody>
+                        <a:bodyPr/>
+                        <a:lstStyle/>
+                        <a:p>
+                          <a:endParaRPr lang="zh-CN" altLang="en-US" dirty="0"/>
+                        </a:p>
+                      </a:txBody>
+                      <a:tcPr/>
+                    </a:tc>
+                    <a:tc gridSpan="2">
+                      <a:txBody>
+                        <a:bodyPr/>
+                        <a:lstStyle/>
+                        <a:p>
+                          <a:endParaRPr lang="zh-CN"/>
+                        </a:p>
+                      </a:txBody>
+                      <a:tcPr>
+                        <a:blipFill>
+                          <a:blip r:embed="rId2"/>
+                          <a:stretch>
+                            <a:fillRect l="-169366" t="-114545" r="-67254" b="-1818"/>
+                          </a:stretch>
+                        </a:blipFill>
+                      </a:tcPr>
+                    </a:tc>
+                    <a:tc hMerge="1">
+                      <a:txBody>
+                        <a:bodyPr/>
+                        <a:lstStyle/>
+                        <a:p>
+                          <a:endParaRPr lang="zh-CN" altLang="en-US"/>
+                        </a:p>
+                      </a:txBody>
+                      <a:tcPr/>
+                    </a:tc>
+                    <a:tc gridSpan="2">
+                      <a:txBody>
+                        <a:bodyPr/>
+                        <a:lstStyle/>
+                        <a:p>
+                          <a:endParaRPr lang="zh-CN"/>
+                        </a:p>
+                      </a:txBody>
+                      <a:tcPr>
+                        <a:blipFill>
+                          <a:blip r:embed="rId2"/>
+                          <a:stretch>
+                            <a:fillRect l="-409091" t="-114545" r="-2139" b="-1818"/>
+                          </a:stretch>
+                        </a:blipFill>
+                      </a:tcPr>
+                    </a:tc>
+                    <a:tc hMerge="1">
+                      <a:txBody>
+                        <a:bodyPr/>
+                        <a:lstStyle/>
+                        <a:p>
+                          <a:endParaRPr lang="zh-CN" altLang="en-US" dirty="0"/>
+                        </a:p>
+                      </a:txBody>
+                      <a:tcPr/>
+                    </a:tc>
+                    <a:extLst>
+                      <a:ext uri="{0D108BD9-81ED-4DB2-BD59-A6C34878D82A}">
+                        <a16:rowId xmlns:a16="http://schemas.microsoft.com/office/drawing/2014/main" val="1880692282"/>
+                      </a:ext>
+                    </a:extLst>
+                  </a:tr>
+                </a:tbl>
+              </a:graphicData>
+            </a:graphic>
+          </p:graphicFrame>
+        </mc:Fallback>
+      </mc:AlternateContent>
+    </p:spTree>
+    <p:extLst>
+      <p:ext uri="{BB962C8B-B14F-4D97-AF65-F5344CB8AC3E}">
+        <p14:creationId xmlns:p14="http://schemas.microsoft.com/office/powerpoint/2010/main" val="4218429507"/>
+      </p:ext>
+    </p:extLst>
+  </p:cSld>
+  <p:clrMapOvr>
+    <a:masterClrMapping/>
+  </p:clrMapOvr>
+</p:sld>
+</file>
+
+<file path=ppt/slides/slide3.xml><?xml version="1.0" encoding="utf-8"?>
+<p:sld xmlns:a="http://schemas.openxmlformats.org/drawingml/2006/main" xmlns:r="http://schemas.openxmlformats.org/officeDocument/2006/relationships" xmlns:p="http://schemas.openxmlformats.org/presentationml/2006/main">
+  <p:cSld>
+    <p:spTree>
+      <p:nvGrpSpPr>
+        <p:cNvPr id="1" name=""/>
+        <p:cNvGrpSpPr/>
+        <p:nvPr/>
+      </p:nvGrpSpPr>
+      <p:grpSpPr>
+        <a:xfrm>
+          <a:off x="0" y="0"/>
+          <a:ext cx="0" cy="0"/>
+          <a:chOff x="0" y="0"/>
+          <a:chExt cx="0" cy="0"/>
+        </a:xfrm>
+      </p:grpSpPr>
+      <p:sp>
+        <p:nvSpPr>
+          <p:cNvPr id="4" name="稻壳儿小白白(http://dwz.cn/Wu2UP)"/>
+          <p:cNvSpPr>
+            <a:spLocks/>
+          </p:cNvSpPr>
+          <p:nvPr/>
+        </p:nvSpPr>
+        <p:spPr bwMode="auto">
+          <a:xfrm>
+            <a:off x="513690" y="1455903"/>
+            <a:ext cx="10140951" cy="4467225"/>
+          </a:xfrm>
+          <a:custGeom>
+            <a:avLst/>
+            <a:gdLst>
+              <a:gd name="T0" fmla="*/ 2147483646 w 1735"/>
+              <a:gd name="T1" fmla="*/ 2147483646 h 784"/>
+              <a:gd name="T2" fmla="*/ 2147483646 w 1735"/>
+              <a:gd name="T3" fmla="*/ 2147483646 h 784"/>
+              <a:gd name="T4" fmla="*/ 2147483646 w 1735"/>
+              <a:gd name="T5" fmla="*/ 2147483646 h 784"/>
+              <a:gd name="T6" fmla="*/ 2147483646 w 1735"/>
+              <a:gd name="T7" fmla="*/ 2147483646 h 784"/>
+              <a:gd name="T8" fmla="*/ 2147483646 w 1735"/>
+              <a:gd name="T9" fmla="*/ 2147483646 h 784"/>
+              <a:gd name="T10" fmla="*/ 2147483646 w 1735"/>
+              <a:gd name="T11" fmla="*/ 2147483646 h 784"/>
+              <a:gd name="T12" fmla="*/ 2147483646 w 1735"/>
+              <a:gd name="T13" fmla="*/ 2147483646 h 784"/>
+              <a:gd name="T14" fmla="*/ 2147483646 w 1735"/>
+              <a:gd name="T15" fmla="*/ 2147483646 h 784"/>
+              <a:gd name="T16" fmla="*/ 2147483646 w 1735"/>
+              <a:gd name="T17" fmla="*/ 2147483646 h 784"/>
+              <a:gd name="T18" fmla="*/ 2147483646 w 1735"/>
+              <a:gd name="T19" fmla="*/ 2147483646 h 784"/>
+              <a:gd name="T20" fmla="*/ 0 w 1735"/>
+              <a:gd name="T21" fmla="*/ 0 h 784"/>
+              <a:gd name="T22" fmla="*/ 2147483646 w 1735"/>
+              <a:gd name="T23" fmla="*/ 2147483646 h 784"/>
+              <a:gd name="T24" fmla="*/ 2147483646 w 1735"/>
+              <a:gd name="T25" fmla="*/ 2147483646 h 784"/>
+              <a:gd name="T26" fmla="*/ 2147483646 w 1735"/>
+              <a:gd name="T27" fmla="*/ 2147483646 h 784"/>
+              <a:gd name="T28" fmla="*/ 2147483646 w 1735"/>
+              <a:gd name="T29" fmla="*/ 2147483646 h 784"/>
+              <a:gd name="T30" fmla="*/ 2147483646 w 1735"/>
+              <a:gd name="T31" fmla="*/ 2147483646 h 784"/>
+              <a:gd name="T32" fmla="*/ 0 60000 65536"/>
+              <a:gd name="T33" fmla="*/ 0 60000 65536"/>
+              <a:gd name="T34" fmla="*/ 0 60000 65536"/>
+              <a:gd name="T35" fmla="*/ 0 60000 65536"/>
+              <a:gd name="T36" fmla="*/ 0 60000 65536"/>
+              <a:gd name="T37" fmla="*/ 0 60000 65536"/>
+              <a:gd name="T38" fmla="*/ 0 60000 65536"/>
+              <a:gd name="T39" fmla="*/ 0 60000 65536"/>
+              <a:gd name="T40" fmla="*/ 0 60000 65536"/>
+              <a:gd name="T41" fmla="*/ 0 60000 65536"/>
+              <a:gd name="T42" fmla="*/ 0 60000 65536"/>
+              <a:gd name="T43" fmla="*/ 0 60000 65536"/>
+              <a:gd name="T44" fmla="*/ 0 60000 65536"/>
+              <a:gd name="T45" fmla="*/ 0 60000 65536"/>
+              <a:gd name="T46" fmla="*/ 0 60000 65536"/>
+              <a:gd name="T47" fmla="*/ 0 60000 65536"/>
+            </a:gdLst>
+            <a:ahLst/>
+            <a:cxnLst>
+              <a:cxn ang="T32">
+                <a:pos x="T0" y="T1"/>
+              </a:cxn>
+              <a:cxn ang="T33">
+                <a:pos x="T2" y="T3"/>
+              </a:cxn>
+              <a:cxn ang="T34">
+                <a:pos x="T4" y="T5"/>
+              </a:cxn>
+              <a:cxn ang="T35">
+                <a:pos x="T6" y="T7"/>
+              </a:cxn>
+              <a:cxn ang="T36">
+                <a:pos x="T8" y="T9"/>
+              </a:cxn>
+              <a:cxn ang="T37">
+                <a:pos x="T10" y="T11"/>
+              </a:cxn>
+              <a:cxn ang="T38">
+                <a:pos x="T12" y="T13"/>
+              </a:cxn>
+              <a:cxn ang="T39">
+                <a:pos x="T14" y="T15"/>
+              </a:cxn>
+              <a:cxn ang="T40">
+                <a:pos x="T16" y="T17"/>
+              </a:cxn>
+              <a:cxn ang="T41">
+                <a:pos x="T18" y="T19"/>
+              </a:cxn>
+              <a:cxn ang="T42">
+                <a:pos x="T20" y="T21"/>
+              </a:cxn>
+              <a:cxn ang="T43">
+                <a:pos x="T22" y="T23"/>
+              </a:cxn>
+              <a:cxn ang="T44">
+                <a:pos x="T24" y="T25"/>
+              </a:cxn>
+              <a:cxn ang="T45">
+                <a:pos x="T26" y="T27"/>
+              </a:cxn>
+              <a:cxn ang="T46">
+                <a:pos x="T28" y="T29"/>
+              </a:cxn>
+              <a:cxn ang="T47">
+                <a:pos x="T30" y="T31"/>
+              </a:cxn>
+            </a:cxnLst>
+            <a:rect l="0" t="0" r="r" b="b"/>
+            <a:pathLst>
+              <a:path w="1735" h="784">
+                <a:moveTo>
+                  <a:pt x="1548" y="674"/>
+                </a:moveTo>
+                <a:cubicBezTo>
+                  <a:pt x="1577" y="645"/>
+                  <a:pt x="1577" y="645"/>
+                  <a:pt x="1577" y="645"/>
+                </a:cubicBezTo>
+                <a:cubicBezTo>
+                  <a:pt x="1735" y="724"/>
+                  <a:pt x="1735" y="724"/>
+                  <a:pt x="1735" y="724"/>
+                </a:cubicBezTo>
+                <a:cubicBezTo>
+                  <a:pt x="1437" y="784"/>
+                  <a:pt x="1437" y="784"/>
+                  <a:pt x="1437" y="784"/>
+                </a:cubicBezTo>
+                <a:cubicBezTo>
+                  <a:pt x="1474" y="748"/>
+                  <a:pt x="1474" y="748"/>
+                  <a:pt x="1474" y="748"/>
+                </a:cubicBezTo>
+                <a:cubicBezTo>
+                  <a:pt x="1425" y="747"/>
+                  <a:pt x="1376" y="745"/>
+                  <a:pt x="1328" y="742"/>
+                </a:cubicBezTo>
+                <a:cubicBezTo>
+                  <a:pt x="1190" y="733"/>
+                  <a:pt x="1058" y="716"/>
+                  <a:pt x="930" y="692"/>
+                </a:cubicBezTo>
+                <a:cubicBezTo>
+                  <a:pt x="698" y="635"/>
+                  <a:pt x="578" y="571"/>
+                  <a:pt x="571" y="498"/>
+                </a:cubicBezTo>
+                <a:cubicBezTo>
+                  <a:pt x="562" y="453"/>
+                  <a:pt x="606" y="407"/>
+                  <a:pt x="702" y="361"/>
+                </a:cubicBezTo>
+                <a:cubicBezTo>
+                  <a:pt x="824" y="313"/>
+                  <a:pt x="906" y="271"/>
+                  <a:pt x="948" y="236"/>
+                </a:cubicBezTo>
+                <a:cubicBezTo>
+                  <a:pt x="1053" y="130"/>
+                  <a:pt x="737" y="51"/>
+                  <a:pt x="0" y="0"/>
+                </a:cubicBezTo>
+                <a:cubicBezTo>
+                  <a:pt x="754" y="31"/>
+                  <a:pt x="1085" y="112"/>
+                  <a:pt x="993" y="243"/>
+                </a:cubicBezTo>
+                <a:cubicBezTo>
+                  <a:pt x="968" y="274"/>
+                  <a:pt x="896" y="312"/>
+                  <a:pt x="777" y="359"/>
+                </a:cubicBezTo>
+                <a:cubicBezTo>
+                  <a:pt x="664" y="409"/>
+                  <a:pt x="631" y="463"/>
+                  <a:pt x="678" y="520"/>
+                </a:cubicBezTo>
+                <a:cubicBezTo>
+                  <a:pt x="761" y="606"/>
+                  <a:pt x="977" y="656"/>
+                  <a:pt x="1328" y="670"/>
+                </a:cubicBezTo>
+                <a:cubicBezTo>
+                  <a:pt x="1396" y="673"/>
+                  <a:pt x="1470" y="674"/>
+                  <a:pt x="1548" y="674"/>
+                </a:cubicBezTo>
+                <a:close/>
+              </a:path>
+            </a:pathLst>
+          </a:custGeom>
+          <a:solidFill>
+            <a:srgbClr val="C1C7D0"/>
+          </a:solidFill>
+          <a:ln>
+            <a:noFill/>
+          </a:ln>
+          <a:extLst>
+            <a:ext uri="{91240B29-F687-4F45-9708-019B960494DF}">
+              <a14:hiddenLine xmlns:a14="http://schemas.microsoft.com/office/drawing/2010/main" w="9525">
+                <a:solidFill>
+                  <a:srgbClr val="000000"/>
+                </a:solidFill>
+                <a:round/>
+                <a:headEnd/>
+                <a:tailEnd/>
+              </a14:hiddenLine>
+            </a:ext>
+          </a:extLst>
+        </p:spPr>
+        <p:txBody>
+          <a:bodyPr lIns="121682" tIns="60841" rIns="121682" bIns="60841"/>
+          <a:lstStyle/>
+          <a:p>
+            <a:pPr eaLnBrk="0" hangingPunct="0"/>
+            <a:endParaRPr lang="zh-CN" altLang="en-US">
+              <a:solidFill>
+                <a:srgbClr val="445469"/>
+              </a:solidFill>
+              <a:ea typeface="微软雅黑" panose="020B0503020204020204" pitchFamily="34" charset="-122"/>
+            </a:endParaRPr>
+          </a:p>
+        </p:txBody>
+      </p:sp>
+      <p:pic>
+        <p:nvPicPr>
+          <p:cNvPr id="5" name="稻壳儿小白白(http://dwz.cn/Wu2UP)"/>
+          <p:cNvPicPr>
+            <a:picLocks noChangeArrowheads="1"/>
+          </p:cNvPicPr>
+          <p:nvPr/>
+        </p:nvPicPr>
+        <p:blipFill>
+          <a:blip r:embed="rId2">
+            <a:extLst>
+              <a:ext uri="{28A0092B-C50C-407E-A947-70E740481C1C}">
+                <a14:useLocalDpi xmlns:a14="http://schemas.microsoft.com/office/drawing/2010/main"/>
+              </a:ext>
+            </a:extLst>
+          </a:blip>
+          <a:srcRect/>
+          <a:stretch>
+            <a:fillRect/>
+          </a:stretch>
+        </p:blipFill>
+        <p:spPr bwMode="auto">
+          <a:xfrm>
+            <a:off x="4506252" y="3483141"/>
+            <a:ext cx="1481139" cy="2352675"/>
+          </a:xfrm>
+          <a:prstGeom prst="rect">
+            <a:avLst/>
+          </a:prstGeom>
+          <a:noFill/>
+          <a:ln>
+            <a:noFill/>
+          </a:ln>
+          <a:extLst>
+            <a:ext uri="{909E8E84-426E-40DD-AFC4-6F175D3DCCD1}">
+              <a14:hiddenFill xmlns:a14="http://schemas.microsoft.com/office/drawing/2010/main">
+                <a:solidFill>
+                  <a:srgbClr val="FFFFFF"/>
+                </a:solidFill>
+              </a14:hiddenFill>
+            </a:ext>
+            <a:ext uri="{91240B29-F687-4F45-9708-019B960494DF}">
+              <a14:hiddenLine xmlns:a14="http://schemas.microsoft.com/office/drawing/2010/main" w="9525">
+                <a:solidFill>
+                  <a:srgbClr val="000000"/>
+                </a:solidFill>
+                <a:miter lim="800000"/>
+                <a:headEnd/>
+                <a:tailEnd/>
+              </a14:hiddenLine>
+            </a:ext>
+          </a:extLst>
+        </p:spPr>
+      </p:pic>
+      <p:pic>
+        <p:nvPicPr>
+          <p:cNvPr id="6" name="稻壳儿小白白(http://dwz.cn/Wu2UP)"/>
+          <p:cNvPicPr>
+            <a:picLocks noChangeArrowheads="1"/>
+          </p:cNvPicPr>
+          <p:nvPr/>
+        </p:nvPicPr>
+        <p:blipFill>
+          <a:blip r:embed="rId3">
+            <a:extLst>
+              <a:ext uri="{28A0092B-C50C-407E-A947-70E740481C1C}">
+                <a14:useLocalDpi xmlns:a14="http://schemas.microsoft.com/office/drawing/2010/main"/>
+              </a:ext>
+            </a:extLst>
+          </a:blip>
+          <a:srcRect/>
+          <a:stretch>
+            <a:fillRect/>
+          </a:stretch>
+        </p:blipFill>
+        <p:spPr bwMode="auto">
+          <a:xfrm>
+            <a:off x="3371191" y="2470314"/>
+            <a:ext cx="1158875" cy="1835150"/>
+          </a:xfrm>
+          <a:prstGeom prst="rect">
+            <a:avLst/>
+          </a:prstGeom>
+          <a:noFill/>
+          <a:ln>
+            <a:noFill/>
+          </a:ln>
+          <a:extLst>
+            <a:ext uri="{909E8E84-426E-40DD-AFC4-6F175D3DCCD1}">
+              <a14:hiddenFill xmlns:a14="http://schemas.microsoft.com/office/drawing/2010/main">
+                <a:solidFill>
+                  <a:srgbClr val="FFFFFF"/>
+                </a:solidFill>
+              </a14:hiddenFill>
+            </a:ext>
+            <a:ext uri="{91240B29-F687-4F45-9708-019B960494DF}">
+              <a14:hiddenLine xmlns:a14="http://schemas.microsoft.com/office/drawing/2010/main" w="9525">
+                <a:solidFill>
+                  <a:srgbClr val="000000"/>
+                </a:solidFill>
+                <a:miter lim="800000"/>
+                <a:headEnd/>
+                <a:tailEnd/>
+              </a14:hiddenLine>
+            </a:ext>
+          </a:extLst>
+        </p:spPr>
+      </p:pic>
+      <p:pic>
+        <p:nvPicPr>
+          <p:cNvPr id="7" name="稻壳儿小白白(http://dwz.cn/Wu2UP)"/>
+          <p:cNvPicPr>
+            <a:picLocks noChangeArrowheads="1"/>
+          </p:cNvPicPr>
+          <p:nvPr/>
+        </p:nvPicPr>
+        <p:blipFill>
+          <a:blip r:embed="rId4">
+            <a:extLst>
+              <a:ext uri="{28A0092B-C50C-407E-A947-70E740481C1C}">
+                <a14:useLocalDpi xmlns:a14="http://schemas.microsoft.com/office/drawing/2010/main"/>
+              </a:ext>
+            </a:extLst>
+          </a:blip>
+          <a:srcRect/>
+          <a:stretch>
+            <a:fillRect/>
+          </a:stretch>
+        </p:blipFill>
+        <p:spPr bwMode="auto">
+          <a:xfrm>
+            <a:off x="5669890" y="849476"/>
+            <a:ext cx="1109663" cy="1760538"/>
+          </a:xfrm>
+          <a:prstGeom prst="rect">
+            <a:avLst/>
+          </a:prstGeom>
+          <a:noFill/>
+          <a:ln>
+            <a:noFill/>
+          </a:ln>
+          <a:extLst>
+            <a:ext uri="{909E8E84-426E-40DD-AFC4-6F175D3DCCD1}">
+              <a14:hiddenFill xmlns:a14="http://schemas.microsoft.com/office/drawing/2010/main">
+                <a:solidFill>
+                  <a:srgbClr val="FFFFFF"/>
+                </a:solidFill>
+              </a14:hiddenFill>
+            </a:ext>
+            <a:ext uri="{91240B29-F687-4F45-9708-019B960494DF}">
+              <a14:hiddenLine xmlns:a14="http://schemas.microsoft.com/office/drawing/2010/main" w="9525">
+                <a:solidFill>
+                  <a:srgbClr val="000000"/>
+                </a:solidFill>
+                <a:miter lim="800000"/>
+                <a:headEnd/>
+                <a:tailEnd/>
+              </a14:hiddenLine>
+            </a:ext>
+          </a:extLst>
+        </p:spPr>
+      </p:pic>
+      <p:pic>
+        <p:nvPicPr>
+          <p:cNvPr id="8" name="稻壳儿小白白(http://dwz.cn/Wu2UP)"/>
+          <p:cNvPicPr>
+            <a:picLocks noChangeArrowheads="1"/>
+          </p:cNvPicPr>
+          <p:nvPr/>
+        </p:nvPicPr>
+        <p:blipFill>
+          <a:blip r:embed="rId5">
+            <a:extLst>
+              <a:ext uri="{28A0092B-C50C-407E-A947-70E740481C1C}">
+                <a14:useLocalDpi xmlns:a14="http://schemas.microsoft.com/office/drawing/2010/main"/>
+              </a:ext>
+            </a:extLst>
+          </a:blip>
+          <a:srcRect/>
+          <a:stretch>
+            <a:fillRect/>
+          </a:stretch>
+        </p:blipFill>
+        <p:spPr bwMode="auto">
+          <a:xfrm>
+            <a:off x="1951966" y="568489"/>
+            <a:ext cx="998537" cy="1579562"/>
+          </a:xfrm>
+          <a:prstGeom prst="rect">
+            <a:avLst/>
+          </a:prstGeom>
+          <a:noFill/>
+          <a:ln>
+            <a:noFill/>
+          </a:ln>
+          <a:extLst>
+            <a:ext uri="{909E8E84-426E-40DD-AFC4-6F175D3DCCD1}">
+              <a14:hiddenFill xmlns:a14="http://schemas.microsoft.com/office/drawing/2010/main">
+                <a:solidFill>
+                  <a:srgbClr val="FFFFFF"/>
+                </a:solidFill>
+              </a14:hiddenFill>
+            </a:ext>
+            <a:ext uri="{91240B29-F687-4F45-9708-019B960494DF}">
+              <a14:hiddenLine xmlns:a14="http://schemas.microsoft.com/office/drawing/2010/main" w="9525">
+                <a:solidFill>
+                  <a:srgbClr val="000000"/>
+                </a:solidFill>
+                <a:miter lim="800000"/>
+                <a:headEnd/>
+                <a:tailEnd/>
+              </a14:hiddenLine>
+            </a:ext>
+          </a:extLst>
+        </p:spPr>
+      </p:pic>
+      <p:pic>
+        <p:nvPicPr>
+          <p:cNvPr id="9" name="稻壳儿小白白(http://dwz.cn/Wu2UP)"/>
+          <p:cNvPicPr>
+            <a:picLocks noChangeArrowheads="1"/>
+          </p:cNvPicPr>
+          <p:nvPr/>
+        </p:nvPicPr>
+        <p:blipFill>
+          <a:blip r:embed="rId6">
+            <a:extLst>
+              <a:ext uri="{28A0092B-C50C-407E-A947-70E740481C1C}">
+                <a14:useLocalDpi xmlns:a14="http://schemas.microsoft.com/office/drawing/2010/main"/>
+              </a:ext>
+            </a:extLst>
+          </a:blip>
+          <a:srcRect/>
+          <a:stretch>
+            <a:fillRect/>
+          </a:stretch>
+        </p:blipFill>
+        <p:spPr bwMode="auto">
+          <a:xfrm>
+            <a:off x="8370227" y="3787941"/>
+            <a:ext cx="1481139" cy="2352675"/>
+          </a:xfrm>
+          <a:prstGeom prst="rect">
+            <a:avLst/>
+          </a:prstGeom>
+          <a:noFill/>
+          <a:ln>
+            <a:noFill/>
+          </a:ln>
+          <a:extLst>
+            <a:ext uri="{909E8E84-426E-40DD-AFC4-6F175D3DCCD1}">
+              <a14:hiddenFill xmlns:a14="http://schemas.microsoft.com/office/drawing/2010/main">
+                <a:solidFill>
+                  <a:srgbClr val="FFFFFF"/>
+                </a:solidFill>
+              </a14:hiddenFill>
+            </a:ext>
+            <a:ext uri="{91240B29-F687-4F45-9708-019B960494DF}">
+              <a14:hiddenLine xmlns:a14="http://schemas.microsoft.com/office/drawing/2010/main" w="9525">
+                <a:solidFill>
+                  <a:srgbClr val="000000"/>
+                </a:solidFill>
+                <a:miter lim="800000"/>
+                <a:headEnd/>
+                <a:tailEnd/>
+              </a14:hiddenLine>
+            </a:ext>
+          </a:extLst>
+        </p:spPr>
+      </p:pic>
+      <p:sp>
+        <p:nvSpPr>
+          <p:cNvPr id="10" name="稻壳儿小白白(http://dwz.cn/Wu2UP)"/>
+          <p:cNvSpPr>
+            <a:spLocks noEditPoints="1"/>
+          </p:cNvSpPr>
+          <p:nvPr/>
+        </p:nvSpPr>
+        <p:spPr bwMode="auto">
+          <a:xfrm>
+            <a:off x="2294866" y="724064"/>
+            <a:ext cx="384175" cy="309562"/>
+          </a:xfrm>
+          <a:custGeom>
+            <a:avLst/>
+            <a:gdLst>
+              <a:gd name="T0" fmla="*/ 2147483646 w 57"/>
+              <a:gd name="T1" fmla="*/ 1222763170 h 46"/>
+              <a:gd name="T2" fmla="*/ 2147483646 w 57"/>
+              <a:gd name="T3" fmla="*/ 1222763170 h 46"/>
+              <a:gd name="T4" fmla="*/ 2147483646 w 57"/>
+              <a:gd name="T5" fmla="*/ 1222763170 h 46"/>
+              <a:gd name="T6" fmla="*/ 2147483646 w 57"/>
+              <a:gd name="T7" fmla="*/ 1222763170 h 46"/>
+              <a:gd name="T8" fmla="*/ 1271942766 w 57"/>
+              <a:gd name="T9" fmla="*/ 271728140 h 46"/>
+              <a:gd name="T10" fmla="*/ 181708035 w 57"/>
+              <a:gd name="T11" fmla="*/ 1222763170 h 46"/>
+              <a:gd name="T12" fmla="*/ 136281026 w 57"/>
+              <a:gd name="T13" fmla="*/ 1222763170 h 46"/>
+              <a:gd name="T14" fmla="*/ 90854018 w 57"/>
+              <a:gd name="T15" fmla="*/ 1222763170 h 46"/>
+              <a:gd name="T16" fmla="*/ 0 w 57"/>
+              <a:gd name="T17" fmla="*/ 1086905830 h 46"/>
+              <a:gd name="T18" fmla="*/ 0 w 57"/>
+              <a:gd name="T19" fmla="*/ 1041615564 h 46"/>
+              <a:gd name="T20" fmla="*/ 1181088748 w 57"/>
+              <a:gd name="T21" fmla="*/ 45290267 h 46"/>
+              <a:gd name="T22" fmla="*/ 1408217052 w 57"/>
+              <a:gd name="T23" fmla="*/ 45290267 h 46"/>
+              <a:gd name="T24" fmla="*/ 1817053391 w 57"/>
+              <a:gd name="T25" fmla="*/ 362301943 h 46"/>
+              <a:gd name="T26" fmla="*/ 1817053391 w 57"/>
+              <a:gd name="T27" fmla="*/ 45290267 h 46"/>
+              <a:gd name="T28" fmla="*/ 1862480400 w 57"/>
+              <a:gd name="T29" fmla="*/ 0 h 46"/>
+              <a:gd name="T30" fmla="*/ 2147483646 w 57"/>
+              <a:gd name="T31" fmla="*/ 0 h 46"/>
+              <a:gd name="T32" fmla="*/ 2147483646 w 57"/>
+              <a:gd name="T33" fmla="*/ 45290267 h 46"/>
+              <a:gd name="T34" fmla="*/ 2147483646 w 57"/>
+              <a:gd name="T35" fmla="*/ 724603887 h 46"/>
+              <a:gd name="T36" fmla="*/ 2147483646 w 57"/>
+              <a:gd name="T37" fmla="*/ 1041615564 h 46"/>
+              <a:gd name="T38" fmla="*/ 2147483646 w 57"/>
+              <a:gd name="T39" fmla="*/ 1086905830 h 46"/>
+              <a:gd name="T40" fmla="*/ 2147483646 w 57"/>
+              <a:gd name="T41" fmla="*/ 1222763170 h 46"/>
+              <a:gd name="T42" fmla="*/ 2147483646 w 57"/>
+              <a:gd name="T43" fmla="*/ 1992657324 h 46"/>
+              <a:gd name="T44" fmla="*/ 2135042453 w 57"/>
+              <a:gd name="T45" fmla="*/ 2083231127 h 46"/>
+              <a:gd name="T46" fmla="*/ 1499071070 w 57"/>
+              <a:gd name="T47" fmla="*/ 2083231127 h 46"/>
+              <a:gd name="T48" fmla="*/ 1499071070 w 57"/>
+              <a:gd name="T49" fmla="*/ 1449201044 h 46"/>
+              <a:gd name="T50" fmla="*/ 1090234731 w 57"/>
+              <a:gd name="T51" fmla="*/ 1449201044 h 46"/>
+              <a:gd name="T52" fmla="*/ 1090234731 w 57"/>
+              <a:gd name="T53" fmla="*/ 2083231127 h 46"/>
+              <a:gd name="T54" fmla="*/ 454263348 w 57"/>
+              <a:gd name="T55" fmla="*/ 2083231127 h 46"/>
+              <a:gd name="T56" fmla="*/ 363409330 w 57"/>
+              <a:gd name="T57" fmla="*/ 1992657324 h 46"/>
+              <a:gd name="T58" fmla="*/ 363409330 w 57"/>
+              <a:gd name="T59" fmla="*/ 1222763170 h 46"/>
+              <a:gd name="T60" fmla="*/ 363409330 w 57"/>
+              <a:gd name="T61" fmla="*/ 1177479633 h 46"/>
+              <a:gd name="T62" fmla="*/ 1271942766 w 57"/>
+              <a:gd name="T63" fmla="*/ 407585480 h 46"/>
+              <a:gd name="T64" fmla="*/ 2147483646 w 57"/>
+              <a:gd name="T65" fmla="*/ 1177479633 h 46"/>
+              <a:gd name="T66" fmla="*/ 2147483646 w 57"/>
+              <a:gd name="T67" fmla="*/ 1222763170 h 46"/>
+              <a:gd name="T68" fmla="*/ 2147483646 w 57"/>
+              <a:gd name="T69" fmla="*/ 1992657324 h 46"/>
+              <a:gd name="T70" fmla="*/ 0 60000 65536"/>
+              <a:gd name="T71" fmla="*/ 0 60000 65536"/>
+              <a:gd name="T72" fmla="*/ 0 60000 65536"/>
+              <a:gd name="T73" fmla="*/ 0 60000 65536"/>
+              <a:gd name="T74" fmla="*/ 0 60000 65536"/>
+              <a:gd name="T75" fmla="*/ 0 60000 65536"/>
+              <a:gd name="T76" fmla="*/ 0 60000 65536"/>
+              <a:gd name="T77" fmla="*/ 0 60000 65536"/>
+              <a:gd name="T78" fmla="*/ 0 60000 65536"/>
+              <a:gd name="T79" fmla="*/ 0 60000 65536"/>
+              <a:gd name="T80" fmla="*/ 0 60000 65536"/>
+              <a:gd name="T81" fmla="*/ 0 60000 65536"/>
+              <a:gd name="T82" fmla="*/ 0 60000 65536"/>
+              <a:gd name="T83" fmla="*/ 0 60000 65536"/>
+              <a:gd name="T84" fmla="*/ 0 60000 65536"/>
+              <a:gd name="T85" fmla="*/ 0 60000 65536"/>
+              <a:gd name="T86" fmla="*/ 0 60000 65536"/>
+              <a:gd name="T87" fmla="*/ 0 60000 65536"/>
+              <a:gd name="T88" fmla="*/ 0 60000 65536"/>
+              <a:gd name="T89" fmla="*/ 0 60000 65536"/>
+              <a:gd name="T90" fmla="*/ 0 60000 65536"/>
+              <a:gd name="T91" fmla="*/ 0 60000 65536"/>
+              <a:gd name="T92" fmla="*/ 0 60000 65536"/>
+              <a:gd name="T93" fmla="*/ 0 60000 65536"/>
+              <a:gd name="T94" fmla="*/ 0 60000 65536"/>
+              <a:gd name="T95" fmla="*/ 0 60000 65536"/>
+              <a:gd name="T96" fmla="*/ 0 60000 65536"/>
+              <a:gd name="T97" fmla="*/ 0 60000 65536"/>
+              <a:gd name="T98" fmla="*/ 0 60000 65536"/>
+              <a:gd name="T99" fmla="*/ 0 60000 65536"/>
+              <a:gd name="T100" fmla="*/ 0 60000 65536"/>
+              <a:gd name="T101" fmla="*/ 0 60000 65536"/>
+              <a:gd name="T102" fmla="*/ 0 60000 65536"/>
+              <a:gd name="T103" fmla="*/ 0 60000 65536"/>
+              <a:gd name="T104" fmla="*/ 0 60000 65536"/>
+            </a:gdLst>
+            <a:ahLst/>
+            <a:cxnLst>
+              <a:cxn ang="T70">
+                <a:pos x="T0" y="T1"/>
+              </a:cxn>
+              <a:cxn ang="T71">
+                <a:pos x="T2" y="T3"/>
+              </a:cxn>
+              <a:cxn ang="T72">
+                <a:pos x="T4" y="T5"/>
+              </a:cxn>
+              <a:cxn ang="T73">
+                <a:pos x="T6" y="T7"/>
+              </a:cxn>
+              <a:cxn ang="T74">
+                <a:pos x="T8" y="T9"/>
+              </a:cxn>
+              <a:cxn ang="T75">
+                <a:pos x="T10" y="T11"/>
+              </a:cxn>
+              <a:cxn ang="T76">
+                <a:pos x="T12" y="T13"/>
+              </a:cxn>
+              <a:cxn ang="T77">
+                <a:pos x="T14" y="T15"/>
+              </a:cxn>
+              <a:cxn ang="T78">
+                <a:pos x="T16" y="T17"/>
+              </a:cxn>
+              <a:cxn ang="T79">
+                <a:pos x="T18" y="T19"/>
+              </a:cxn>
+              <a:cxn ang="T80">
+                <a:pos x="T20" y="T21"/>
+              </a:cxn>
+              <a:cxn ang="T81">
+                <a:pos x="T22" y="T23"/>
+              </a:cxn>
+              <a:cxn ang="T82">
+                <a:pos x="T24" y="T25"/>
+              </a:cxn>
+              <a:cxn ang="T83">
+                <a:pos x="T26" y="T27"/>
+              </a:cxn>
+              <a:cxn ang="T84">
+                <a:pos x="T28" y="T29"/>
+              </a:cxn>
+              <a:cxn ang="T85">
+                <a:pos x="T30" y="T31"/>
+              </a:cxn>
+              <a:cxn ang="T86">
+                <a:pos x="T32" y="T33"/>
+              </a:cxn>
+              <a:cxn ang="T87">
+                <a:pos x="T34" y="T35"/>
+              </a:cxn>
+              <a:cxn ang="T88">
+                <a:pos x="T36" y="T37"/>
+              </a:cxn>
+              <a:cxn ang="T89">
+                <a:pos x="T38" y="T39"/>
+              </a:cxn>
+              <a:cxn ang="T90">
+                <a:pos x="T40" y="T41"/>
+              </a:cxn>
+              <a:cxn ang="T91">
+                <a:pos x="T42" y="T43"/>
+              </a:cxn>
+              <a:cxn ang="T92">
+                <a:pos x="T44" y="T45"/>
+              </a:cxn>
+              <a:cxn ang="T93">
+                <a:pos x="T46" y="T47"/>
+              </a:cxn>
+              <a:cxn ang="T94">
+                <a:pos x="T48" y="T49"/>
+              </a:cxn>
+              <a:cxn ang="T95">
+                <a:pos x="T50" y="T51"/>
+              </a:cxn>
+              <a:cxn ang="T96">
+                <a:pos x="T52" y="T53"/>
+              </a:cxn>
+              <a:cxn ang="T97">
+                <a:pos x="T54" y="T55"/>
+              </a:cxn>
+              <a:cxn ang="T98">
+                <a:pos x="T56" y="T57"/>
+              </a:cxn>
+              <a:cxn ang="T99">
+                <a:pos x="T58" y="T59"/>
+              </a:cxn>
+              <a:cxn ang="T100">
+                <a:pos x="T60" y="T61"/>
+              </a:cxn>
+              <a:cxn ang="T101">
+                <a:pos x="T62" y="T63"/>
+              </a:cxn>
+              <a:cxn ang="T102">
+                <a:pos x="T64" y="T65"/>
+              </a:cxn>
+              <a:cxn ang="T103">
+                <a:pos x="T66" y="T67"/>
+              </a:cxn>
+              <a:cxn ang="T104">
+                <a:pos x="T68" y="T69"/>
+              </a:cxn>
+            </a:cxnLst>
+            <a:rect l="0" t="0" r="r" b="b"/>
+            <a:pathLst>
+              <a:path w="57" h="46">
+                <a:moveTo>
+                  <a:pt x="55" y="27"/>
+                </a:moveTo>
+                <a:cubicBezTo>
+                  <a:pt x="55" y="27"/>
+                  <a:pt x="54" y="27"/>
+                  <a:pt x="54" y="27"/>
+                </a:cubicBezTo>
+                <a:cubicBezTo>
+                  <a:pt x="54" y="27"/>
+                  <a:pt x="54" y="27"/>
+                  <a:pt x="54" y="27"/>
+                </a:cubicBezTo>
+                <a:cubicBezTo>
+                  <a:pt x="54" y="27"/>
+                  <a:pt x="53" y="27"/>
+                  <a:pt x="53" y="27"/>
+                </a:cubicBezTo>
+                <a:cubicBezTo>
+                  <a:pt x="28" y="6"/>
+                  <a:pt x="28" y="6"/>
+                  <a:pt x="28" y="6"/>
+                </a:cubicBezTo>
+                <a:cubicBezTo>
+                  <a:pt x="4" y="27"/>
+                  <a:pt x="4" y="27"/>
+                  <a:pt x="4" y="27"/>
+                </a:cubicBezTo>
+                <a:cubicBezTo>
+                  <a:pt x="4" y="27"/>
+                  <a:pt x="3" y="27"/>
+                  <a:pt x="3" y="27"/>
+                </a:cubicBezTo>
+                <a:cubicBezTo>
+                  <a:pt x="3" y="27"/>
+                  <a:pt x="2" y="27"/>
+                  <a:pt x="2" y="27"/>
+                </a:cubicBezTo>
+                <a:cubicBezTo>
+                  <a:pt x="0" y="24"/>
+                  <a:pt x="0" y="24"/>
+                  <a:pt x="0" y="24"/>
+                </a:cubicBezTo>
+                <a:cubicBezTo>
+                  <a:pt x="0" y="24"/>
+                  <a:pt x="0" y="23"/>
+                  <a:pt x="0" y="23"/>
+                </a:cubicBezTo>
+                <a:cubicBezTo>
+                  <a:pt x="26" y="1"/>
+                  <a:pt x="26" y="1"/>
+                  <a:pt x="26" y="1"/>
+                </a:cubicBezTo>
+                <a:cubicBezTo>
+                  <a:pt x="27" y="0"/>
+                  <a:pt x="30" y="0"/>
+                  <a:pt x="31" y="1"/>
+                </a:cubicBezTo>
+                <a:cubicBezTo>
+                  <a:pt x="40" y="8"/>
+                  <a:pt x="40" y="8"/>
+                  <a:pt x="40" y="8"/>
+                </a:cubicBezTo>
+                <a:cubicBezTo>
+                  <a:pt x="40" y="1"/>
+                  <a:pt x="40" y="1"/>
+                  <a:pt x="40" y="1"/>
+                </a:cubicBezTo>
+                <a:cubicBezTo>
+                  <a:pt x="40" y="1"/>
+                  <a:pt x="40" y="0"/>
+                  <a:pt x="41" y="0"/>
+                </a:cubicBezTo>
+                <a:cubicBezTo>
+                  <a:pt x="48" y="0"/>
+                  <a:pt x="48" y="0"/>
+                  <a:pt x="48" y="0"/>
+                </a:cubicBezTo>
+                <a:cubicBezTo>
+                  <a:pt x="49" y="0"/>
+                  <a:pt x="49" y="1"/>
+                  <a:pt x="49" y="1"/>
+                </a:cubicBezTo>
+                <a:cubicBezTo>
+                  <a:pt x="49" y="16"/>
+                  <a:pt x="49" y="16"/>
+                  <a:pt x="49" y="16"/>
+                </a:cubicBezTo>
+                <a:cubicBezTo>
+                  <a:pt x="57" y="23"/>
+                  <a:pt x="57" y="23"/>
+                  <a:pt x="57" y="23"/>
+                </a:cubicBezTo>
+                <a:cubicBezTo>
+                  <a:pt x="57" y="23"/>
+                  <a:pt x="57" y="24"/>
+                  <a:pt x="57" y="24"/>
+                </a:cubicBezTo>
+                <a:lnTo>
+                  <a:pt x="55" y="27"/>
+                </a:lnTo>
+                <a:close/>
+                <a:moveTo>
+                  <a:pt x="49" y="44"/>
+                </a:moveTo>
+                <a:cubicBezTo>
+                  <a:pt x="49" y="45"/>
+                  <a:pt x="48" y="46"/>
+                  <a:pt x="47" y="46"/>
+                </a:cubicBezTo>
+                <a:cubicBezTo>
+                  <a:pt x="33" y="46"/>
+                  <a:pt x="33" y="46"/>
+                  <a:pt x="33" y="46"/>
+                </a:cubicBezTo>
+                <a:cubicBezTo>
+                  <a:pt x="33" y="32"/>
+                  <a:pt x="33" y="32"/>
+                  <a:pt x="33" y="32"/>
+                </a:cubicBezTo>
+                <a:cubicBezTo>
+                  <a:pt x="24" y="32"/>
+                  <a:pt x="24" y="32"/>
+                  <a:pt x="24" y="32"/>
+                </a:cubicBezTo>
+                <a:cubicBezTo>
+                  <a:pt x="24" y="46"/>
+                  <a:pt x="24" y="46"/>
+                  <a:pt x="24" y="46"/>
+                </a:cubicBezTo>
+                <a:cubicBezTo>
+                  <a:pt x="10" y="46"/>
+                  <a:pt x="10" y="46"/>
+                  <a:pt x="10" y="46"/>
+                </a:cubicBezTo>
+                <a:cubicBezTo>
+                  <a:pt x="9" y="46"/>
+                  <a:pt x="8" y="45"/>
+                  <a:pt x="8" y="44"/>
+                </a:cubicBezTo>
+                <a:cubicBezTo>
+                  <a:pt x="8" y="27"/>
+                  <a:pt x="8" y="27"/>
+                  <a:pt x="8" y="27"/>
+                </a:cubicBezTo>
+                <a:cubicBezTo>
+                  <a:pt x="8" y="27"/>
+                  <a:pt x="8" y="26"/>
+                  <a:pt x="8" y="26"/>
+                </a:cubicBezTo>
+                <a:cubicBezTo>
+                  <a:pt x="28" y="9"/>
+                  <a:pt x="28" y="9"/>
+                  <a:pt x="28" y="9"/>
+                </a:cubicBezTo>
+                <a:cubicBezTo>
+                  <a:pt x="49" y="26"/>
+                  <a:pt x="49" y="26"/>
+                  <a:pt x="49" y="26"/>
+                </a:cubicBezTo>
+                <a:cubicBezTo>
+                  <a:pt x="49" y="26"/>
+                  <a:pt x="49" y="27"/>
+                  <a:pt x="49" y="27"/>
+                </a:cubicBezTo>
+                <a:lnTo>
+                  <a:pt x="49" y="44"/>
+                </a:lnTo>
+                <a:close/>
+              </a:path>
+            </a:pathLst>
+          </a:custGeom>
+          <a:solidFill>
+            <a:srgbClr val="FFFFFF"/>
+          </a:solidFill>
+          <a:ln>
+            <a:noFill/>
+          </a:ln>
+          <a:extLst>
+            <a:ext uri="{91240B29-F687-4F45-9708-019B960494DF}">
+              <a14:hiddenLine xmlns:a14="http://schemas.microsoft.com/office/drawing/2010/main" w="9525">
+                <a:solidFill>
+                  <a:srgbClr val="000000"/>
+                </a:solidFill>
+                <a:round/>
+                <a:headEnd/>
+                <a:tailEnd/>
+              </a14:hiddenLine>
+            </a:ext>
+          </a:extLst>
+        </p:spPr>
+        <p:txBody>
+          <a:bodyPr lIns="121682" tIns="60841" rIns="121682" bIns="60841"/>
+          <a:lstStyle/>
+          <a:p>
+            <a:pPr eaLnBrk="0" hangingPunct="0"/>
+            <a:endParaRPr lang="zh-CN" altLang="en-US">
+              <a:solidFill>
+                <a:srgbClr val="445469"/>
+              </a:solidFill>
+              <a:ea typeface="微软雅黑" panose="020B0503020204020204" pitchFamily="34" charset="-122"/>
+            </a:endParaRPr>
+          </a:p>
+        </p:txBody>
+      </p:sp>
+      <p:sp>
+        <p:nvSpPr>
+          <p:cNvPr id="11" name="稻壳儿小白白(http://dwz.cn/Wu2UP)"/>
+          <p:cNvSpPr>
+            <a:spLocks noEditPoints="1"/>
+          </p:cNvSpPr>
+          <p:nvPr/>
+        </p:nvSpPr>
+        <p:spPr bwMode="auto">
+          <a:xfrm>
+            <a:off x="6092166" y="1005051"/>
+            <a:ext cx="419100" cy="411163"/>
+          </a:xfrm>
+          <a:custGeom>
+            <a:avLst/>
+            <a:gdLst>
+              <a:gd name="T0" fmla="*/ 2147483646 w 64"/>
+              <a:gd name="T1" fmla="*/ 2147483646 h 63"/>
+              <a:gd name="T2" fmla="*/ 2147483646 w 64"/>
+              <a:gd name="T3" fmla="*/ 2147483646 h 63"/>
+              <a:gd name="T4" fmla="*/ 1801042959 w 64"/>
+              <a:gd name="T5" fmla="*/ 2044504754 h 63"/>
+              <a:gd name="T6" fmla="*/ 1157816138 w 64"/>
+              <a:gd name="T7" fmla="*/ 2147483646 h 63"/>
+              <a:gd name="T8" fmla="*/ 0 w 64"/>
+              <a:gd name="T9" fmla="*/ 1107438172 h 63"/>
+              <a:gd name="T10" fmla="*/ 1157816138 w 64"/>
+              <a:gd name="T11" fmla="*/ 0 h 63"/>
+              <a:gd name="T12" fmla="*/ 2147483646 w 64"/>
+              <a:gd name="T13" fmla="*/ 1107438172 h 63"/>
+              <a:gd name="T14" fmla="*/ 2101216786 w 64"/>
+              <a:gd name="T15" fmla="*/ 1746346315 h 63"/>
+              <a:gd name="T16" fmla="*/ 2147483646 w 64"/>
+              <a:gd name="T17" fmla="*/ 2147483646 h 63"/>
+              <a:gd name="T18" fmla="*/ 2147483646 w 64"/>
+              <a:gd name="T19" fmla="*/ 2147483646 h 63"/>
+              <a:gd name="T20" fmla="*/ 2147483646 w 64"/>
+              <a:gd name="T21" fmla="*/ 2147483646 h 63"/>
+              <a:gd name="T22" fmla="*/ 1157816138 w 64"/>
+              <a:gd name="T23" fmla="*/ 383347497 h 63"/>
+              <a:gd name="T24" fmla="*/ 428817881 w 64"/>
+              <a:gd name="T25" fmla="*/ 1107438172 h 63"/>
+              <a:gd name="T26" fmla="*/ 1157816138 w 64"/>
+              <a:gd name="T27" fmla="*/ 1831535373 h 63"/>
+              <a:gd name="T28" fmla="*/ 1886807845 w 64"/>
+              <a:gd name="T29" fmla="*/ 1107438172 h 63"/>
+              <a:gd name="T30" fmla="*/ 1157816138 w 64"/>
+              <a:gd name="T31" fmla="*/ 383347497 h 63"/>
+              <a:gd name="T32" fmla="*/ 0 60000 65536"/>
+              <a:gd name="T33" fmla="*/ 0 60000 65536"/>
+              <a:gd name="T34" fmla="*/ 0 60000 65536"/>
+              <a:gd name="T35" fmla="*/ 0 60000 65536"/>
+              <a:gd name="T36" fmla="*/ 0 60000 65536"/>
+              <a:gd name="T37" fmla="*/ 0 60000 65536"/>
+              <a:gd name="T38" fmla="*/ 0 60000 65536"/>
+              <a:gd name="T39" fmla="*/ 0 60000 65536"/>
+              <a:gd name="T40" fmla="*/ 0 60000 65536"/>
+              <a:gd name="T41" fmla="*/ 0 60000 65536"/>
+              <a:gd name="T42" fmla="*/ 0 60000 65536"/>
+              <a:gd name="T43" fmla="*/ 0 60000 65536"/>
+              <a:gd name="T44" fmla="*/ 0 60000 65536"/>
+              <a:gd name="T45" fmla="*/ 0 60000 65536"/>
+              <a:gd name="T46" fmla="*/ 0 60000 65536"/>
+              <a:gd name="T47" fmla="*/ 0 60000 65536"/>
+            </a:gdLst>
+            <a:ahLst/>
+            <a:cxnLst>
+              <a:cxn ang="T32">
+                <a:pos x="T0" y="T1"/>
+              </a:cxn>
+              <a:cxn ang="T33">
+                <a:pos x="T2" y="T3"/>
+              </a:cxn>
+              <a:cxn ang="T34">
+                <a:pos x="T4" y="T5"/>
+              </a:cxn>
+              <a:cxn ang="T35">
+                <a:pos x="T6" y="T7"/>
+              </a:cxn>
+              <a:cxn ang="T36">
+                <a:pos x="T8" y="T9"/>
+              </a:cxn>
+              <a:cxn ang="T37">
+                <a:pos x="T10" y="T11"/>
+              </a:cxn>
+              <a:cxn ang="T38">
+                <a:pos x="T12" y="T13"/>
+              </a:cxn>
+              <a:cxn ang="T39">
+                <a:pos x="T14" y="T15"/>
+              </a:cxn>
+              <a:cxn ang="T40">
+                <a:pos x="T16" y="T17"/>
+              </a:cxn>
+              <a:cxn ang="T41">
+                <a:pos x="T18" y="T19"/>
+              </a:cxn>
+              <a:cxn ang="T42">
+                <a:pos x="T20" y="T21"/>
+              </a:cxn>
+              <a:cxn ang="T43">
+                <a:pos x="T22" y="T23"/>
+              </a:cxn>
+              <a:cxn ang="T44">
+                <a:pos x="T24" y="T25"/>
+              </a:cxn>
+              <a:cxn ang="T45">
+                <a:pos x="T26" y="T27"/>
+              </a:cxn>
+              <a:cxn ang="T46">
+                <a:pos x="T28" y="T29"/>
+              </a:cxn>
+              <a:cxn ang="T47">
+                <a:pos x="T30" y="T31"/>
+              </a:cxn>
+            </a:cxnLst>
+            <a:rect l="0" t="0" r="r" b="b"/>
+            <a:pathLst>
+              <a:path w="64" h="63">
+                <a:moveTo>
+                  <a:pt x="59" y="63"/>
+                </a:moveTo>
+                <a:cubicBezTo>
+                  <a:pt x="57" y="63"/>
+                  <a:pt x="56" y="62"/>
+                  <a:pt x="55" y="61"/>
+                </a:cubicBezTo>
+                <a:cubicBezTo>
+                  <a:pt x="42" y="48"/>
+                  <a:pt x="42" y="48"/>
+                  <a:pt x="42" y="48"/>
+                </a:cubicBezTo>
+                <a:cubicBezTo>
+                  <a:pt x="38" y="51"/>
+                  <a:pt x="33" y="53"/>
+                  <a:pt x="27" y="53"/>
+                </a:cubicBezTo>
+                <a:cubicBezTo>
+                  <a:pt x="12" y="53"/>
+                  <a:pt x="0" y="41"/>
+                  <a:pt x="0" y="26"/>
+                </a:cubicBezTo>
+                <a:cubicBezTo>
+                  <a:pt x="0" y="12"/>
+                  <a:pt x="12" y="0"/>
+                  <a:pt x="27" y="0"/>
+                </a:cubicBezTo>
+                <a:cubicBezTo>
+                  <a:pt x="42" y="0"/>
+                  <a:pt x="54" y="12"/>
+                  <a:pt x="54" y="26"/>
+                </a:cubicBezTo>
+                <a:cubicBezTo>
+                  <a:pt x="54" y="32"/>
+                  <a:pt x="52" y="37"/>
+                  <a:pt x="49" y="41"/>
+                </a:cubicBezTo>
+                <a:cubicBezTo>
+                  <a:pt x="62" y="54"/>
+                  <a:pt x="62" y="54"/>
+                  <a:pt x="62" y="54"/>
+                </a:cubicBezTo>
+                <a:cubicBezTo>
+                  <a:pt x="63" y="55"/>
+                  <a:pt x="64" y="57"/>
+                  <a:pt x="64" y="58"/>
+                </a:cubicBezTo>
+                <a:cubicBezTo>
+                  <a:pt x="64" y="61"/>
+                  <a:pt x="61" y="63"/>
+                  <a:pt x="59" y="63"/>
+                </a:cubicBezTo>
+                <a:close/>
+                <a:moveTo>
+                  <a:pt x="27" y="9"/>
+                </a:moveTo>
+                <a:cubicBezTo>
+                  <a:pt x="18" y="9"/>
+                  <a:pt x="10" y="17"/>
+                  <a:pt x="10" y="26"/>
+                </a:cubicBezTo>
+                <a:cubicBezTo>
+                  <a:pt x="10" y="36"/>
+                  <a:pt x="18" y="43"/>
+                  <a:pt x="27" y="43"/>
+                </a:cubicBezTo>
+                <a:cubicBezTo>
+                  <a:pt x="37" y="43"/>
+                  <a:pt x="44" y="36"/>
+                  <a:pt x="44" y="26"/>
+                </a:cubicBezTo>
+                <a:cubicBezTo>
+                  <a:pt x="44" y="17"/>
+                  <a:pt x="37" y="9"/>
+                  <a:pt x="27" y="9"/>
+                </a:cubicBezTo>
+                <a:close/>
+              </a:path>
+            </a:pathLst>
+          </a:custGeom>
+          <a:solidFill>
+            <a:srgbClr val="FFFFFF"/>
+          </a:solidFill>
+          <a:ln>
+            <a:noFill/>
+          </a:ln>
+          <a:extLst>
+            <a:ext uri="{91240B29-F687-4F45-9708-019B960494DF}">
+              <a14:hiddenLine xmlns:a14="http://schemas.microsoft.com/office/drawing/2010/main" w="9525">
+                <a:solidFill>
+                  <a:srgbClr val="000000"/>
+                </a:solidFill>
+                <a:round/>
+                <a:headEnd/>
+                <a:tailEnd/>
+              </a14:hiddenLine>
+            </a:ext>
+          </a:extLst>
+        </p:spPr>
+        <p:txBody>
+          <a:bodyPr lIns="121682" tIns="60841" rIns="121682" bIns="60841"/>
+          <a:lstStyle/>
+          <a:p>
+            <a:pPr eaLnBrk="0" hangingPunct="0"/>
+            <a:endParaRPr lang="zh-CN" altLang="en-US">
+              <a:solidFill>
+                <a:srgbClr val="445469"/>
+              </a:solidFill>
+              <a:ea typeface="微软雅黑" panose="020B0503020204020204" pitchFamily="34" charset="-122"/>
+            </a:endParaRPr>
+          </a:p>
+        </p:txBody>
+      </p:sp>
+      <p:sp>
+        <p:nvSpPr>
+          <p:cNvPr id="12" name="稻壳儿小白白(http://dwz.cn/Wu2UP)"/>
+          <p:cNvSpPr>
+            <a:spLocks noEditPoints="1"/>
+          </p:cNvSpPr>
+          <p:nvPr/>
+        </p:nvSpPr>
+        <p:spPr bwMode="auto">
+          <a:xfrm>
+            <a:off x="3736316" y="2651289"/>
+            <a:ext cx="498475" cy="374650"/>
+          </a:xfrm>
+          <a:custGeom>
+            <a:avLst/>
+            <a:gdLst>
+              <a:gd name="T0" fmla="*/ 1572641301 w 158"/>
+              <a:gd name="T1" fmla="*/ 1179517836 h 119"/>
+              <a:gd name="T2" fmla="*/ 0 w 158"/>
+              <a:gd name="T3" fmla="*/ 1179517836 h 119"/>
+              <a:gd name="T4" fmla="*/ 0 w 158"/>
+              <a:gd name="T5" fmla="*/ 0 h 119"/>
+              <a:gd name="T6" fmla="*/ 89580374 w 158"/>
+              <a:gd name="T7" fmla="*/ 0 h 119"/>
+              <a:gd name="T8" fmla="*/ 89580374 w 158"/>
+              <a:gd name="T9" fmla="*/ 1070485241 h 119"/>
+              <a:gd name="T10" fmla="*/ 1572641301 w 158"/>
+              <a:gd name="T11" fmla="*/ 1070485241 h 119"/>
+              <a:gd name="T12" fmla="*/ 1572641301 w 158"/>
+              <a:gd name="T13" fmla="*/ 1179517836 h 119"/>
+              <a:gd name="T14" fmla="*/ 497670499 w 158"/>
+              <a:gd name="T15" fmla="*/ 981280761 h 119"/>
+              <a:gd name="T16" fmla="*/ 288648574 w 158"/>
+              <a:gd name="T17" fmla="*/ 981280761 h 119"/>
+              <a:gd name="T18" fmla="*/ 288648574 w 158"/>
+              <a:gd name="T19" fmla="*/ 594714373 h 119"/>
+              <a:gd name="T20" fmla="*/ 497670499 w 158"/>
+              <a:gd name="T21" fmla="*/ 594714373 h 119"/>
+              <a:gd name="T22" fmla="*/ 497670499 w 158"/>
+              <a:gd name="T23" fmla="*/ 981280761 h 119"/>
+              <a:gd name="T24" fmla="*/ 776368503 w 158"/>
+              <a:gd name="T25" fmla="*/ 981280761 h 119"/>
+              <a:gd name="T26" fmla="*/ 587250874 w 158"/>
+              <a:gd name="T27" fmla="*/ 981280761 h 119"/>
+              <a:gd name="T28" fmla="*/ 587250874 w 158"/>
+              <a:gd name="T29" fmla="*/ 188326166 h 119"/>
+              <a:gd name="T30" fmla="*/ 776368503 w 158"/>
+              <a:gd name="T31" fmla="*/ 188326166 h 119"/>
+              <a:gd name="T32" fmla="*/ 776368503 w 158"/>
+              <a:gd name="T33" fmla="*/ 981280761 h 119"/>
+              <a:gd name="T34" fmla="*/ 1084924528 w 158"/>
+              <a:gd name="T35" fmla="*/ 981280761 h 119"/>
+              <a:gd name="T36" fmla="*/ 885856328 w 158"/>
+              <a:gd name="T37" fmla="*/ 981280761 h 119"/>
+              <a:gd name="T38" fmla="*/ 885856328 w 158"/>
+              <a:gd name="T39" fmla="*/ 386563240 h 119"/>
+              <a:gd name="T40" fmla="*/ 1084924528 w 158"/>
+              <a:gd name="T41" fmla="*/ 386563240 h 119"/>
+              <a:gd name="T42" fmla="*/ 1084924528 w 158"/>
+              <a:gd name="T43" fmla="*/ 981280761 h 119"/>
+              <a:gd name="T44" fmla="*/ 1383526827 w 158"/>
+              <a:gd name="T45" fmla="*/ 981280761 h 119"/>
+              <a:gd name="T46" fmla="*/ 1184458628 w 158"/>
+              <a:gd name="T47" fmla="*/ 981280761 h 119"/>
+              <a:gd name="T48" fmla="*/ 1184458628 w 158"/>
+              <a:gd name="T49" fmla="*/ 109032595 h 119"/>
+              <a:gd name="T50" fmla="*/ 1383526827 w 158"/>
+              <a:gd name="T51" fmla="*/ 109032595 h 119"/>
+              <a:gd name="T52" fmla="*/ 1383526827 w 158"/>
+              <a:gd name="T53" fmla="*/ 981280761 h 119"/>
+              <a:gd name="T54" fmla="*/ 0 60000 65536"/>
+              <a:gd name="T55" fmla="*/ 0 60000 65536"/>
+              <a:gd name="T56" fmla="*/ 0 60000 65536"/>
+              <a:gd name="T57" fmla="*/ 0 60000 65536"/>
+              <a:gd name="T58" fmla="*/ 0 60000 65536"/>
+              <a:gd name="T59" fmla="*/ 0 60000 65536"/>
+              <a:gd name="T60" fmla="*/ 0 60000 65536"/>
+              <a:gd name="T61" fmla="*/ 0 60000 65536"/>
+              <a:gd name="T62" fmla="*/ 0 60000 65536"/>
+              <a:gd name="T63" fmla="*/ 0 60000 65536"/>
+              <a:gd name="T64" fmla="*/ 0 60000 65536"/>
+              <a:gd name="T65" fmla="*/ 0 60000 65536"/>
+              <a:gd name="T66" fmla="*/ 0 60000 65536"/>
+              <a:gd name="T67" fmla="*/ 0 60000 65536"/>
+              <a:gd name="T68" fmla="*/ 0 60000 65536"/>
+              <a:gd name="T69" fmla="*/ 0 60000 65536"/>
+              <a:gd name="T70" fmla="*/ 0 60000 65536"/>
+              <a:gd name="T71" fmla="*/ 0 60000 65536"/>
+              <a:gd name="T72" fmla="*/ 0 60000 65536"/>
+              <a:gd name="T73" fmla="*/ 0 60000 65536"/>
+              <a:gd name="T74" fmla="*/ 0 60000 65536"/>
+              <a:gd name="T75" fmla="*/ 0 60000 65536"/>
+              <a:gd name="T76" fmla="*/ 0 60000 65536"/>
+              <a:gd name="T77" fmla="*/ 0 60000 65536"/>
+              <a:gd name="T78" fmla="*/ 0 60000 65536"/>
+              <a:gd name="T79" fmla="*/ 0 60000 65536"/>
+              <a:gd name="T80" fmla="*/ 0 60000 65536"/>
+            </a:gdLst>
+            <a:ahLst/>
+            <a:cxnLst>
+              <a:cxn ang="T54">
+                <a:pos x="T0" y="T1"/>
+              </a:cxn>
+              <a:cxn ang="T55">
+                <a:pos x="T2" y="T3"/>
+              </a:cxn>
+              <a:cxn ang="T56">
+                <a:pos x="T4" y="T5"/>
+              </a:cxn>
+              <a:cxn ang="T57">
+                <a:pos x="T6" y="T7"/>
+              </a:cxn>
+              <a:cxn ang="T58">
+                <a:pos x="T8" y="T9"/>
+              </a:cxn>
+              <a:cxn ang="T59">
+                <a:pos x="T10" y="T11"/>
+              </a:cxn>
+              <a:cxn ang="T60">
+                <a:pos x="T12" y="T13"/>
+              </a:cxn>
+              <a:cxn ang="T61">
+                <a:pos x="T14" y="T15"/>
+              </a:cxn>
+              <a:cxn ang="T62">
+                <a:pos x="T16" y="T17"/>
+              </a:cxn>
+              <a:cxn ang="T63">
+                <a:pos x="T18" y="T19"/>
+              </a:cxn>
+              <a:cxn ang="T64">
+                <a:pos x="T20" y="T21"/>
+              </a:cxn>
+              <a:cxn ang="T65">
+                <a:pos x="T22" y="T23"/>
+              </a:cxn>
+              <a:cxn ang="T66">
+                <a:pos x="T24" y="T25"/>
+              </a:cxn>
+              <a:cxn ang="T67">
+                <a:pos x="T26" y="T27"/>
+              </a:cxn>
+              <a:cxn ang="T68">
+                <a:pos x="T28" y="T29"/>
+              </a:cxn>
+              <a:cxn ang="T69">
+                <a:pos x="T30" y="T31"/>
+              </a:cxn>
+              <a:cxn ang="T70">
+                <a:pos x="T32" y="T33"/>
+              </a:cxn>
+              <a:cxn ang="T71">
+                <a:pos x="T34" y="T35"/>
+              </a:cxn>
+              <a:cxn ang="T72">
+                <a:pos x="T36" y="T37"/>
+              </a:cxn>
+              <a:cxn ang="T73">
+                <a:pos x="T38" y="T39"/>
+              </a:cxn>
+              <a:cxn ang="T74">
+                <a:pos x="T40" y="T41"/>
+              </a:cxn>
+              <a:cxn ang="T75">
+                <a:pos x="T42" y="T43"/>
+              </a:cxn>
+              <a:cxn ang="T76">
+                <a:pos x="T44" y="T45"/>
+              </a:cxn>
+              <a:cxn ang="T77">
+                <a:pos x="T46" y="T47"/>
+              </a:cxn>
+              <a:cxn ang="T78">
+                <a:pos x="T48" y="T49"/>
+              </a:cxn>
+              <a:cxn ang="T79">
+                <a:pos x="T50" y="T51"/>
+              </a:cxn>
+              <a:cxn ang="T80">
+                <a:pos x="T52" y="T53"/>
+              </a:cxn>
+            </a:cxnLst>
+            <a:rect l="0" t="0" r="r" b="b"/>
+            <a:pathLst>
+              <a:path w="158" h="119">
+                <a:moveTo>
+                  <a:pt x="158" y="119"/>
+                </a:moveTo>
+                <a:lnTo>
+                  <a:pt x="0" y="119"/>
+                </a:lnTo>
+                <a:lnTo>
+                  <a:pt x="0" y="0"/>
+                </a:lnTo>
+                <a:lnTo>
+                  <a:pt x="9" y="0"/>
+                </a:lnTo>
+                <a:lnTo>
+                  <a:pt x="9" y="108"/>
+                </a:lnTo>
+                <a:lnTo>
+                  <a:pt x="158" y="108"/>
+                </a:lnTo>
+                <a:lnTo>
+                  <a:pt x="158" y="119"/>
+                </a:lnTo>
+                <a:close/>
+                <a:moveTo>
+                  <a:pt x="50" y="99"/>
+                </a:moveTo>
+                <a:lnTo>
+                  <a:pt x="29" y="99"/>
+                </a:lnTo>
+                <a:lnTo>
+                  <a:pt x="29" y="60"/>
+                </a:lnTo>
+                <a:lnTo>
+                  <a:pt x="50" y="60"/>
+                </a:lnTo>
+                <a:lnTo>
+                  <a:pt x="50" y="99"/>
+                </a:lnTo>
+                <a:close/>
+                <a:moveTo>
+                  <a:pt x="78" y="99"/>
+                </a:moveTo>
+                <a:lnTo>
+                  <a:pt x="59" y="99"/>
+                </a:lnTo>
+                <a:lnTo>
+                  <a:pt x="59" y="19"/>
+                </a:lnTo>
+                <a:lnTo>
+                  <a:pt x="78" y="19"/>
+                </a:lnTo>
+                <a:lnTo>
+                  <a:pt x="78" y="99"/>
+                </a:lnTo>
+                <a:close/>
+                <a:moveTo>
+                  <a:pt x="109" y="99"/>
+                </a:moveTo>
+                <a:lnTo>
+                  <a:pt x="89" y="99"/>
+                </a:lnTo>
+                <a:lnTo>
+                  <a:pt x="89" y="39"/>
+                </a:lnTo>
+                <a:lnTo>
+                  <a:pt x="109" y="39"/>
+                </a:lnTo>
+                <a:lnTo>
+                  <a:pt x="109" y="99"/>
+                </a:lnTo>
+                <a:close/>
+                <a:moveTo>
+                  <a:pt x="139" y="99"/>
+                </a:moveTo>
+                <a:lnTo>
+                  <a:pt x="119" y="99"/>
+                </a:lnTo>
+                <a:lnTo>
+                  <a:pt x="119" y="11"/>
+                </a:lnTo>
+                <a:lnTo>
+                  <a:pt x="139" y="11"/>
+                </a:lnTo>
+                <a:lnTo>
+                  <a:pt x="139" y="99"/>
+                </a:lnTo>
+                <a:close/>
+              </a:path>
+            </a:pathLst>
+          </a:custGeom>
+          <a:solidFill>
+            <a:srgbClr val="FFFFFF"/>
+          </a:solidFill>
+          <a:ln>
+            <a:noFill/>
+          </a:ln>
+          <a:extLst>
+            <a:ext uri="{91240B29-F687-4F45-9708-019B960494DF}">
+              <a14:hiddenLine xmlns:a14="http://schemas.microsoft.com/office/drawing/2010/main" w="9525">
+                <a:solidFill>
+                  <a:srgbClr val="000000"/>
+                </a:solidFill>
+                <a:round/>
+                <a:headEnd/>
+                <a:tailEnd/>
+              </a14:hiddenLine>
+            </a:ext>
+          </a:extLst>
+        </p:spPr>
+        <p:txBody>
+          <a:bodyPr lIns="121682" tIns="60841" rIns="121682" bIns="60841"/>
+          <a:lstStyle/>
+          <a:p>
+            <a:pPr eaLnBrk="0" hangingPunct="0"/>
+            <a:endParaRPr lang="zh-CN" altLang="en-US">
+              <a:solidFill>
+                <a:srgbClr val="445469"/>
+              </a:solidFill>
+              <a:ea typeface="微软雅黑" panose="020B0503020204020204" pitchFamily="34" charset="-122"/>
+            </a:endParaRPr>
+          </a:p>
+        </p:txBody>
+      </p:sp>
+      <p:sp>
+        <p:nvSpPr>
+          <p:cNvPr id="13" name="稻壳儿小白白(http://dwz.cn/Wu2UP)"/>
+          <p:cNvSpPr>
+            <a:spLocks noChangeAspect="1" noEditPoints="1"/>
+          </p:cNvSpPr>
+          <p:nvPr/>
+        </p:nvSpPr>
+        <p:spPr bwMode="auto">
+          <a:xfrm>
+            <a:off x="5107917" y="3768889"/>
+            <a:ext cx="409575" cy="411162"/>
+          </a:xfrm>
+          <a:custGeom>
+            <a:avLst/>
+            <a:gdLst>
+              <a:gd name="T0" fmla="*/ 2147483646 w 58"/>
+              <a:gd name="T1" fmla="*/ 1658379393 h 58"/>
+              <a:gd name="T2" fmla="*/ 2147483646 w 58"/>
+              <a:gd name="T3" fmla="*/ 1708633314 h 58"/>
+              <a:gd name="T4" fmla="*/ 2147483646 w 58"/>
+              <a:gd name="T5" fmla="*/ 1758887235 h 58"/>
+              <a:gd name="T6" fmla="*/ 2147483646 w 58"/>
+              <a:gd name="T7" fmla="*/ 1959902919 h 58"/>
+              <a:gd name="T8" fmla="*/ 2147483646 w 58"/>
+              <a:gd name="T9" fmla="*/ 2147483646 h 58"/>
+              <a:gd name="T10" fmla="*/ 2147483646 w 58"/>
+              <a:gd name="T11" fmla="*/ 2147483646 h 58"/>
+              <a:gd name="T12" fmla="*/ 2147483646 w 58"/>
+              <a:gd name="T13" fmla="*/ 2147483646 h 58"/>
+              <a:gd name="T14" fmla="*/ 2147483646 w 58"/>
+              <a:gd name="T15" fmla="*/ 2147483646 h 58"/>
+              <a:gd name="T16" fmla="*/ 2147483646 w 58"/>
+              <a:gd name="T17" fmla="*/ 2147483646 h 58"/>
+              <a:gd name="T18" fmla="*/ 1944803333 w 58"/>
+              <a:gd name="T19" fmla="*/ 2147483646 h 58"/>
+              <a:gd name="T20" fmla="*/ 1795202533 w 58"/>
+              <a:gd name="T21" fmla="*/ 2147483646 h 58"/>
+              <a:gd name="T22" fmla="*/ 1695471021 w 58"/>
+              <a:gd name="T23" fmla="*/ 2147483646 h 58"/>
+              <a:gd name="T24" fmla="*/ 1645601734 w 58"/>
+              <a:gd name="T25" fmla="*/ 2147483646 h 58"/>
+              <a:gd name="T26" fmla="*/ 1246668622 w 58"/>
+              <a:gd name="T27" fmla="*/ 2147483646 h 58"/>
+              <a:gd name="T28" fmla="*/ 1146937109 w 58"/>
+              <a:gd name="T29" fmla="*/ 2147483646 h 58"/>
+              <a:gd name="T30" fmla="*/ 1097067822 w 58"/>
+              <a:gd name="T31" fmla="*/ 2147483646 h 58"/>
+              <a:gd name="T32" fmla="*/ 947467023 w 58"/>
+              <a:gd name="T33" fmla="*/ 2147483646 h 58"/>
+              <a:gd name="T34" fmla="*/ 698134711 w 58"/>
+              <a:gd name="T35" fmla="*/ 2147483646 h 58"/>
+              <a:gd name="T36" fmla="*/ 648265424 w 58"/>
+              <a:gd name="T37" fmla="*/ 2147483646 h 58"/>
+              <a:gd name="T38" fmla="*/ 598403198 w 58"/>
+              <a:gd name="T39" fmla="*/ 2147483646 h 58"/>
+              <a:gd name="T40" fmla="*/ 249332312 w 58"/>
+              <a:gd name="T41" fmla="*/ 2147483646 h 58"/>
+              <a:gd name="T42" fmla="*/ 249332312 w 58"/>
+              <a:gd name="T43" fmla="*/ 2147483646 h 58"/>
+              <a:gd name="T44" fmla="*/ 249332312 w 58"/>
+              <a:gd name="T45" fmla="*/ 2147483646 h 58"/>
+              <a:gd name="T46" fmla="*/ 448802399 w 58"/>
+              <a:gd name="T47" fmla="*/ 1959902919 h 58"/>
+              <a:gd name="T48" fmla="*/ 398933112 w 58"/>
+              <a:gd name="T49" fmla="*/ 1758887235 h 58"/>
+              <a:gd name="T50" fmla="*/ 49869287 w 58"/>
+              <a:gd name="T51" fmla="*/ 1708633314 h 58"/>
+              <a:gd name="T52" fmla="*/ 0 w 58"/>
+              <a:gd name="T53" fmla="*/ 1658379393 h 58"/>
+              <a:gd name="T54" fmla="*/ 0 w 58"/>
+              <a:gd name="T55" fmla="*/ 1206094104 h 58"/>
+              <a:gd name="T56" fmla="*/ 49869287 w 58"/>
+              <a:gd name="T57" fmla="*/ 1155840183 h 58"/>
+              <a:gd name="T58" fmla="*/ 398933112 w 58"/>
+              <a:gd name="T59" fmla="*/ 1105586262 h 58"/>
+              <a:gd name="T60" fmla="*/ 448802399 w 58"/>
+              <a:gd name="T61" fmla="*/ 904570578 h 58"/>
+              <a:gd name="T62" fmla="*/ 249332312 w 58"/>
+              <a:gd name="T63" fmla="*/ 653300973 h 58"/>
+              <a:gd name="T64" fmla="*/ 249332312 w 58"/>
+              <a:gd name="T65" fmla="*/ 603047052 h 58"/>
+              <a:gd name="T66" fmla="*/ 249332312 w 58"/>
+              <a:gd name="T67" fmla="*/ 552793131 h 58"/>
+              <a:gd name="T68" fmla="*/ 648265424 w 58"/>
+              <a:gd name="T69" fmla="*/ 251269605 h 58"/>
+              <a:gd name="T70" fmla="*/ 698134711 w 58"/>
+              <a:gd name="T71" fmla="*/ 251269605 h 58"/>
+              <a:gd name="T72" fmla="*/ 947467023 w 58"/>
+              <a:gd name="T73" fmla="*/ 452285289 h 58"/>
+              <a:gd name="T74" fmla="*/ 1097067822 w 58"/>
+              <a:gd name="T75" fmla="*/ 402031368 h 58"/>
+              <a:gd name="T76" fmla="*/ 1146937109 w 58"/>
+              <a:gd name="T77" fmla="*/ 50253921 h 58"/>
+              <a:gd name="T78" fmla="*/ 1246668622 w 58"/>
+              <a:gd name="T79" fmla="*/ 0 h 58"/>
+              <a:gd name="T80" fmla="*/ 1645601734 w 58"/>
+              <a:gd name="T81" fmla="*/ 0 h 58"/>
+              <a:gd name="T82" fmla="*/ 1695471021 w 58"/>
+              <a:gd name="T83" fmla="*/ 50253921 h 58"/>
+              <a:gd name="T84" fmla="*/ 1795202533 w 58"/>
+              <a:gd name="T85" fmla="*/ 402031368 h 58"/>
+              <a:gd name="T86" fmla="*/ 1944803333 w 58"/>
+              <a:gd name="T87" fmla="*/ 452285289 h 58"/>
+              <a:gd name="T88" fmla="*/ 2147483646 w 58"/>
+              <a:gd name="T89" fmla="*/ 251269605 h 58"/>
+              <a:gd name="T90" fmla="*/ 2147483646 w 58"/>
+              <a:gd name="T91" fmla="*/ 251269605 h 58"/>
+              <a:gd name="T92" fmla="*/ 2147483646 w 58"/>
+              <a:gd name="T93" fmla="*/ 251269605 h 58"/>
+              <a:gd name="T94" fmla="*/ 2147483646 w 58"/>
+              <a:gd name="T95" fmla="*/ 603047052 h 58"/>
+              <a:gd name="T96" fmla="*/ 2147483646 w 58"/>
+              <a:gd name="T97" fmla="*/ 603047052 h 58"/>
+              <a:gd name="T98" fmla="*/ 2147483646 w 58"/>
+              <a:gd name="T99" fmla="*/ 653300973 h 58"/>
+              <a:gd name="T100" fmla="*/ 2147483646 w 58"/>
+              <a:gd name="T101" fmla="*/ 904570578 h 58"/>
+              <a:gd name="T102" fmla="*/ 2147483646 w 58"/>
+              <a:gd name="T103" fmla="*/ 1105586262 h 58"/>
+              <a:gd name="T104" fmla="*/ 2147483646 w 58"/>
+              <a:gd name="T105" fmla="*/ 1155840183 h 58"/>
+              <a:gd name="T106" fmla="*/ 2147483646 w 58"/>
+              <a:gd name="T107" fmla="*/ 1256348025 h 58"/>
+              <a:gd name="T108" fmla="*/ 2147483646 w 58"/>
+              <a:gd name="T109" fmla="*/ 1658379393 h 58"/>
+              <a:gd name="T110" fmla="*/ 1446138709 w 58"/>
+              <a:gd name="T111" fmla="*/ 954824499 h 58"/>
+              <a:gd name="T112" fmla="*/ 947467023 w 58"/>
+              <a:gd name="T113" fmla="*/ 1457363709 h 58"/>
+              <a:gd name="T114" fmla="*/ 1446138709 w 58"/>
+              <a:gd name="T115" fmla="*/ 1909648998 h 58"/>
+              <a:gd name="T116" fmla="*/ 1944803333 w 58"/>
+              <a:gd name="T117" fmla="*/ 1457363709 h 58"/>
+              <a:gd name="T118" fmla="*/ 1446138709 w 58"/>
+              <a:gd name="T119" fmla="*/ 954824499 h 58"/>
+              <a:gd name="T120" fmla="*/ 0 60000 65536"/>
+              <a:gd name="T121" fmla="*/ 0 60000 65536"/>
+              <a:gd name="T122" fmla="*/ 0 60000 65536"/>
+              <a:gd name="T123" fmla="*/ 0 60000 65536"/>
+              <a:gd name="T124" fmla="*/ 0 60000 65536"/>
+              <a:gd name="T125" fmla="*/ 0 60000 65536"/>
+              <a:gd name="T126" fmla="*/ 0 60000 65536"/>
+              <a:gd name="T127" fmla="*/ 0 60000 65536"/>
+              <a:gd name="T128" fmla="*/ 0 60000 65536"/>
+              <a:gd name="T129" fmla="*/ 0 60000 65536"/>
+              <a:gd name="T130" fmla="*/ 0 60000 65536"/>
+              <a:gd name="T131" fmla="*/ 0 60000 65536"/>
+              <a:gd name="T132" fmla="*/ 0 60000 65536"/>
+              <a:gd name="T133" fmla="*/ 0 60000 65536"/>
+              <a:gd name="T134" fmla="*/ 0 60000 65536"/>
+              <a:gd name="T135" fmla="*/ 0 60000 65536"/>
+              <a:gd name="T136" fmla="*/ 0 60000 65536"/>
+              <a:gd name="T137" fmla="*/ 0 60000 65536"/>
+              <a:gd name="T138" fmla="*/ 0 60000 65536"/>
+              <a:gd name="T139" fmla="*/ 0 60000 65536"/>
+              <a:gd name="T140" fmla="*/ 0 60000 65536"/>
+              <a:gd name="T141" fmla="*/ 0 60000 65536"/>
+              <a:gd name="T142" fmla="*/ 0 60000 65536"/>
+              <a:gd name="T143" fmla="*/ 0 60000 65536"/>
+              <a:gd name="T144" fmla="*/ 0 60000 65536"/>
+              <a:gd name="T145" fmla="*/ 0 60000 65536"/>
+              <a:gd name="T146" fmla="*/ 0 60000 65536"/>
+              <a:gd name="T147" fmla="*/ 0 60000 65536"/>
+              <a:gd name="T148" fmla="*/ 0 60000 65536"/>
+              <a:gd name="T149" fmla="*/ 0 60000 65536"/>
+              <a:gd name="T150" fmla="*/ 0 60000 65536"/>
+              <a:gd name="T151" fmla="*/ 0 60000 65536"/>
+              <a:gd name="T152" fmla="*/ 0 60000 65536"/>
+              <a:gd name="T153" fmla="*/ 0 60000 65536"/>
+              <a:gd name="T154" fmla="*/ 0 60000 65536"/>
+              <a:gd name="T155" fmla="*/ 0 60000 65536"/>
+              <a:gd name="T156" fmla="*/ 0 60000 65536"/>
+              <a:gd name="T157" fmla="*/ 0 60000 65536"/>
+              <a:gd name="T158" fmla="*/ 0 60000 65536"/>
+              <a:gd name="T159" fmla="*/ 0 60000 65536"/>
+              <a:gd name="T160" fmla="*/ 0 60000 65536"/>
+              <a:gd name="T161" fmla="*/ 0 60000 65536"/>
+              <a:gd name="T162" fmla="*/ 0 60000 65536"/>
+              <a:gd name="T163" fmla="*/ 0 60000 65536"/>
+              <a:gd name="T164" fmla="*/ 0 60000 65536"/>
+              <a:gd name="T165" fmla="*/ 0 60000 65536"/>
+              <a:gd name="T166" fmla="*/ 0 60000 65536"/>
+              <a:gd name="T167" fmla="*/ 0 60000 65536"/>
+              <a:gd name="T168" fmla="*/ 0 60000 65536"/>
+              <a:gd name="T169" fmla="*/ 0 60000 65536"/>
+              <a:gd name="T170" fmla="*/ 0 60000 65536"/>
+              <a:gd name="T171" fmla="*/ 0 60000 65536"/>
+              <a:gd name="T172" fmla="*/ 0 60000 65536"/>
+              <a:gd name="T173" fmla="*/ 0 60000 65536"/>
+              <a:gd name="T174" fmla="*/ 0 60000 65536"/>
+              <a:gd name="T175" fmla="*/ 0 60000 65536"/>
+              <a:gd name="T176" fmla="*/ 0 60000 65536"/>
+              <a:gd name="T177" fmla="*/ 0 60000 65536"/>
+              <a:gd name="T178" fmla="*/ 0 60000 65536"/>
+              <a:gd name="T179" fmla="*/ 0 60000 65536"/>
+            </a:gdLst>
+            <a:ahLst/>
+            <a:cxnLst>
+              <a:cxn ang="T120">
+                <a:pos x="T0" y="T1"/>
+              </a:cxn>
+              <a:cxn ang="T121">
+                <a:pos x="T2" y="T3"/>
+              </a:cxn>
+              <a:cxn ang="T122">
+                <a:pos x="T4" y="T5"/>
+              </a:cxn>
+              <a:cxn ang="T123">
+                <a:pos x="T6" y="T7"/>
+              </a:cxn>
+              <a:cxn ang="T124">
+                <a:pos x="T8" y="T9"/>
+              </a:cxn>
+              <a:cxn ang="T125">
+                <a:pos x="T10" y="T11"/>
+              </a:cxn>
+              <a:cxn ang="T126">
+                <a:pos x="T12" y="T13"/>
+              </a:cxn>
+              <a:cxn ang="T127">
+                <a:pos x="T14" y="T15"/>
+              </a:cxn>
+              <a:cxn ang="T128">
+                <a:pos x="T16" y="T17"/>
+              </a:cxn>
+              <a:cxn ang="T129">
+                <a:pos x="T18" y="T19"/>
+              </a:cxn>
+              <a:cxn ang="T130">
+                <a:pos x="T20" y="T21"/>
+              </a:cxn>
+              <a:cxn ang="T131">
+                <a:pos x="T22" y="T23"/>
+              </a:cxn>
+              <a:cxn ang="T132">
+                <a:pos x="T24" y="T25"/>
+              </a:cxn>
+              <a:cxn ang="T133">
+                <a:pos x="T26" y="T27"/>
+              </a:cxn>
+              <a:cxn ang="T134">
+                <a:pos x="T28" y="T29"/>
+              </a:cxn>
+              <a:cxn ang="T135">
+                <a:pos x="T30" y="T31"/>
+              </a:cxn>
+              <a:cxn ang="T136">
+                <a:pos x="T32" y="T33"/>
+              </a:cxn>
+              <a:cxn ang="T137">
+                <a:pos x="T34" y="T35"/>
+              </a:cxn>
+              <a:cxn ang="T138">
+                <a:pos x="T36" y="T37"/>
+              </a:cxn>
+              <a:cxn ang="T139">
+                <a:pos x="T38" y="T39"/>
+              </a:cxn>
+              <a:cxn ang="T140">
+                <a:pos x="T40" y="T41"/>
+              </a:cxn>
+              <a:cxn ang="T141">
+                <a:pos x="T42" y="T43"/>
+              </a:cxn>
+              <a:cxn ang="T142">
+                <a:pos x="T44" y="T45"/>
+              </a:cxn>
+              <a:cxn ang="T143">
+                <a:pos x="T46" y="T47"/>
+              </a:cxn>
+              <a:cxn ang="T144">
+                <a:pos x="T48" y="T49"/>
+              </a:cxn>
+              <a:cxn ang="T145">
+                <a:pos x="T50" y="T51"/>
+              </a:cxn>
+              <a:cxn ang="T146">
+                <a:pos x="T52" y="T53"/>
+              </a:cxn>
+              <a:cxn ang="T147">
+                <a:pos x="T54" y="T55"/>
+              </a:cxn>
+              <a:cxn ang="T148">
+                <a:pos x="T56" y="T57"/>
+              </a:cxn>
+              <a:cxn ang="T149">
+                <a:pos x="T58" y="T59"/>
+              </a:cxn>
+              <a:cxn ang="T150">
+                <a:pos x="T60" y="T61"/>
+              </a:cxn>
+              <a:cxn ang="T151">
+                <a:pos x="T62" y="T63"/>
+              </a:cxn>
+              <a:cxn ang="T152">
+                <a:pos x="T64" y="T65"/>
+              </a:cxn>
+              <a:cxn ang="T153">
+                <a:pos x="T66" y="T67"/>
+              </a:cxn>
+              <a:cxn ang="T154">
+                <a:pos x="T68" y="T69"/>
+              </a:cxn>
+              <a:cxn ang="T155">
+                <a:pos x="T70" y="T71"/>
+              </a:cxn>
+              <a:cxn ang="T156">
+                <a:pos x="T72" y="T73"/>
+              </a:cxn>
+              <a:cxn ang="T157">
+                <a:pos x="T74" y="T75"/>
+              </a:cxn>
+              <a:cxn ang="T158">
+                <a:pos x="T76" y="T77"/>
+              </a:cxn>
+              <a:cxn ang="T159">
+                <a:pos x="T78" y="T79"/>
+              </a:cxn>
+              <a:cxn ang="T160">
+                <a:pos x="T80" y="T81"/>
+              </a:cxn>
+              <a:cxn ang="T161">
+                <a:pos x="T82" y="T83"/>
+              </a:cxn>
+              <a:cxn ang="T162">
+                <a:pos x="T84" y="T85"/>
+              </a:cxn>
+              <a:cxn ang="T163">
+                <a:pos x="T86" y="T87"/>
+              </a:cxn>
+              <a:cxn ang="T164">
+                <a:pos x="T88" y="T89"/>
+              </a:cxn>
+              <a:cxn ang="T165">
+                <a:pos x="T90" y="T91"/>
+              </a:cxn>
+              <a:cxn ang="T166">
+                <a:pos x="T92" y="T93"/>
+              </a:cxn>
+              <a:cxn ang="T167">
+                <a:pos x="T94" y="T95"/>
+              </a:cxn>
+              <a:cxn ang="T168">
+                <a:pos x="T96" y="T97"/>
+              </a:cxn>
+              <a:cxn ang="T169">
+                <a:pos x="T98" y="T99"/>
+              </a:cxn>
+              <a:cxn ang="T170">
+                <a:pos x="T100" y="T101"/>
+              </a:cxn>
+              <a:cxn ang="T171">
+                <a:pos x="T102" y="T103"/>
+              </a:cxn>
+              <a:cxn ang="T172">
+                <a:pos x="T104" y="T105"/>
+              </a:cxn>
+              <a:cxn ang="T173">
+                <a:pos x="T106" y="T107"/>
+              </a:cxn>
+              <a:cxn ang="T174">
+                <a:pos x="T108" y="T109"/>
+              </a:cxn>
+              <a:cxn ang="T175">
+                <a:pos x="T110" y="T111"/>
+              </a:cxn>
+              <a:cxn ang="T176">
+                <a:pos x="T112" y="T113"/>
+              </a:cxn>
+              <a:cxn ang="T177">
+                <a:pos x="T114" y="T115"/>
+              </a:cxn>
+              <a:cxn ang="T178">
+                <a:pos x="T116" y="T117"/>
+              </a:cxn>
+              <a:cxn ang="T179">
+                <a:pos x="T118" y="T119"/>
+              </a:cxn>
+            </a:cxnLst>
+            <a:rect l="0" t="0" r="r" b="b"/>
+            <a:pathLst>
+              <a:path w="58" h="58">
+                <a:moveTo>
+                  <a:pt x="58" y="33"/>
+                </a:moveTo>
+                <a:cubicBezTo>
+                  <a:pt x="58" y="34"/>
+                  <a:pt x="58" y="34"/>
+                  <a:pt x="57" y="34"/>
+                </a:cubicBezTo>
+                <a:cubicBezTo>
+                  <a:pt x="50" y="35"/>
+                  <a:pt x="50" y="35"/>
+                  <a:pt x="50" y="35"/>
+                </a:cubicBezTo>
+                <a:cubicBezTo>
+                  <a:pt x="50" y="37"/>
+                  <a:pt x="49" y="38"/>
+                  <a:pt x="49" y="39"/>
+                </a:cubicBezTo>
+                <a:cubicBezTo>
+                  <a:pt x="50" y="41"/>
+                  <a:pt x="51" y="42"/>
+                  <a:pt x="53" y="44"/>
+                </a:cubicBezTo>
+                <a:cubicBezTo>
+                  <a:pt x="53" y="44"/>
+                  <a:pt x="53" y="45"/>
+                  <a:pt x="53" y="45"/>
+                </a:cubicBezTo>
+                <a:cubicBezTo>
+                  <a:pt x="53" y="45"/>
+                  <a:pt x="53" y="46"/>
+                  <a:pt x="53" y="46"/>
+                </a:cubicBezTo>
+                <a:cubicBezTo>
+                  <a:pt x="52" y="47"/>
+                  <a:pt x="47" y="53"/>
+                  <a:pt x="45" y="53"/>
+                </a:cubicBezTo>
+                <a:cubicBezTo>
+                  <a:pt x="45" y="53"/>
+                  <a:pt x="45" y="53"/>
+                  <a:pt x="44" y="52"/>
+                </a:cubicBezTo>
+                <a:cubicBezTo>
+                  <a:pt x="39" y="48"/>
+                  <a:pt x="39" y="48"/>
+                  <a:pt x="39" y="48"/>
+                </a:cubicBezTo>
+                <a:cubicBezTo>
+                  <a:pt x="38" y="49"/>
+                  <a:pt x="37" y="49"/>
+                  <a:pt x="36" y="50"/>
+                </a:cubicBezTo>
+                <a:cubicBezTo>
+                  <a:pt x="35" y="52"/>
+                  <a:pt x="35" y="55"/>
+                  <a:pt x="34" y="57"/>
+                </a:cubicBezTo>
+                <a:cubicBezTo>
+                  <a:pt x="34" y="57"/>
+                  <a:pt x="34" y="58"/>
+                  <a:pt x="33" y="58"/>
+                </a:cubicBezTo>
+                <a:cubicBezTo>
+                  <a:pt x="25" y="58"/>
+                  <a:pt x="25" y="58"/>
+                  <a:pt x="25" y="58"/>
+                </a:cubicBezTo>
+                <a:cubicBezTo>
+                  <a:pt x="24" y="58"/>
+                  <a:pt x="23" y="57"/>
+                  <a:pt x="23" y="57"/>
+                </a:cubicBezTo>
+                <a:cubicBezTo>
+                  <a:pt x="22" y="50"/>
+                  <a:pt x="22" y="50"/>
+                  <a:pt x="22" y="50"/>
+                </a:cubicBezTo>
+                <a:cubicBezTo>
+                  <a:pt x="21" y="49"/>
+                  <a:pt x="20" y="49"/>
+                  <a:pt x="19" y="48"/>
+                </a:cubicBezTo>
+                <a:cubicBezTo>
+                  <a:pt x="14" y="52"/>
+                  <a:pt x="14" y="52"/>
+                  <a:pt x="14" y="52"/>
+                </a:cubicBezTo>
+                <a:cubicBezTo>
+                  <a:pt x="13" y="53"/>
+                  <a:pt x="13" y="53"/>
+                  <a:pt x="13" y="53"/>
+                </a:cubicBezTo>
+                <a:cubicBezTo>
+                  <a:pt x="12" y="53"/>
+                  <a:pt x="12" y="53"/>
+                  <a:pt x="12" y="52"/>
+                </a:cubicBezTo>
+                <a:cubicBezTo>
+                  <a:pt x="10" y="50"/>
+                  <a:pt x="7" y="48"/>
+                  <a:pt x="5" y="46"/>
+                </a:cubicBezTo>
+                <a:cubicBezTo>
+                  <a:pt x="5" y="46"/>
+                  <a:pt x="5" y="45"/>
+                  <a:pt x="5" y="45"/>
+                </a:cubicBezTo>
+                <a:cubicBezTo>
+                  <a:pt x="5" y="45"/>
+                  <a:pt x="5" y="44"/>
+                  <a:pt x="5" y="44"/>
+                </a:cubicBezTo>
+                <a:cubicBezTo>
+                  <a:pt x="7" y="42"/>
+                  <a:pt x="8" y="41"/>
+                  <a:pt x="9" y="39"/>
+                </a:cubicBezTo>
+                <a:cubicBezTo>
+                  <a:pt x="9" y="38"/>
+                  <a:pt x="8" y="37"/>
+                  <a:pt x="8" y="35"/>
+                </a:cubicBezTo>
+                <a:cubicBezTo>
+                  <a:pt x="1" y="34"/>
+                  <a:pt x="1" y="34"/>
+                  <a:pt x="1" y="34"/>
+                </a:cubicBezTo>
+                <a:cubicBezTo>
+                  <a:pt x="0" y="34"/>
+                  <a:pt x="0" y="33"/>
+                  <a:pt x="0" y="33"/>
+                </a:cubicBezTo>
+                <a:cubicBezTo>
+                  <a:pt x="0" y="24"/>
+                  <a:pt x="0" y="24"/>
+                  <a:pt x="0" y="24"/>
+                </a:cubicBezTo>
+                <a:cubicBezTo>
+                  <a:pt x="0" y="24"/>
+                  <a:pt x="0" y="23"/>
+                  <a:pt x="1" y="23"/>
+                </a:cubicBezTo>
+                <a:cubicBezTo>
+                  <a:pt x="8" y="22"/>
+                  <a:pt x="8" y="22"/>
+                  <a:pt x="8" y="22"/>
+                </a:cubicBezTo>
+                <a:cubicBezTo>
+                  <a:pt x="8" y="21"/>
+                  <a:pt x="9" y="20"/>
+                  <a:pt x="9" y="18"/>
+                </a:cubicBezTo>
+                <a:cubicBezTo>
+                  <a:pt x="8" y="17"/>
+                  <a:pt x="7" y="15"/>
+                  <a:pt x="5" y="13"/>
+                </a:cubicBezTo>
+                <a:cubicBezTo>
+                  <a:pt x="5" y="13"/>
+                  <a:pt x="5" y="13"/>
+                  <a:pt x="5" y="12"/>
+                </a:cubicBezTo>
+                <a:cubicBezTo>
+                  <a:pt x="5" y="12"/>
+                  <a:pt x="5" y="12"/>
+                  <a:pt x="5" y="11"/>
+                </a:cubicBezTo>
+                <a:cubicBezTo>
+                  <a:pt x="6" y="10"/>
+                  <a:pt x="11" y="5"/>
+                  <a:pt x="13" y="5"/>
+                </a:cubicBezTo>
+                <a:cubicBezTo>
+                  <a:pt x="13" y="5"/>
+                  <a:pt x="13" y="5"/>
+                  <a:pt x="14" y="5"/>
+                </a:cubicBezTo>
+                <a:cubicBezTo>
+                  <a:pt x="19" y="9"/>
+                  <a:pt x="19" y="9"/>
+                  <a:pt x="19" y="9"/>
+                </a:cubicBezTo>
+                <a:cubicBezTo>
+                  <a:pt x="20" y="9"/>
+                  <a:pt x="21" y="8"/>
+                  <a:pt x="22" y="8"/>
+                </a:cubicBezTo>
+                <a:cubicBezTo>
+                  <a:pt x="22" y="5"/>
+                  <a:pt x="23" y="3"/>
+                  <a:pt x="23" y="1"/>
+                </a:cubicBezTo>
+                <a:cubicBezTo>
+                  <a:pt x="23" y="0"/>
+                  <a:pt x="24" y="0"/>
+                  <a:pt x="25" y="0"/>
+                </a:cubicBezTo>
+                <a:cubicBezTo>
+                  <a:pt x="33" y="0"/>
+                  <a:pt x="33" y="0"/>
+                  <a:pt x="33" y="0"/>
+                </a:cubicBezTo>
+                <a:cubicBezTo>
+                  <a:pt x="34" y="0"/>
+                  <a:pt x="34" y="0"/>
+                  <a:pt x="34" y="1"/>
+                </a:cubicBezTo>
+                <a:cubicBezTo>
+                  <a:pt x="36" y="8"/>
+                  <a:pt x="36" y="8"/>
+                  <a:pt x="36" y="8"/>
+                </a:cubicBezTo>
+                <a:cubicBezTo>
+                  <a:pt x="37" y="8"/>
+                  <a:pt x="38" y="9"/>
+                  <a:pt x="39" y="9"/>
+                </a:cubicBezTo>
+                <a:cubicBezTo>
+                  <a:pt x="44" y="5"/>
+                  <a:pt x="44" y="5"/>
+                  <a:pt x="44" y="5"/>
+                </a:cubicBezTo>
+                <a:cubicBezTo>
+                  <a:pt x="45" y="5"/>
+                  <a:pt x="45" y="5"/>
+                  <a:pt x="45" y="5"/>
+                </a:cubicBezTo>
+                <a:cubicBezTo>
+                  <a:pt x="46" y="5"/>
+                  <a:pt x="46" y="5"/>
+                  <a:pt x="46" y="5"/>
+                </a:cubicBezTo>
+                <a:cubicBezTo>
+                  <a:pt x="48" y="7"/>
+                  <a:pt x="51" y="9"/>
+                  <a:pt x="52" y="12"/>
+                </a:cubicBezTo>
+                <a:cubicBezTo>
+                  <a:pt x="53" y="12"/>
+                  <a:pt x="53" y="12"/>
+                  <a:pt x="53" y="12"/>
+                </a:cubicBezTo>
+                <a:cubicBezTo>
+                  <a:pt x="53" y="13"/>
+                  <a:pt x="53" y="13"/>
+                  <a:pt x="52" y="13"/>
+                </a:cubicBezTo>
+                <a:cubicBezTo>
+                  <a:pt x="51" y="15"/>
+                  <a:pt x="50" y="17"/>
+                  <a:pt x="48" y="18"/>
+                </a:cubicBezTo>
+                <a:cubicBezTo>
+                  <a:pt x="49" y="20"/>
+                  <a:pt x="50" y="21"/>
+                  <a:pt x="50" y="22"/>
+                </a:cubicBezTo>
+                <a:cubicBezTo>
+                  <a:pt x="57" y="23"/>
+                  <a:pt x="57" y="23"/>
+                  <a:pt x="57" y="23"/>
+                </a:cubicBezTo>
+                <a:cubicBezTo>
+                  <a:pt x="58" y="23"/>
+                  <a:pt x="58" y="24"/>
+                  <a:pt x="58" y="25"/>
+                </a:cubicBezTo>
+                <a:lnTo>
+                  <a:pt x="58" y="33"/>
+                </a:lnTo>
+                <a:close/>
+                <a:moveTo>
+                  <a:pt x="29" y="19"/>
+                </a:moveTo>
+                <a:cubicBezTo>
+                  <a:pt x="24" y="19"/>
+                  <a:pt x="19" y="23"/>
+                  <a:pt x="19" y="29"/>
+                </a:cubicBezTo>
+                <a:cubicBezTo>
+                  <a:pt x="19" y="34"/>
+                  <a:pt x="24" y="38"/>
+                  <a:pt x="29" y="38"/>
+                </a:cubicBezTo>
+                <a:cubicBezTo>
+                  <a:pt x="34" y="38"/>
+                  <a:pt x="39" y="34"/>
+                  <a:pt x="39" y="29"/>
+                </a:cubicBezTo>
+                <a:cubicBezTo>
+                  <a:pt x="39" y="23"/>
+                  <a:pt x="34" y="19"/>
+                  <a:pt x="29" y="19"/>
+                </a:cubicBezTo>
+                <a:close/>
+              </a:path>
+            </a:pathLst>
+          </a:custGeom>
+          <a:solidFill>
+            <a:srgbClr val="FFFFFF"/>
+          </a:solidFill>
+          <a:ln>
+            <a:noFill/>
+          </a:ln>
+          <a:extLst>
+            <a:ext uri="{91240B29-F687-4F45-9708-019B960494DF}">
+              <a14:hiddenLine xmlns:a14="http://schemas.microsoft.com/office/drawing/2010/main" w="9525">
+                <a:solidFill>
+                  <a:srgbClr val="000000"/>
+                </a:solidFill>
+                <a:round/>
+                <a:headEnd/>
+                <a:tailEnd/>
+              </a14:hiddenLine>
+            </a:ext>
+          </a:extLst>
+        </p:spPr>
+        <p:txBody>
+          <a:bodyPr lIns="121682" tIns="60841" rIns="121682" bIns="60841"/>
+          <a:lstStyle/>
+          <a:p>
+            <a:pPr eaLnBrk="0" hangingPunct="0"/>
+            <a:endParaRPr lang="zh-CN" altLang="en-US">
+              <a:solidFill>
+                <a:srgbClr val="445469"/>
+              </a:solidFill>
+              <a:ea typeface="微软雅黑" panose="020B0503020204020204" pitchFamily="34" charset="-122"/>
+            </a:endParaRPr>
+          </a:p>
+        </p:txBody>
+      </p:sp>
+      <p:sp>
+        <p:nvSpPr>
+          <p:cNvPr id="14" name="稻壳儿小白白(http://dwz.cn/Wu2UP)"/>
+          <p:cNvSpPr>
+            <a:spLocks noEditPoints="1"/>
+          </p:cNvSpPr>
+          <p:nvPr/>
+        </p:nvSpPr>
+        <p:spPr bwMode="auto">
+          <a:xfrm>
+            <a:off x="8995702" y="4072101"/>
+            <a:ext cx="376239" cy="376238"/>
+          </a:xfrm>
+          <a:custGeom>
+            <a:avLst/>
+            <a:gdLst>
+              <a:gd name="T0" fmla="*/ 1263468770 w 55"/>
+              <a:gd name="T1" fmla="*/ 2147483646 h 55"/>
+              <a:gd name="T2" fmla="*/ 0 w 55"/>
+              <a:gd name="T3" fmla="*/ 1263468770 h 55"/>
+              <a:gd name="T4" fmla="*/ 1263468770 w 55"/>
+              <a:gd name="T5" fmla="*/ 0 h 55"/>
+              <a:gd name="T6" fmla="*/ 2147483646 w 55"/>
+              <a:gd name="T7" fmla="*/ 1263468770 h 55"/>
+              <a:gd name="T8" fmla="*/ 1263468770 w 55"/>
+              <a:gd name="T9" fmla="*/ 2147483646 h 55"/>
+              <a:gd name="T10" fmla="*/ 2105776723 w 55"/>
+              <a:gd name="T11" fmla="*/ 935902286 h 55"/>
+              <a:gd name="T12" fmla="*/ 1965392064 w 55"/>
+              <a:gd name="T13" fmla="*/ 795517627 h 55"/>
+              <a:gd name="T14" fmla="*/ 1871804572 w 55"/>
+              <a:gd name="T15" fmla="*/ 748720461 h 55"/>
+              <a:gd name="T16" fmla="*/ 1778210239 w 55"/>
+              <a:gd name="T17" fmla="*/ 795517627 h 55"/>
+              <a:gd name="T18" fmla="*/ 1123084111 w 55"/>
+              <a:gd name="T19" fmla="*/ 1450643755 h 55"/>
+              <a:gd name="T20" fmla="*/ 748720461 w 55"/>
+              <a:gd name="T21" fmla="*/ 1076286945 h 55"/>
+              <a:gd name="T22" fmla="*/ 655132968 w 55"/>
+              <a:gd name="T23" fmla="*/ 1029489778 h 55"/>
+              <a:gd name="T24" fmla="*/ 608335802 w 55"/>
+              <a:gd name="T25" fmla="*/ 1076286945 h 55"/>
+              <a:gd name="T26" fmla="*/ 421153977 w 55"/>
+              <a:gd name="T27" fmla="*/ 1216671604 h 55"/>
+              <a:gd name="T28" fmla="*/ 421153977 w 55"/>
+              <a:gd name="T29" fmla="*/ 1310259096 h 55"/>
+              <a:gd name="T30" fmla="*/ 421153977 w 55"/>
+              <a:gd name="T31" fmla="*/ 1403853429 h 55"/>
+              <a:gd name="T32" fmla="*/ 1029489778 w 55"/>
+              <a:gd name="T33" fmla="*/ 2012189231 h 55"/>
+              <a:gd name="T34" fmla="*/ 1123084111 w 55"/>
+              <a:gd name="T35" fmla="*/ 2012189231 h 55"/>
+              <a:gd name="T36" fmla="*/ 1216671604 w 55"/>
+              <a:gd name="T37" fmla="*/ 2012189231 h 55"/>
+              <a:gd name="T38" fmla="*/ 2105776723 w 55"/>
+              <a:gd name="T39" fmla="*/ 1076286945 h 55"/>
+              <a:gd name="T40" fmla="*/ 2147483646 w 55"/>
+              <a:gd name="T41" fmla="*/ 1029489778 h 55"/>
+              <a:gd name="T42" fmla="*/ 2105776723 w 55"/>
+              <a:gd name="T43" fmla="*/ 935902286 h 55"/>
+              <a:gd name="T44" fmla="*/ 0 60000 65536"/>
+              <a:gd name="T45" fmla="*/ 0 60000 65536"/>
+              <a:gd name="T46" fmla="*/ 0 60000 65536"/>
+              <a:gd name="T47" fmla="*/ 0 60000 65536"/>
+              <a:gd name="T48" fmla="*/ 0 60000 65536"/>
+              <a:gd name="T49" fmla="*/ 0 60000 65536"/>
+              <a:gd name="T50" fmla="*/ 0 60000 65536"/>
+              <a:gd name="T51" fmla="*/ 0 60000 65536"/>
+              <a:gd name="T52" fmla="*/ 0 60000 65536"/>
+              <a:gd name="T53" fmla="*/ 0 60000 65536"/>
+              <a:gd name="T54" fmla="*/ 0 60000 65536"/>
+              <a:gd name="T55" fmla="*/ 0 60000 65536"/>
+              <a:gd name="T56" fmla="*/ 0 60000 65536"/>
+              <a:gd name="T57" fmla="*/ 0 60000 65536"/>
+              <a:gd name="T58" fmla="*/ 0 60000 65536"/>
+              <a:gd name="T59" fmla="*/ 0 60000 65536"/>
+              <a:gd name="T60" fmla="*/ 0 60000 65536"/>
+              <a:gd name="T61" fmla="*/ 0 60000 65536"/>
+              <a:gd name="T62" fmla="*/ 0 60000 65536"/>
+              <a:gd name="T63" fmla="*/ 0 60000 65536"/>
+              <a:gd name="T64" fmla="*/ 0 60000 65536"/>
+              <a:gd name="T65" fmla="*/ 0 60000 65536"/>
+            </a:gdLst>
+            <a:ahLst/>
+            <a:cxnLst>
+              <a:cxn ang="T44">
+                <a:pos x="T0" y="T1"/>
+              </a:cxn>
+              <a:cxn ang="T45">
+                <a:pos x="T2" y="T3"/>
+              </a:cxn>
+              <a:cxn ang="T46">
+                <a:pos x="T4" y="T5"/>
+              </a:cxn>
+              <a:cxn ang="T47">
+                <a:pos x="T6" y="T7"/>
+              </a:cxn>
+              <a:cxn ang="T48">
+                <a:pos x="T8" y="T9"/>
+              </a:cxn>
+              <a:cxn ang="T49">
+                <a:pos x="T10" y="T11"/>
+              </a:cxn>
+              <a:cxn ang="T50">
+                <a:pos x="T12" y="T13"/>
+              </a:cxn>
+              <a:cxn ang="T51">
+                <a:pos x="T14" y="T15"/>
+              </a:cxn>
+              <a:cxn ang="T52">
+                <a:pos x="T16" y="T17"/>
+              </a:cxn>
+              <a:cxn ang="T53">
+                <a:pos x="T18" y="T19"/>
+              </a:cxn>
+              <a:cxn ang="T54">
+                <a:pos x="T20" y="T21"/>
+              </a:cxn>
+              <a:cxn ang="T55">
+                <a:pos x="T22" y="T23"/>
+              </a:cxn>
+              <a:cxn ang="T56">
+                <a:pos x="T24" y="T25"/>
+              </a:cxn>
+              <a:cxn ang="T57">
+                <a:pos x="T26" y="T27"/>
+              </a:cxn>
+              <a:cxn ang="T58">
+                <a:pos x="T28" y="T29"/>
+              </a:cxn>
+              <a:cxn ang="T59">
+                <a:pos x="T30" y="T31"/>
+              </a:cxn>
+              <a:cxn ang="T60">
+                <a:pos x="T32" y="T33"/>
+              </a:cxn>
+              <a:cxn ang="T61">
+                <a:pos x="T34" y="T35"/>
+              </a:cxn>
+              <a:cxn ang="T62">
+                <a:pos x="T36" y="T37"/>
+              </a:cxn>
+              <a:cxn ang="T63">
+                <a:pos x="T38" y="T39"/>
+              </a:cxn>
+              <a:cxn ang="T64">
+                <a:pos x="T40" y="T41"/>
+              </a:cxn>
+              <a:cxn ang="T65">
+                <a:pos x="T42" y="T43"/>
+              </a:cxn>
+            </a:cxnLst>
+            <a:rect l="0" t="0" r="r" b="b"/>
+            <a:pathLst>
+              <a:path w="55" h="55">
+                <a:moveTo>
+                  <a:pt x="27" y="55"/>
+                </a:moveTo>
+                <a:cubicBezTo>
+                  <a:pt x="12" y="55"/>
+                  <a:pt x="0" y="42"/>
+                  <a:pt x="0" y="27"/>
+                </a:cubicBezTo>
+                <a:cubicBezTo>
+                  <a:pt x="0" y="12"/>
+                  <a:pt x="12" y="0"/>
+                  <a:pt x="27" y="0"/>
+                </a:cubicBezTo>
+                <a:cubicBezTo>
+                  <a:pt x="42" y="0"/>
+                  <a:pt x="55" y="12"/>
+                  <a:pt x="55" y="27"/>
+                </a:cubicBezTo>
+                <a:cubicBezTo>
+                  <a:pt x="55" y="42"/>
+                  <a:pt x="42" y="55"/>
+                  <a:pt x="27" y="55"/>
+                </a:cubicBezTo>
+                <a:close/>
+                <a:moveTo>
+                  <a:pt x="45" y="20"/>
+                </a:moveTo>
+                <a:cubicBezTo>
+                  <a:pt x="42" y="17"/>
+                  <a:pt x="42" y="17"/>
+                  <a:pt x="42" y="17"/>
+                </a:cubicBezTo>
+                <a:cubicBezTo>
+                  <a:pt x="41" y="16"/>
+                  <a:pt x="41" y="16"/>
+                  <a:pt x="40" y="16"/>
+                </a:cubicBezTo>
+                <a:cubicBezTo>
+                  <a:pt x="39" y="16"/>
+                  <a:pt x="39" y="16"/>
+                  <a:pt x="38" y="17"/>
+                </a:cubicBezTo>
+                <a:cubicBezTo>
+                  <a:pt x="24" y="31"/>
+                  <a:pt x="24" y="31"/>
+                  <a:pt x="24" y="31"/>
+                </a:cubicBezTo>
+                <a:cubicBezTo>
+                  <a:pt x="16" y="23"/>
+                  <a:pt x="16" y="23"/>
+                  <a:pt x="16" y="23"/>
+                </a:cubicBezTo>
+                <a:cubicBezTo>
+                  <a:pt x="15" y="23"/>
+                  <a:pt x="15" y="22"/>
+                  <a:pt x="14" y="22"/>
+                </a:cubicBezTo>
+                <a:cubicBezTo>
+                  <a:pt x="14" y="22"/>
+                  <a:pt x="13" y="23"/>
+                  <a:pt x="13" y="23"/>
+                </a:cubicBezTo>
+                <a:cubicBezTo>
+                  <a:pt x="9" y="26"/>
+                  <a:pt x="9" y="26"/>
+                  <a:pt x="9" y="26"/>
+                </a:cubicBezTo>
+                <a:cubicBezTo>
+                  <a:pt x="9" y="27"/>
+                  <a:pt x="9" y="27"/>
+                  <a:pt x="9" y="28"/>
+                </a:cubicBezTo>
+                <a:cubicBezTo>
+                  <a:pt x="9" y="29"/>
+                  <a:pt x="9" y="29"/>
+                  <a:pt x="9" y="30"/>
+                </a:cubicBezTo>
+                <a:cubicBezTo>
+                  <a:pt x="22" y="43"/>
+                  <a:pt x="22" y="43"/>
+                  <a:pt x="22" y="43"/>
+                </a:cubicBezTo>
+                <a:cubicBezTo>
+                  <a:pt x="23" y="43"/>
+                  <a:pt x="23" y="43"/>
+                  <a:pt x="24" y="43"/>
+                </a:cubicBezTo>
+                <a:cubicBezTo>
+                  <a:pt x="25" y="43"/>
+                  <a:pt x="25" y="43"/>
+                  <a:pt x="26" y="43"/>
+                </a:cubicBezTo>
+                <a:cubicBezTo>
+                  <a:pt x="45" y="23"/>
+                  <a:pt x="45" y="23"/>
+                  <a:pt x="45" y="23"/>
+                </a:cubicBezTo>
+                <a:cubicBezTo>
+                  <a:pt x="45" y="23"/>
+                  <a:pt x="46" y="22"/>
+                  <a:pt x="46" y="22"/>
+                </a:cubicBezTo>
+                <a:cubicBezTo>
+                  <a:pt x="46" y="21"/>
+                  <a:pt x="45" y="20"/>
+                  <a:pt x="45" y="20"/>
+                </a:cubicBezTo>
+                <a:close/>
+              </a:path>
+            </a:pathLst>
+          </a:custGeom>
+          <a:solidFill>
+            <a:srgbClr val="FFFFFF"/>
+          </a:solidFill>
+          <a:ln>
+            <a:noFill/>
+          </a:ln>
+          <a:extLst>
+            <a:ext uri="{91240B29-F687-4F45-9708-019B960494DF}">
+              <a14:hiddenLine xmlns:a14="http://schemas.microsoft.com/office/drawing/2010/main" w="9525">
+                <a:solidFill>
+                  <a:srgbClr val="000000"/>
+                </a:solidFill>
+                <a:round/>
+                <a:headEnd/>
+                <a:tailEnd/>
+              </a14:hiddenLine>
+            </a:ext>
+          </a:extLst>
+        </p:spPr>
+        <p:txBody>
+          <a:bodyPr lIns="121682" tIns="60841" rIns="121682" bIns="60841"/>
+          <a:lstStyle/>
+          <a:p>
+            <a:pPr eaLnBrk="0" hangingPunct="0"/>
+            <a:endParaRPr lang="zh-CN" altLang="en-US">
+              <a:solidFill>
+                <a:srgbClr val="445469"/>
+              </a:solidFill>
+              <a:ea typeface="微软雅黑" panose="020B0503020204020204" pitchFamily="34" charset="-122"/>
+            </a:endParaRPr>
+          </a:p>
+        </p:txBody>
+      </p:sp>
+      <p:sp>
+        <p:nvSpPr>
+          <p:cNvPr id="15" name="稻壳儿小白白(http://dwz.cn/Wu2UP)"/>
+          <p:cNvSpPr txBox="1">
+            <a:spLocks noChangeArrowheads="1"/>
+          </p:cNvSpPr>
+          <p:nvPr/>
+        </p:nvSpPr>
+        <p:spPr bwMode="auto">
+          <a:xfrm>
+            <a:off x="3109253" y="684378"/>
+            <a:ext cx="1377951" cy="246063"/>
+          </a:xfrm>
+          <a:prstGeom prst="rect">
+            <a:avLst/>
+          </a:prstGeom>
+          <a:noFill/>
+          <a:ln>
+            <a:noFill/>
+          </a:ln>
+          <a:extLst>
+            <a:ext uri="{909E8E84-426E-40DD-AFC4-6F175D3DCCD1}">
+              <a14:hiddenFill xmlns:a14="http://schemas.microsoft.com/office/drawing/2010/main">
+                <a:solidFill>
+                  <a:srgbClr val="FFFFFF"/>
+                </a:solidFill>
+              </a14:hiddenFill>
+            </a:ext>
+            <a:ext uri="{91240B29-F687-4F45-9708-019B960494DF}">
+              <a14:hiddenLine xmlns:a14="http://schemas.microsoft.com/office/drawing/2010/main" w="9525">
+                <a:solidFill>
+                  <a:srgbClr val="000000"/>
+                </a:solidFill>
+                <a:miter lim="800000"/>
+                <a:headEnd/>
+                <a:tailEnd/>
+              </a14:hiddenLine>
+            </a:ext>
+          </a:extLst>
+        </p:spPr>
+        <p:txBody>
+          <a:bodyPr lIns="0" tIns="0" rIns="0" bIns="0">
+            <a:spAutoFit/>
+          </a:bodyPr>
+          <a:lstStyle>
+            <a:lvl1pPr defTabSz="1216025">
+              <a:buFont typeface="Arial" panose="020B0604020202020204" pitchFamily="34" charset="0"/>
+              <a:defRPr>
+                <a:solidFill>
+                  <a:schemeClr val="tx1"/>
+                </a:solidFill>
+                <a:latin typeface="Arial" panose="020B0604020202020204" pitchFamily="34" charset="0"/>
+                <a:ea typeface="微软雅黑" panose="020B0503020204020204" pitchFamily="34" charset="-122"/>
+              </a:defRPr>
+            </a:lvl1pPr>
+            <a:lvl2pPr marL="742950" indent="-285750" defTabSz="1216025">
+              <a:buFont typeface="Arial" panose="020B0604020202020204" pitchFamily="34" charset="0"/>
+              <a:defRPr>
+                <a:solidFill>
+                  <a:schemeClr val="tx1"/>
+                </a:solidFill>
+                <a:latin typeface="Arial" panose="020B0604020202020204" pitchFamily="34" charset="0"/>
+                <a:ea typeface="微软雅黑" panose="020B0503020204020204" pitchFamily="34" charset="-122"/>
+              </a:defRPr>
+            </a:lvl2pPr>
+            <a:lvl3pPr marL="1143000" indent="-228600" defTabSz="1216025">
+              <a:buFont typeface="Arial" panose="020B0604020202020204" pitchFamily="34" charset="0"/>
+              <a:defRPr>
+                <a:solidFill>
+                  <a:schemeClr val="tx1"/>
+                </a:solidFill>
+                <a:latin typeface="Arial" panose="020B0604020202020204" pitchFamily="34" charset="0"/>
+                <a:ea typeface="微软雅黑" panose="020B0503020204020204" pitchFamily="34" charset="-122"/>
+              </a:defRPr>
+            </a:lvl3pPr>
+            <a:lvl4pPr marL="1600200" indent="-228600" defTabSz="1216025">
+              <a:buFont typeface="Arial" panose="020B0604020202020204" pitchFamily="34" charset="0"/>
+              <a:defRPr>
+                <a:solidFill>
+                  <a:schemeClr val="tx1"/>
+                </a:solidFill>
+                <a:latin typeface="Arial" panose="020B0604020202020204" pitchFamily="34" charset="0"/>
+                <a:ea typeface="微软雅黑" panose="020B0503020204020204" pitchFamily="34" charset="-122"/>
+              </a:defRPr>
+            </a:lvl4pPr>
+            <a:lvl5pPr marL="2057400" indent="-228600" defTabSz="1216025">
+              <a:buFont typeface="Arial" panose="020B0604020202020204" pitchFamily="34" charset="0"/>
+              <a:defRPr>
+                <a:solidFill>
+                  <a:schemeClr val="tx1"/>
+                </a:solidFill>
+                <a:latin typeface="Arial" panose="020B0604020202020204" pitchFamily="34" charset="0"/>
+                <a:ea typeface="微软雅黑" panose="020B0503020204020204" pitchFamily="34" charset="-122"/>
+              </a:defRPr>
+            </a:lvl5pPr>
+            <a:lvl6pPr marL="2514600" indent="-228600" defTabSz="1216025" eaLnBrk="0" fontAlgn="base" hangingPunct="0">
+              <a:spcBef>
+                <a:spcPct val="0"/>
+              </a:spcBef>
+              <a:spcAft>
+                <a:spcPct val="0"/>
+              </a:spcAft>
+              <a:buFont typeface="Arial" panose="020B0604020202020204" pitchFamily="34" charset="0"/>
+              <a:defRPr>
+                <a:solidFill>
+                  <a:schemeClr val="tx1"/>
+                </a:solidFill>
+                <a:latin typeface="Arial" panose="020B0604020202020204" pitchFamily="34" charset="0"/>
+                <a:ea typeface="微软雅黑" panose="020B0503020204020204" pitchFamily="34" charset="-122"/>
+              </a:defRPr>
+            </a:lvl6pPr>
+            <a:lvl7pPr marL="2971800" indent="-228600" defTabSz="1216025" eaLnBrk="0" fontAlgn="base" hangingPunct="0">
+              <a:spcBef>
+                <a:spcPct val="0"/>
+              </a:spcBef>
+              <a:spcAft>
+                <a:spcPct val="0"/>
+              </a:spcAft>
+              <a:buFont typeface="Arial" panose="020B0604020202020204" pitchFamily="34" charset="0"/>
+              <a:defRPr>
+                <a:solidFill>
+                  <a:schemeClr val="tx1"/>
+                </a:solidFill>
+                <a:latin typeface="Arial" panose="020B0604020202020204" pitchFamily="34" charset="0"/>
+                <a:ea typeface="微软雅黑" panose="020B0503020204020204" pitchFamily="34" charset="-122"/>
+              </a:defRPr>
+            </a:lvl7pPr>
+            <a:lvl8pPr marL="3429000" indent="-228600" defTabSz="1216025" eaLnBrk="0" fontAlgn="base" hangingPunct="0">
+              <a:spcBef>
+                <a:spcPct val="0"/>
+              </a:spcBef>
+              <a:spcAft>
+                <a:spcPct val="0"/>
+              </a:spcAft>
+              <a:buFont typeface="Arial" panose="020B0604020202020204" pitchFamily="34" charset="0"/>
+              <a:defRPr>
+                <a:solidFill>
+                  <a:schemeClr val="tx1"/>
+                </a:solidFill>
+                <a:latin typeface="Arial" panose="020B0604020202020204" pitchFamily="34" charset="0"/>
+                <a:ea typeface="微软雅黑" panose="020B0503020204020204" pitchFamily="34" charset="-122"/>
+              </a:defRPr>
+            </a:lvl8pPr>
+            <a:lvl9pPr marL="3886200" indent="-228600" defTabSz="1216025" eaLnBrk="0" fontAlgn="base" hangingPunct="0">
+              <a:spcBef>
+                <a:spcPct val="0"/>
+              </a:spcBef>
+              <a:spcAft>
+                <a:spcPct val="0"/>
+              </a:spcAft>
+              <a:buFont typeface="Arial" panose="020B0604020202020204" pitchFamily="34" charset="0"/>
+              <a:defRPr>
+                <a:solidFill>
+                  <a:schemeClr val="tx1"/>
+                </a:solidFill>
+                <a:latin typeface="Arial" panose="020B0604020202020204" pitchFamily="34" charset="0"/>
+                <a:ea typeface="微软雅黑" panose="020B0503020204020204" pitchFamily="34" charset="-122"/>
+              </a:defRPr>
+            </a:lvl9pPr>
+          </a:lstStyle>
+          <a:p>
+            <a:pPr marL="0" marR="0" lvl="0" indent="0" defTabSz="1216025" eaLnBrk="1" fontAlgn="auto" latinLnBrk="0" hangingPunct="1">
+              <a:lnSpc>
+                <a:spcPct val="100000"/>
+              </a:lnSpc>
+              <a:spcBef>
+                <a:spcPct val="20000"/>
+              </a:spcBef>
+              <a:spcAft>
+                <a:spcPts val="0"/>
+              </a:spcAft>
+              <a:buClrTx/>
+              <a:buSzTx/>
+              <a:buFont typeface="Arial" panose="020B0604020202020204" pitchFamily="34" charset="0"/>
+              <a:buNone/>
+              <a:tabLst/>
+              <a:defRPr/>
+            </a:pPr>
+            <a:r>
+              <a:rPr kumimoji="0" lang="zh-CN" altLang="en-US" sz="1600" b="1" i="0" u="none" strike="noStrike" kern="0" cap="none" spc="0" normalizeH="0" baseline="0" noProof="0" dirty="0" smtClean="0">
+                <a:ln>
+                  <a:noFill/>
+                </a:ln>
+                <a:solidFill>
+                  <a:srgbClr val="445469"/>
+                </a:solidFill>
+                <a:effectLst/>
+                <a:uLnTx/>
+                <a:uFillTx/>
+                <a:latin typeface="Arial" panose="020B0604020202020204" pitchFamily="34" charset="0"/>
+                <a:ea typeface="微软雅黑" panose="020B0503020204020204" pitchFamily="34" charset="-122"/>
+                <a:sym typeface="Arial" panose="020B0604020202020204" pitchFamily="34" charset="0"/>
+              </a:rPr>
+              <a:t>时空归一化</a:t>
+            </a:r>
+            <a:endParaRPr kumimoji="0" lang="en-US" altLang="zh-CN" sz="1600" b="1" i="0" u="none" strike="noStrike" kern="0" cap="none" spc="0" normalizeH="0" baseline="0" noProof="0" dirty="0">
+              <a:ln>
+                <a:noFill/>
+              </a:ln>
+              <a:solidFill>
+                <a:srgbClr val="445469"/>
+              </a:solidFill>
+              <a:effectLst/>
+              <a:uLnTx/>
+              <a:uFillTx/>
+              <a:latin typeface="Arial" panose="020B0604020202020204" pitchFamily="34" charset="0"/>
+              <a:ea typeface="微软雅黑" panose="020B0503020204020204" pitchFamily="34" charset="-122"/>
+              <a:sym typeface="Arial" panose="020B0604020202020204" pitchFamily="34" charset="0"/>
+            </a:endParaRPr>
+          </a:p>
+        </p:txBody>
+      </p:sp>
+      <p:sp>
+        <p:nvSpPr>
+          <p:cNvPr id="16" name="稻壳儿小白白(http://dwz.cn/Wu2UP)"/>
+          <p:cNvSpPr txBox="1">
+            <a:spLocks noChangeArrowheads="1"/>
+          </p:cNvSpPr>
+          <p:nvPr/>
+        </p:nvSpPr>
+        <p:spPr bwMode="auto">
+          <a:xfrm>
+            <a:off x="3121953" y="979651"/>
+            <a:ext cx="2333625" cy="553998"/>
+          </a:xfrm>
+          <a:prstGeom prst="rect">
+            <a:avLst/>
+          </a:prstGeom>
+          <a:noFill/>
+          <a:ln>
+            <a:noFill/>
+          </a:ln>
+          <a:extLst>
+            <a:ext uri="{909E8E84-426E-40DD-AFC4-6F175D3DCCD1}">
+              <a14:hiddenFill xmlns:a14="http://schemas.microsoft.com/office/drawing/2010/main">
+                <a:solidFill>
+                  <a:srgbClr val="FFFFFF"/>
+                </a:solidFill>
+              </a14:hiddenFill>
+            </a:ext>
+            <a:ext uri="{91240B29-F687-4F45-9708-019B960494DF}">
+              <a14:hiddenLine xmlns:a14="http://schemas.microsoft.com/office/drawing/2010/main" w="9525">
+                <a:solidFill>
+                  <a:srgbClr val="000000"/>
+                </a:solidFill>
+                <a:miter lim="800000"/>
+                <a:headEnd/>
+                <a:tailEnd/>
+              </a14:hiddenLine>
+            </a:ext>
+          </a:extLst>
+        </p:spPr>
+        <p:txBody>
+          <a:bodyPr lIns="0" tIns="0" rIns="0" bIns="0">
+            <a:spAutoFit/>
+          </a:bodyPr>
+          <a:lstStyle>
+            <a:lvl1pPr defTabSz="1216025">
+              <a:buFont typeface="Arial" panose="020B0604020202020204" pitchFamily="34" charset="0"/>
+              <a:defRPr>
+                <a:solidFill>
+                  <a:schemeClr val="tx1"/>
+                </a:solidFill>
+                <a:latin typeface="Arial" panose="020B0604020202020204" pitchFamily="34" charset="0"/>
+                <a:ea typeface="微软雅黑" panose="020B0503020204020204" pitchFamily="34" charset="-122"/>
+              </a:defRPr>
+            </a:lvl1pPr>
+            <a:lvl2pPr marL="742950" indent="-285750" defTabSz="1216025">
+              <a:buFont typeface="Arial" panose="020B0604020202020204" pitchFamily="34" charset="0"/>
+              <a:defRPr>
+                <a:solidFill>
+                  <a:schemeClr val="tx1"/>
+                </a:solidFill>
+                <a:latin typeface="Arial" panose="020B0604020202020204" pitchFamily="34" charset="0"/>
+                <a:ea typeface="微软雅黑" panose="020B0503020204020204" pitchFamily="34" charset="-122"/>
+              </a:defRPr>
+            </a:lvl2pPr>
+            <a:lvl3pPr marL="1143000" indent="-228600" defTabSz="1216025">
+              <a:buFont typeface="Arial" panose="020B0604020202020204" pitchFamily="34" charset="0"/>
+              <a:defRPr>
+                <a:solidFill>
+                  <a:schemeClr val="tx1"/>
+                </a:solidFill>
+                <a:latin typeface="Arial" panose="020B0604020202020204" pitchFamily="34" charset="0"/>
+                <a:ea typeface="微软雅黑" panose="020B0503020204020204" pitchFamily="34" charset="-122"/>
+              </a:defRPr>
+            </a:lvl3pPr>
+            <a:lvl4pPr marL="1600200" indent="-228600" defTabSz="1216025">
+              <a:buFont typeface="Arial" panose="020B0604020202020204" pitchFamily="34" charset="0"/>
+              <a:defRPr>
+                <a:solidFill>
+                  <a:schemeClr val="tx1"/>
+                </a:solidFill>
+                <a:latin typeface="Arial" panose="020B0604020202020204" pitchFamily="34" charset="0"/>
+                <a:ea typeface="微软雅黑" panose="020B0503020204020204" pitchFamily="34" charset="-122"/>
+              </a:defRPr>
+            </a:lvl4pPr>
+            <a:lvl5pPr marL="2057400" indent="-228600" defTabSz="1216025">
+              <a:buFont typeface="Arial" panose="020B0604020202020204" pitchFamily="34" charset="0"/>
+              <a:defRPr>
+                <a:solidFill>
+                  <a:schemeClr val="tx1"/>
+                </a:solidFill>
+                <a:latin typeface="Arial" panose="020B0604020202020204" pitchFamily="34" charset="0"/>
+                <a:ea typeface="微软雅黑" panose="020B0503020204020204" pitchFamily="34" charset="-122"/>
+              </a:defRPr>
+            </a:lvl5pPr>
+            <a:lvl6pPr marL="2514600" indent="-228600" defTabSz="1216025" eaLnBrk="0" fontAlgn="base" hangingPunct="0">
+              <a:spcBef>
+                <a:spcPct val="0"/>
+              </a:spcBef>
+              <a:spcAft>
+                <a:spcPct val="0"/>
+              </a:spcAft>
+              <a:buFont typeface="Arial" panose="020B0604020202020204" pitchFamily="34" charset="0"/>
+              <a:defRPr>
+                <a:solidFill>
+                  <a:schemeClr val="tx1"/>
+                </a:solidFill>
+                <a:latin typeface="Arial" panose="020B0604020202020204" pitchFamily="34" charset="0"/>
+                <a:ea typeface="微软雅黑" panose="020B0503020204020204" pitchFamily="34" charset="-122"/>
+              </a:defRPr>
+            </a:lvl6pPr>
+            <a:lvl7pPr marL="2971800" indent="-228600" defTabSz="1216025" eaLnBrk="0" fontAlgn="base" hangingPunct="0">
+              <a:spcBef>
+                <a:spcPct val="0"/>
+              </a:spcBef>
+              <a:spcAft>
+                <a:spcPct val="0"/>
+              </a:spcAft>
+              <a:buFont typeface="Arial" panose="020B0604020202020204" pitchFamily="34" charset="0"/>
+              <a:defRPr>
+                <a:solidFill>
+                  <a:schemeClr val="tx1"/>
+                </a:solidFill>
+                <a:latin typeface="Arial" panose="020B0604020202020204" pitchFamily="34" charset="0"/>
+                <a:ea typeface="微软雅黑" panose="020B0503020204020204" pitchFamily="34" charset="-122"/>
+              </a:defRPr>
+            </a:lvl7pPr>
+            <a:lvl8pPr marL="3429000" indent="-228600" defTabSz="1216025" eaLnBrk="0" fontAlgn="base" hangingPunct="0">
+              <a:spcBef>
+                <a:spcPct val="0"/>
+              </a:spcBef>
+              <a:spcAft>
+                <a:spcPct val="0"/>
+              </a:spcAft>
+              <a:buFont typeface="Arial" panose="020B0604020202020204" pitchFamily="34" charset="0"/>
+              <a:defRPr>
+                <a:solidFill>
+                  <a:schemeClr val="tx1"/>
+                </a:solidFill>
+                <a:latin typeface="Arial" panose="020B0604020202020204" pitchFamily="34" charset="0"/>
+                <a:ea typeface="微软雅黑" panose="020B0503020204020204" pitchFamily="34" charset="-122"/>
+              </a:defRPr>
+            </a:lvl8pPr>
+            <a:lvl9pPr marL="3886200" indent="-228600" defTabSz="1216025" eaLnBrk="0" fontAlgn="base" hangingPunct="0">
+              <a:spcBef>
+                <a:spcPct val="0"/>
+              </a:spcBef>
+              <a:spcAft>
+                <a:spcPct val="0"/>
+              </a:spcAft>
+              <a:buFont typeface="Arial" panose="020B0604020202020204" pitchFamily="34" charset="0"/>
+              <a:defRPr>
+                <a:solidFill>
+                  <a:schemeClr val="tx1"/>
+                </a:solidFill>
+                <a:latin typeface="Arial" panose="020B0604020202020204" pitchFamily="34" charset="0"/>
+                <a:ea typeface="微软雅黑" panose="020B0503020204020204" pitchFamily="34" charset="-122"/>
+              </a:defRPr>
+            </a:lvl9pPr>
+          </a:lstStyle>
+          <a:p>
+            <a:pPr marL="0" marR="0" lvl="0" indent="0" defTabSz="1216025" eaLnBrk="1" fontAlgn="auto" latinLnBrk="0" hangingPunct="1">
+              <a:lnSpc>
+                <a:spcPct val="100000"/>
+              </a:lnSpc>
+              <a:spcBef>
+                <a:spcPct val="20000"/>
+              </a:spcBef>
+              <a:spcAft>
+                <a:spcPts val="0"/>
+              </a:spcAft>
+              <a:buClrTx/>
+              <a:buSzTx/>
+              <a:buFont typeface="Arial" panose="020B0604020202020204" pitchFamily="34" charset="0"/>
+              <a:buNone/>
+              <a:tabLst/>
+              <a:defRPr/>
+            </a:pPr>
+            <a:r>
+              <a:rPr kumimoji="0" lang="zh-CN" altLang="en-US" sz="1200" b="0" i="0" u="none" strike="noStrike" kern="0" cap="none" spc="0" normalizeH="0" baseline="0" noProof="0" dirty="0" smtClean="0">
+                <a:ln>
+                  <a:noFill/>
+                </a:ln>
+                <a:solidFill>
+                  <a:srgbClr val="445469"/>
+                </a:solidFill>
+                <a:effectLst/>
+                <a:uLnTx/>
+                <a:uFillTx/>
+                <a:latin typeface="Arial" panose="020B0604020202020204" pitchFamily="34" charset="0"/>
+                <a:ea typeface="微软雅黑" panose="020B0503020204020204" pitchFamily="34" charset="-122"/>
+                <a:sym typeface="Arial" panose="020B0604020202020204" pitchFamily="34" charset="0"/>
+              </a:rPr>
+              <a:t>根据不同的查询问题，确定时空转化因子，对查询轨迹和数据轨迹进行时空归一化</a:t>
+            </a:r>
+            <a:endParaRPr kumimoji="0" lang="en-US" altLang="zh-CN" sz="1200" b="0" i="0" u="none" strike="noStrike" kern="0" cap="none" spc="0" normalizeH="0" baseline="0" noProof="0" dirty="0">
+              <a:ln>
+                <a:noFill/>
+              </a:ln>
+              <a:solidFill>
+                <a:srgbClr val="445469"/>
+              </a:solidFill>
+              <a:effectLst/>
+              <a:uLnTx/>
+              <a:uFillTx/>
+              <a:latin typeface="Arial" panose="020B0604020202020204" pitchFamily="34" charset="0"/>
+              <a:ea typeface="微软雅黑" panose="020B0503020204020204" pitchFamily="34" charset="-122"/>
+              <a:sym typeface="Arial" panose="020B0604020202020204" pitchFamily="34" charset="0"/>
+            </a:endParaRPr>
+          </a:p>
+        </p:txBody>
+      </p:sp>
+      <p:sp>
+        <p:nvSpPr>
+          <p:cNvPr id="17" name="稻壳儿小白白(http://dwz.cn/Wu2UP)"/>
+          <p:cNvSpPr txBox="1">
+            <a:spLocks noChangeArrowheads="1"/>
+          </p:cNvSpPr>
+          <p:nvPr/>
+        </p:nvSpPr>
+        <p:spPr bwMode="auto">
+          <a:xfrm>
+            <a:off x="7035140" y="989178"/>
+            <a:ext cx="1376363" cy="246221"/>
+          </a:xfrm>
+          <a:prstGeom prst="rect">
+            <a:avLst/>
+          </a:prstGeom>
+          <a:noFill/>
+          <a:ln>
+            <a:noFill/>
+          </a:ln>
+          <a:extLst>
+            <a:ext uri="{909E8E84-426E-40DD-AFC4-6F175D3DCCD1}">
+              <a14:hiddenFill xmlns:a14="http://schemas.microsoft.com/office/drawing/2010/main">
+                <a:solidFill>
+                  <a:srgbClr val="FFFFFF"/>
+                </a:solidFill>
+              </a14:hiddenFill>
+            </a:ext>
+            <a:ext uri="{91240B29-F687-4F45-9708-019B960494DF}">
+              <a14:hiddenLine xmlns:a14="http://schemas.microsoft.com/office/drawing/2010/main" w="9525">
+                <a:solidFill>
+                  <a:srgbClr val="000000"/>
+                </a:solidFill>
+                <a:miter lim="800000"/>
+                <a:headEnd/>
+                <a:tailEnd/>
+              </a14:hiddenLine>
+            </a:ext>
+          </a:extLst>
+        </p:spPr>
+        <p:txBody>
+          <a:bodyPr lIns="0" tIns="0" rIns="0" bIns="0">
+            <a:spAutoFit/>
+          </a:bodyPr>
+          <a:lstStyle>
+            <a:lvl1pPr defTabSz="1216025">
+              <a:buFont typeface="Arial" panose="020B0604020202020204" pitchFamily="34" charset="0"/>
+              <a:defRPr>
+                <a:solidFill>
+                  <a:schemeClr val="tx1"/>
+                </a:solidFill>
+                <a:latin typeface="Arial" panose="020B0604020202020204" pitchFamily="34" charset="0"/>
+                <a:ea typeface="微软雅黑" panose="020B0503020204020204" pitchFamily="34" charset="-122"/>
+              </a:defRPr>
+            </a:lvl1pPr>
+            <a:lvl2pPr marL="742950" indent="-285750" defTabSz="1216025">
+              <a:buFont typeface="Arial" panose="020B0604020202020204" pitchFamily="34" charset="0"/>
+              <a:defRPr>
+                <a:solidFill>
+                  <a:schemeClr val="tx1"/>
+                </a:solidFill>
+                <a:latin typeface="Arial" panose="020B0604020202020204" pitchFamily="34" charset="0"/>
+                <a:ea typeface="微软雅黑" panose="020B0503020204020204" pitchFamily="34" charset="-122"/>
+              </a:defRPr>
+            </a:lvl2pPr>
+            <a:lvl3pPr marL="1143000" indent="-228600" defTabSz="1216025">
+              <a:buFont typeface="Arial" panose="020B0604020202020204" pitchFamily="34" charset="0"/>
+              <a:defRPr>
+                <a:solidFill>
+                  <a:schemeClr val="tx1"/>
+                </a:solidFill>
+                <a:latin typeface="Arial" panose="020B0604020202020204" pitchFamily="34" charset="0"/>
+                <a:ea typeface="微软雅黑" panose="020B0503020204020204" pitchFamily="34" charset="-122"/>
+              </a:defRPr>
+            </a:lvl3pPr>
+            <a:lvl4pPr marL="1600200" indent="-228600" defTabSz="1216025">
+              <a:buFont typeface="Arial" panose="020B0604020202020204" pitchFamily="34" charset="0"/>
+              <a:defRPr>
+                <a:solidFill>
+                  <a:schemeClr val="tx1"/>
+                </a:solidFill>
+                <a:latin typeface="Arial" panose="020B0604020202020204" pitchFamily="34" charset="0"/>
+                <a:ea typeface="微软雅黑" panose="020B0503020204020204" pitchFamily="34" charset="-122"/>
+              </a:defRPr>
+            </a:lvl4pPr>
+            <a:lvl5pPr marL="2057400" indent="-228600" defTabSz="1216025">
+              <a:buFont typeface="Arial" panose="020B0604020202020204" pitchFamily="34" charset="0"/>
+              <a:defRPr>
+                <a:solidFill>
+                  <a:schemeClr val="tx1"/>
+                </a:solidFill>
+                <a:latin typeface="Arial" panose="020B0604020202020204" pitchFamily="34" charset="0"/>
+                <a:ea typeface="微软雅黑" panose="020B0503020204020204" pitchFamily="34" charset="-122"/>
+              </a:defRPr>
+            </a:lvl5pPr>
+            <a:lvl6pPr marL="2514600" indent="-228600" defTabSz="1216025" eaLnBrk="0" fontAlgn="base" hangingPunct="0">
+              <a:spcBef>
+                <a:spcPct val="0"/>
+              </a:spcBef>
+              <a:spcAft>
+                <a:spcPct val="0"/>
+              </a:spcAft>
+              <a:buFont typeface="Arial" panose="020B0604020202020204" pitchFamily="34" charset="0"/>
+              <a:defRPr>
+                <a:solidFill>
+                  <a:schemeClr val="tx1"/>
+                </a:solidFill>
+                <a:latin typeface="Arial" panose="020B0604020202020204" pitchFamily="34" charset="0"/>
+                <a:ea typeface="微软雅黑" panose="020B0503020204020204" pitchFamily="34" charset="-122"/>
+              </a:defRPr>
+            </a:lvl6pPr>
+            <a:lvl7pPr marL="2971800" indent="-228600" defTabSz="1216025" eaLnBrk="0" fontAlgn="base" hangingPunct="0">
+              <a:spcBef>
+                <a:spcPct val="0"/>
+              </a:spcBef>
+              <a:spcAft>
+                <a:spcPct val="0"/>
+              </a:spcAft>
+              <a:buFont typeface="Arial" panose="020B0604020202020204" pitchFamily="34" charset="0"/>
+              <a:defRPr>
+                <a:solidFill>
+                  <a:schemeClr val="tx1"/>
+                </a:solidFill>
+                <a:latin typeface="Arial" panose="020B0604020202020204" pitchFamily="34" charset="0"/>
+                <a:ea typeface="微软雅黑" panose="020B0503020204020204" pitchFamily="34" charset="-122"/>
+              </a:defRPr>
+            </a:lvl7pPr>
+            <a:lvl8pPr marL="3429000" indent="-228600" defTabSz="1216025" eaLnBrk="0" fontAlgn="base" hangingPunct="0">
+              <a:spcBef>
+                <a:spcPct val="0"/>
+              </a:spcBef>
+              <a:spcAft>
+                <a:spcPct val="0"/>
+              </a:spcAft>
+              <a:buFont typeface="Arial" panose="020B0604020202020204" pitchFamily="34" charset="0"/>
+              <a:defRPr>
+                <a:solidFill>
+                  <a:schemeClr val="tx1"/>
+                </a:solidFill>
+                <a:latin typeface="Arial" panose="020B0604020202020204" pitchFamily="34" charset="0"/>
+                <a:ea typeface="微软雅黑" panose="020B0503020204020204" pitchFamily="34" charset="-122"/>
+              </a:defRPr>
+            </a:lvl8pPr>
+            <a:lvl9pPr marL="3886200" indent="-228600" defTabSz="1216025" eaLnBrk="0" fontAlgn="base" hangingPunct="0">
+              <a:spcBef>
+                <a:spcPct val="0"/>
+              </a:spcBef>
+              <a:spcAft>
+                <a:spcPct val="0"/>
+              </a:spcAft>
+              <a:buFont typeface="Arial" panose="020B0604020202020204" pitchFamily="34" charset="0"/>
+              <a:defRPr>
+                <a:solidFill>
+                  <a:schemeClr val="tx1"/>
+                </a:solidFill>
+                <a:latin typeface="Arial" panose="020B0604020202020204" pitchFamily="34" charset="0"/>
+                <a:ea typeface="微软雅黑" panose="020B0503020204020204" pitchFamily="34" charset="-122"/>
+              </a:defRPr>
+            </a:lvl9pPr>
+          </a:lstStyle>
+          <a:p>
+            <a:pPr marL="0" marR="0" lvl="0" indent="0" defTabSz="1216025" eaLnBrk="1" fontAlgn="auto" latinLnBrk="0" hangingPunct="1">
+              <a:lnSpc>
+                <a:spcPct val="100000"/>
+              </a:lnSpc>
+              <a:spcBef>
+                <a:spcPct val="20000"/>
+              </a:spcBef>
+              <a:spcAft>
+                <a:spcPts val="0"/>
+              </a:spcAft>
+              <a:buClrTx/>
+              <a:buSzTx/>
+              <a:buFont typeface="Arial" panose="020B0604020202020204" pitchFamily="34" charset="0"/>
+              <a:buNone/>
+              <a:tabLst/>
+              <a:defRPr/>
+            </a:pPr>
+            <a:r>
+              <a:rPr kumimoji="0" lang="en-US" altLang="zh-CN" sz="1600" b="1" i="0" u="none" strike="noStrike" kern="0" cap="none" spc="0" normalizeH="0" baseline="0" noProof="0" dirty="0" smtClean="0">
+                <a:ln>
+                  <a:noFill/>
+                </a:ln>
+                <a:solidFill>
+                  <a:srgbClr val="445469"/>
+                </a:solidFill>
+                <a:effectLst/>
+                <a:uLnTx/>
+                <a:uFillTx/>
+                <a:latin typeface="Arial" panose="020B0604020202020204" pitchFamily="34" charset="0"/>
+                <a:ea typeface="微软雅黑" panose="020B0503020204020204" pitchFamily="34" charset="-122"/>
+                <a:sym typeface="Arial" panose="020B0604020202020204" pitchFamily="34" charset="0"/>
+              </a:rPr>
+              <a:t>DTW-BDS</a:t>
+            </a:r>
+            <a:r>
+              <a:rPr kumimoji="0" lang="zh-CN" altLang="en-US" sz="1600" b="1" i="0" u="none" strike="noStrike" kern="0" cap="none" spc="0" normalizeH="0" baseline="0" noProof="0" dirty="0" smtClean="0">
+                <a:ln>
+                  <a:noFill/>
+                </a:ln>
+                <a:solidFill>
+                  <a:srgbClr val="445469"/>
+                </a:solidFill>
+                <a:effectLst/>
+                <a:uLnTx/>
+                <a:uFillTx/>
+                <a:latin typeface="Arial" panose="020B0604020202020204" pitchFamily="34" charset="0"/>
+                <a:ea typeface="微软雅黑" panose="020B0503020204020204" pitchFamily="34" charset="-122"/>
+                <a:sym typeface="Arial" panose="020B0604020202020204" pitchFamily="34" charset="0"/>
+              </a:rPr>
+              <a:t>匹配</a:t>
+            </a:r>
+            <a:endParaRPr kumimoji="0" lang="en-US" altLang="zh-CN" sz="1600" b="1" i="0" u="none" strike="noStrike" kern="0" cap="none" spc="0" normalizeH="0" baseline="0" noProof="0" dirty="0">
+              <a:ln>
+                <a:noFill/>
+              </a:ln>
+              <a:solidFill>
+                <a:srgbClr val="445469"/>
+              </a:solidFill>
+              <a:effectLst/>
+              <a:uLnTx/>
+              <a:uFillTx/>
+              <a:latin typeface="Arial" panose="020B0604020202020204" pitchFamily="34" charset="0"/>
+              <a:ea typeface="微软雅黑" panose="020B0503020204020204" pitchFamily="34" charset="-122"/>
+              <a:sym typeface="Arial" panose="020B0604020202020204" pitchFamily="34" charset="0"/>
+            </a:endParaRPr>
+          </a:p>
+        </p:txBody>
+      </p:sp>
+      <p:sp>
+        <p:nvSpPr>
+          <p:cNvPr id="18" name="稻壳儿小白白(http://dwz.cn/Wu2UP)"/>
+          <p:cNvSpPr txBox="1">
+            <a:spLocks noChangeArrowheads="1"/>
+          </p:cNvSpPr>
+          <p:nvPr/>
+        </p:nvSpPr>
+        <p:spPr bwMode="auto">
+          <a:xfrm>
+            <a:off x="7035141" y="1274926"/>
+            <a:ext cx="2333625" cy="553998"/>
+          </a:xfrm>
+          <a:prstGeom prst="rect">
+            <a:avLst/>
+          </a:prstGeom>
+          <a:noFill/>
+          <a:ln>
+            <a:noFill/>
+          </a:ln>
+          <a:extLst>
+            <a:ext uri="{909E8E84-426E-40DD-AFC4-6F175D3DCCD1}">
+              <a14:hiddenFill xmlns:a14="http://schemas.microsoft.com/office/drawing/2010/main">
+                <a:solidFill>
+                  <a:srgbClr val="FFFFFF"/>
+                </a:solidFill>
+              </a14:hiddenFill>
+            </a:ext>
+            <a:ext uri="{91240B29-F687-4F45-9708-019B960494DF}">
+              <a14:hiddenLine xmlns:a14="http://schemas.microsoft.com/office/drawing/2010/main" w="9525">
+                <a:solidFill>
+                  <a:srgbClr val="000000"/>
+                </a:solidFill>
+                <a:miter lim="800000"/>
+                <a:headEnd/>
+                <a:tailEnd/>
+              </a14:hiddenLine>
+            </a:ext>
+          </a:extLst>
+        </p:spPr>
+        <p:txBody>
+          <a:bodyPr lIns="0" tIns="0" rIns="0" bIns="0">
+            <a:spAutoFit/>
+          </a:bodyPr>
+          <a:lstStyle>
+            <a:lvl1pPr defTabSz="1216025">
+              <a:buFont typeface="Arial" panose="020B0604020202020204" pitchFamily="34" charset="0"/>
+              <a:defRPr>
+                <a:solidFill>
+                  <a:schemeClr val="tx1"/>
+                </a:solidFill>
+                <a:latin typeface="Arial" panose="020B0604020202020204" pitchFamily="34" charset="0"/>
+                <a:ea typeface="微软雅黑" panose="020B0503020204020204" pitchFamily="34" charset="-122"/>
+              </a:defRPr>
+            </a:lvl1pPr>
+            <a:lvl2pPr marL="742950" indent="-285750" defTabSz="1216025">
+              <a:buFont typeface="Arial" panose="020B0604020202020204" pitchFamily="34" charset="0"/>
+              <a:defRPr>
+                <a:solidFill>
+                  <a:schemeClr val="tx1"/>
+                </a:solidFill>
+                <a:latin typeface="Arial" panose="020B0604020202020204" pitchFamily="34" charset="0"/>
+                <a:ea typeface="微软雅黑" panose="020B0503020204020204" pitchFamily="34" charset="-122"/>
+              </a:defRPr>
+            </a:lvl2pPr>
+            <a:lvl3pPr marL="1143000" indent="-228600" defTabSz="1216025">
+              <a:buFont typeface="Arial" panose="020B0604020202020204" pitchFamily="34" charset="0"/>
+              <a:defRPr>
+                <a:solidFill>
+                  <a:schemeClr val="tx1"/>
+                </a:solidFill>
+                <a:latin typeface="Arial" panose="020B0604020202020204" pitchFamily="34" charset="0"/>
+                <a:ea typeface="微软雅黑" panose="020B0503020204020204" pitchFamily="34" charset="-122"/>
+              </a:defRPr>
+            </a:lvl3pPr>
+            <a:lvl4pPr marL="1600200" indent="-228600" defTabSz="1216025">
+              <a:buFont typeface="Arial" panose="020B0604020202020204" pitchFamily="34" charset="0"/>
+              <a:defRPr>
+                <a:solidFill>
+                  <a:schemeClr val="tx1"/>
+                </a:solidFill>
+                <a:latin typeface="Arial" panose="020B0604020202020204" pitchFamily="34" charset="0"/>
+                <a:ea typeface="微软雅黑" panose="020B0503020204020204" pitchFamily="34" charset="-122"/>
+              </a:defRPr>
+            </a:lvl4pPr>
+            <a:lvl5pPr marL="2057400" indent="-228600" defTabSz="1216025">
+              <a:buFont typeface="Arial" panose="020B0604020202020204" pitchFamily="34" charset="0"/>
+              <a:defRPr>
+                <a:solidFill>
+                  <a:schemeClr val="tx1"/>
+                </a:solidFill>
+                <a:latin typeface="Arial" panose="020B0604020202020204" pitchFamily="34" charset="0"/>
+                <a:ea typeface="微软雅黑" panose="020B0503020204020204" pitchFamily="34" charset="-122"/>
+              </a:defRPr>
+            </a:lvl5pPr>
+            <a:lvl6pPr marL="2514600" indent="-228600" defTabSz="1216025" eaLnBrk="0" fontAlgn="base" hangingPunct="0">
+              <a:spcBef>
+                <a:spcPct val="0"/>
+              </a:spcBef>
+              <a:spcAft>
+                <a:spcPct val="0"/>
+              </a:spcAft>
+              <a:buFont typeface="Arial" panose="020B0604020202020204" pitchFamily="34" charset="0"/>
+              <a:defRPr>
+                <a:solidFill>
+                  <a:schemeClr val="tx1"/>
+                </a:solidFill>
+                <a:latin typeface="Arial" panose="020B0604020202020204" pitchFamily="34" charset="0"/>
+                <a:ea typeface="微软雅黑" panose="020B0503020204020204" pitchFamily="34" charset="-122"/>
+              </a:defRPr>
+            </a:lvl6pPr>
+            <a:lvl7pPr marL="2971800" indent="-228600" defTabSz="1216025" eaLnBrk="0" fontAlgn="base" hangingPunct="0">
+              <a:spcBef>
+                <a:spcPct val="0"/>
+              </a:spcBef>
+              <a:spcAft>
+                <a:spcPct val="0"/>
+              </a:spcAft>
+              <a:buFont typeface="Arial" panose="020B0604020202020204" pitchFamily="34" charset="0"/>
+              <a:defRPr>
+                <a:solidFill>
+                  <a:schemeClr val="tx1"/>
+                </a:solidFill>
+                <a:latin typeface="Arial" panose="020B0604020202020204" pitchFamily="34" charset="0"/>
+                <a:ea typeface="微软雅黑" panose="020B0503020204020204" pitchFamily="34" charset="-122"/>
+              </a:defRPr>
+            </a:lvl7pPr>
+            <a:lvl8pPr marL="3429000" indent="-228600" defTabSz="1216025" eaLnBrk="0" fontAlgn="base" hangingPunct="0">
+              <a:spcBef>
+                <a:spcPct val="0"/>
+              </a:spcBef>
+              <a:spcAft>
+                <a:spcPct val="0"/>
+              </a:spcAft>
+              <a:buFont typeface="Arial" panose="020B0604020202020204" pitchFamily="34" charset="0"/>
+              <a:defRPr>
+                <a:solidFill>
+                  <a:schemeClr val="tx1"/>
+                </a:solidFill>
+                <a:latin typeface="Arial" panose="020B0604020202020204" pitchFamily="34" charset="0"/>
+                <a:ea typeface="微软雅黑" panose="020B0503020204020204" pitchFamily="34" charset="-122"/>
+              </a:defRPr>
+            </a:lvl8pPr>
+            <a:lvl9pPr marL="3886200" indent="-228600" defTabSz="1216025" eaLnBrk="0" fontAlgn="base" hangingPunct="0">
+              <a:spcBef>
+                <a:spcPct val="0"/>
+              </a:spcBef>
+              <a:spcAft>
+                <a:spcPct val="0"/>
+              </a:spcAft>
+              <a:buFont typeface="Arial" panose="020B0604020202020204" pitchFamily="34" charset="0"/>
+              <a:defRPr>
+                <a:solidFill>
+                  <a:schemeClr val="tx1"/>
+                </a:solidFill>
+                <a:latin typeface="Arial" panose="020B0604020202020204" pitchFamily="34" charset="0"/>
+                <a:ea typeface="微软雅黑" panose="020B0503020204020204" pitchFamily="34" charset="-122"/>
+              </a:defRPr>
+            </a:lvl9pPr>
+          </a:lstStyle>
+          <a:p>
+            <a:pPr marL="0" marR="0" lvl="0" indent="0" defTabSz="1216025" eaLnBrk="1" fontAlgn="auto" latinLnBrk="0" hangingPunct="1">
+              <a:lnSpc>
+                <a:spcPct val="100000"/>
+              </a:lnSpc>
+              <a:spcBef>
+                <a:spcPct val="20000"/>
+              </a:spcBef>
+              <a:spcAft>
+                <a:spcPts val="0"/>
+              </a:spcAft>
+              <a:buClrTx/>
+              <a:buSzTx/>
+              <a:buFont typeface="Arial" panose="020B0604020202020204" pitchFamily="34" charset="0"/>
+              <a:buNone/>
+              <a:tabLst/>
+              <a:defRPr/>
+            </a:pPr>
+            <a:r>
+              <a:rPr kumimoji="0" lang="zh-CN" altLang="en-US" sz="1200" b="0" i="0" u="none" strike="noStrike" kern="0" cap="none" spc="0" normalizeH="0" baseline="0" noProof="0" dirty="0" smtClean="0">
+                <a:ln>
+                  <a:noFill/>
+                </a:ln>
+                <a:solidFill>
+                  <a:srgbClr val="445469"/>
+                </a:solidFill>
+                <a:effectLst/>
+                <a:uLnTx/>
+                <a:uFillTx/>
+                <a:latin typeface="Arial" panose="020B0604020202020204" pitchFamily="34" charset="0"/>
+                <a:ea typeface="微软雅黑" panose="020B0503020204020204" pitchFamily="34" charset="-122"/>
+                <a:sym typeface="Arial" panose="020B0604020202020204" pitchFamily="34" charset="0"/>
+              </a:rPr>
+              <a:t>使用</a:t>
+            </a:r>
+            <a:r>
+              <a:rPr kumimoji="0" lang="en-US" altLang="zh-CN" sz="1200" b="0" i="0" u="none" strike="noStrike" kern="0" cap="none" spc="0" normalizeH="0" baseline="0" noProof="0" dirty="0" smtClean="0">
+                <a:ln>
+                  <a:noFill/>
+                </a:ln>
+                <a:solidFill>
+                  <a:srgbClr val="445469"/>
+                </a:solidFill>
+                <a:effectLst/>
+                <a:uLnTx/>
+                <a:uFillTx/>
+                <a:latin typeface="Arial" panose="020B0604020202020204" pitchFamily="34" charset="0"/>
+                <a:ea typeface="微软雅黑" panose="020B0503020204020204" pitchFamily="34" charset="-122"/>
+                <a:sym typeface="Arial" panose="020B0604020202020204" pitchFamily="34" charset="0"/>
+              </a:rPr>
+              <a:t>DTW-BDs</a:t>
+            </a:r>
+            <a:r>
+              <a:rPr kumimoji="0" lang="zh-CN" altLang="en-US" sz="1200" b="0" i="0" u="none" strike="noStrike" kern="0" cap="none" spc="0" normalizeH="0" baseline="0" noProof="0" dirty="0" smtClean="0">
+                <a:ln>
+                  <a:noFill/>
+                </a:ln>
+                <a:solidFill>
+                  <a:srgbClr val="445469"/>
+                </a:solidFill>
+                <a:effectLst/>
+                <a:uLnTx/>
+                <a:uFillTx/>
+                <a:latin typeface="Arial" panose="020B0604020202020204" pitchFamily="34" charset="0"/>
+                <a:ea typeface="微软雅黑" panose="020B0503020204020204" pitchFamily="34" charset="-122"/>
+                <a:sym typeface="Arial" panose="020B0604020202020204" pitchFamily="34" charset="0"/>
+              </a:rPr>
+              <a:t>对应点匹配算法找出数据轨迹上所有样本点在查询轨迹上的对应点</a:t>
+            </a:r>
+            <a:endParaRPr kumimoji="0" lang="en-US" altLang="zh-CN" sz="1200" b="0" i="0" u="none" strike="noStrike" kern="0" cap="none" spc="0" normalizeH="0" baseline="0" noProof="0" dirty="0">
+              <a:ln>
+                <a:noFill/>
+              </a:ln>
+              <a:solidFill>
+                <a:srgbClr val="445469"/>
+              </a:solidFill>
+              <a:effectLst/>
+              <a:uLnTx/>
+              <a:uFillTx/>
+              <a:latin typeface="Arial" panose="020B0604020202020204" pitchFamily="34" charset="0"/>
+              <a:ea typeface="微软雅黑" panose="020B0503020204020204" pitchFamily="34" charset="-122"/>
+              <a:sym typeface="Arial" panose="020B0604020202020204" pitchFamily="34" charset="0"/>
+            </a:endParaRPr>
+          </a:p>
+        </p:txBody>
+      </p:sp>
+      <p:sp>
+        <p:nvSpPr>
+          <p:cNvPr id="19" name="稻壳儿小白白(http://dwz.cn/Wu2UP)"/>
+          <p:cNvSpPr txBox="1">
+            <a:spLocks noChangeArrowheads="1"/>
+          </p:cNvSpPr>
+          <p:nvPr/>
+        </p:nvSpPr>
+        <p:spPr bwMode="auto">
+          <a:xfrm>
+            <a:off x="1759341" y="2610014"/>
+            <a:ext cx="1376363" cy="247650"/>
+          </a:xfrm>
+          <a:prstGeom prst="rect">
+            <a:avLst/>
+          </a:prstGeom>
+          <a:noFill/>
+          <a:ln>
+            <a:noFill/>
+          </a:ln>
+          <a:extLst>
+            <a:ext uri="{909E8E84-426E-40DD-AFC4-6F175D3DCCD1}">
+              <a14:hiddenFill xmlns:a14="http://schemas.microsoft.com/office/drawing/2010/main">
+                <a:solidFill>
+                  <a:srgbClr val="FFFFFF"/>
+                </a:solidFill>
+              </a14:hiddenFill>
+            </a:ext>
+            <a:ext uri="{91240B29-F687-4F45-9708-019B960494DF}">
+              <a14:hiddenLine xmlns:a14="http://schemas.microsoft.com/office/drawing/2010/main" w="9525">
+                <a:solidFill>
+                  <a:srgbClr val="000000"/>
+                </a:solidFill>
+                <a:miter lim="800000"/>
+                <a:headEnd/>
+                <a:tailEnd/>
+              </a14:hiddenLine>
+            </a:ext>
+          </a:extLst>
+        </p:spPr>
+        <p:txBody>
+          <a:bodyPr lIns="0" tIns="0" rIns="0" bIns="0">
+            <a:spAutoFit/>
+          </a:bodyPr>
+          <a:lstStyle>
+            <a:lvl1pPr defTabSz="1216025">
+              <a:buFont typeface="Arial" panose="020B0604020202020204" pitchFamily="34" charset="0"/>
+              <a:defRPr>
+                <a:solidFill>
+                  <a:schemeClr val="tx1"/>
+                </a:solidFill>
+                <a:latin typeface="Arial" panose="020B0604020202020204" pitchFamily="34" charset="0"/>
+                <a:ea typeface="微软雅黑" panose="020B0503020204020204" pitchFamily="34" charset="-122"/>
+              </a:defRPr>
+            </a:lvl1pPr>
+            <a:lvl2pPr marL="742950" indent="-285750" defTabSz="1216025">
+              <a:buFont typeface="Arial" panose="020B0604020202020204" pitchFamily="34" charset="0"/>
+              <a:defRPr>
+                <a:solidFill>
+                  <a:schemeClr val="tx1"/>
+                </a:solidFill>
+                <a:latin typeface="Arial" panose="020B0604020202020204" pitchFamily="34" charset="0"/>
+                <a:ea typeface="微软雅黑" panose="020B0503020204020204" pitchFamily="34" charset="-122"/>
+              </a:defRPr>
+            </a:lvl2pPr>
+            <a:lvl3pPr marL="1143000" indent="-228600" defTabSz="1216025">
+              <a:buFont typeface="Arial" panose="020B0604020202020204" pitchFamily="34" charset="0"/>
+              <a:defRPr>
+                <a:solidFill>
+                  <a:schemeClr val="tx1"/>
+                </a:solidFill>
+                <a:latin typeface="Arial" panose="020B0604020202020204" pitchFamily="34" charset="0"/>
+                <a:ea typeface="微软雅黑" panose="020B0503020204020204" pitchFamily="34" charset="-122"/>
+              </a:defRPr>
+            </a:lvl3pPr>
+            <a:lvl4pPr marL="1600200" indent="-228600" defTabSz="1216025">
+              <a:buFont typeface="Arial" panose="020B0604020202020204" pitchFamily="34" charset="0"/>
+              <a:defRPr>
+                <a:solidFill>
+                  <a:schemeClr val="tx1"/>
+                </a:solidFill>
+                <a:latin typeface="Arial" panose="020B0604020202020204" pitchFamily="34" charset="0"/>
+                <a:ea typeface="微软雅黑" panose="020B0503020204020204" pitchFamily="34" charset="-122"/>
+              </a:defRPr>
+            </a:lvl4pPr>
+            <a:lvl5pPr marL="2057400" indent="-228600" defTabSz="1216025">
+              <a:buFont typeface="Arial" panose="020B0604020202020204" pitchFamily="34" charset="0"/>
+              <a:defRPr>
+                <a:solidFill>
+                  <a:schemeClr val="tx1"/>
+                </a:solidFill>
+                <a:latin typeface="Arial" panose="020B0604020202020204" pitchFamily="34" charset="0"/>
+                <a:ea typeface="微软雅黑" panose="020B0503020204020204" pitchFamily="34" charset="-122"/>
+              </a:defRPr>
+            </a:lvl5pPr>
+            <a:lvl6pPr marL="2514600" indent="-228600" defTabSz="1216025" eaLnBrk="0" fontAlgn="base" hangingPunct="0">
+              <a:spcBef>
+                <a:spcPct val="0"/>
+              </a:spcBef>
+              <a:spcAft>
+                <a:spcPct val="0"/>
+              </a:spcAft>
+              <a:buFont typeface="Arial" panose="020B0604020202020204" pitchFamily="34" charset="0"/>
+              <a:defRPr>
+                <a:solidFill>
+                  <a:schemeClr val="tx1"/>
+                </a:solidFill>
+                <a:latin typeface="Arial" panose="020B0604020202020204" pitchFamily="34" charset="0"/>
+                <a:ea typeface="微软雅黑" panose="020B0503020204020204" pitchFamily="34" charset="-122"/>
+              </a:defRPr>
+            </a:lvl6pPr>
+            <a:lvl7pPr marL="2971800" indent="-228600" defTabSz="1216025" eaLnBrk="0" fontAlgn="base" hangingPunct="0">
+              <a:spcBef>
+                <a:spcPct val="0"/>
+              </a:spcBef>
+              <a:spcAft>
+                <a:spcPct val="0"/>
+              </a:spcAft>
+              <a:buFont typeface="Arial" panose="020B0604020202020204" pitchFamily="34" charset="0"/>
+              <a:defRPr>
+                <a:solidFill>
+                  <a:schemeClr val="tx1"/>
+                </a:solidFill>
+                <a:latin typeface="Arial" panose="020B0604020202020204" pitchFamily="34" charset="0"/>
+                <a:ea typeface="微软雅黑" panose="020B0503020204020204" pitchFamily="34" charset="-122"/>
+              </a:defRPr>
+            </a:lvl7pPr>
+            <a:lvl8pPr marL="3429000" indent="-228600" defTabSz="1216025" eaLnBrk="0" fontAlgn="base" hangingPunct="0">
+              <a:spcBef>
+                <a:spcPct val="0"/>
+              </a:spcBef>
+              <a:spcAft>
+                <a:spcPct val="0"/>
+              </a:spcAft>
+              <a:buFont typeface="Arial" panose="020B0604020202020204" pitchFamily="34" charset="0"/>
+              <a:defRPr>
+                <a:solidFill>
+                  <a:schemeClr val="tx1"/>
+                </a:solidFill>
+                <a:latin typeface="Arial" panose="020B0604020202020204" pitchFamily="34" charset="0"/>
+                <a:ea typeface="微软雅黑" panose="020B0503020204020204" pitchFamily="34" charset="-122"/>
+              </a:defRPr>
+            </a:lvl8pPr>
+            <a:lvl9pPr marL="3886200" indent="-228600" defTabSz="1216025" eaLnBrk="0" fontAlgn="base" hangingPunct="0">
+              <a:spcBef>
+                <a:spcPct val="0"/>
+              </a:spcBef>
+              <a:spcAft>
+                <a:spcPct val="0"/>
+              </a:spcAft>
+              <a:buFont typeface="Arial" panose="020B0604020202020204" pitchFamily="34" charset="0"/>
+              <a:defRPr>
+                <a:solidFill>
+                  <a:schemeClr val="tx1"/>
+                </a:solidFill>
+                <a:latin typeface="Arial" panose="020B0604020202020204" pitchFamily="34" charset="0"/>
+                <a:ea typeface="微软雅黑" panose="020B0503020204020204" pitchFamily="34" charset="-122"/>
+              </a:defRPr>
+            </a:lvl9pPr>
+          </a:lstStyle>
+          <a:p>
+            <a:pPr marL="0" marR="0" lvl="0" indent="0" defTabSz="1216025" eaLnBrk="1" fontAlgn="auto" latinLnBrk="0" hangingPunct="1">
+              <a:lnSpc>
+                <a:spcPct val="100000"/>
+              </a:lnSpc>
+              <a:spcBef>
+                <a:spcPct val="20000"/>
+              </a:spcBef>
+              <a:spcAft>
+                <a:spcPts val="0"/>
+              </a:spcAft>
+              <a:buClrTx/>
+              <a:buSzTx/>
+              <a:buFont typeface="Arial" panose="020B0604020202020204" pitchFamily="34" charset="0"/>
+              <a:buNone/>
+              <a:tabLst/>
+              <a:defRPr/>
+            </a:pPr>
+            <a:r>
+              <a:rPr lang="zh-CN" altLang="en-US" sz="1600" b="1" kern="0" noProof="0" dirty="0" smtClean="0">
+                <a:solidFill>
+                  <a:srgbClr val="445469"/>
+                </a:solidFill>
+                <a:sym typeface="Arial" panose="020B0604020202020204" pitchFamily="34" charset="0"/>
+              </a:rPr>
+              <a:t>有效子轨迹</a:t>
+            </a:r>
+            <a:endParaRPr kumimoji="0" lang="en-US" altLang="zh-CN" sz="1600" b="1" i="0" u="none" strike="noStrike" kern="0" cap="none" spc="0" normalizeH="0" baseline="0" noProof="0" dirty="0">
+              <a:ln>
+                <a:noFill/>
+              </a:ln>
+              <a:solidFill>
+                <a:srgbClr val="445469"/>
+              </a:solidFill>
+              <a:effectLst/>
+              <a:uLnTx/>
+              <a:uFillTx/>
+              <a:latin typeface="Arial" panose="020B0604020202020204" pitchFamily="34" charset="0"/>
+              <a:ea typeface="微软雅黑" panose="020B0503020204020204" pitchFamily="34" charset="-122"/>
+              <a:sym typeface="Arial" panose="020B0604020202020204" pitchFamily="34" charset="0"/>
+            </a:endParaRPr>
+          </a:p>
+        </p:txBody>
+      </p:sp>
+      <p:sp>
+        <p:nvSpPr>
+          <p:cNvPr id="20" name="稻壳儿小白白(http://dwz.cn/Wu2UP)"/>
+          <p:cNvSpPr txBox="1">
+            <a:spLocks noChangeArrowheads="1"/>
+          </p:cNvSpPr>
+          <p:nvPr/>
+        </p:nvSpPr>
+        <p:spPr bwMode="auto">
+          <a:xfrm>
+            <a:off x="1736066" y="2897351"/>
+            <a:ext cx="1538287" cy="738664"/>
+          </a:xfrm>
+          <a:prstGeom prst="rect">
+            <a:avLst/>
+          </a:prstGeom>
+          <a:noFill/>
+          <a:ln>
+            <a:noFill/>
+          </a:ln>
+          <a:extLst>
+            <a:ext uri="{909E8E84-426E-40DD-AFC4-6F175D3DCCD1}">
+              <a14:hiddenFill xmlns:a14="http://schemas.microsoft.com/office/drawing/2010/main">
+                <a:solidFill>
+                  <a:srgbClr val="FFFFFF"/>
+                </a:solidFill>
+              </a14:hiddenFill>
+            </a:ext>
+            <a:ext uri="{91240B29-F687-4F45-9708-019B960494DF}">
+              <a14:hiddenLine xmlns:a14="http://schemas.microsoft.com/office/drawing/2010/main" w="9525">
+                <a:solidFill>
+                  <a:srgbClr val="000000"/>
+                </a:solidFill>
+                <a:miter lim="800000"/>
+                <a:headEnd/>
+                <a:tailEnd/>
+              </a14:hiddenLine>
+            </a:ext>
+          </a:extLst>
+        </p:spPr>
+        <p:txBody>
+          <a:bodyPr lIns="0" tIns="0" rIns="0" bIns="0">
+            <a:spAutoFit/>
+          </a:bodyPr>
+          <a:lstStyle>
+            <a:lvl1pPr defTabSz="1216025">
+              <a:buFont typeface="Arial" panose="020B0604020202020204" pitchFamily="34" charset="0"/>
+              <a:defRPr>
+                <a:solidFill>
+                  <a:schemeClr val="tx1"/>
+                </a:solidFill>
+                <a:latin typeface="Arial" panose="020B0604020202020204" pitchFamily="34" charset="0"/>
+                <a:ea typeface="微软雅黑" panose="020B0503020204020204" pitchFamily="34" charset="-122"/>
+              </a:defRPr>
+            </a:lvl1pPr>
+            <a:lvl2pPr marL="742950" indent="-285750" defTabSz="1216025">
+              <a:buFont typeface="Arial" panose="020B0604020202020204" pitchFamily="34" charset="0"/>
+              <a:defRPr>
+                <a:solidFill>
+                  <a:schemeClr val="tx1"/>
+                </a:solidFill>
+                <a:latin typeface="Arial" panose="020B0604020202020204" pitchFamily="34" charset="0"/>
+                <a:ea typeface="微软雅黑" panose="020B0503020204020204" pitchFamily="34" charset="-122"/>
+              </a:defRPr>
+            </a:lvl2pPr>
+            <a:lvl3pPr marL="1143000" indent="-228600" defTabSz="1216025">
+              <a:buFont typeface="Arial" panose="020B0604020202020204" pitchFamily="34" charset="0"/>
+              <a:defRPr>
+                <a:solidFill>
+                  <a:schemeClr val="tx1"/>
+                </a:solidFill>
+                <a:latin typeface="Arial" panose="020B0604020202020204" pitchFamily="34" charset="0"/>
+                <a:ea typeface="微软雅黑" panose="020B0503020204020204" pitchFamily="34" charset="-122"/>
+              </a:defRPr>
+            </a:lvl3pPr>
+            <a:lvl4pPr marL="1600200" indent="-228600" defTabSz="1216025">
+              <a:buFont typeface="Arial" panose="020B0604020202020204" pitchFamily="34" charset="0"/>
+              <a:defRPr>
+                <a:solidFill>
+                  <a:schemeClr val="tx1"/>
+                </a:solidFill>
+                <a:latin typeface="Arial" panose="020B0604020202020204" pitchFamily="34" charset="0"/>
+                <a:ea typeface="微软雅黑" panose="020B0503020204020204" pitchFamily="34" charset="-122"/>
+              </a:defRPr>
+            </a:lvl4pPr>
+            <a:lvl5pPr marL="2057400" indent="-228600" defTabSz="1216025">
+              <a:buFont typeface="Arial" panose="020B0604020202020204" pitchFamily="34" charset="0"/>
+              <a:defRPr>
+                <a:solidFill>
+                  <a:schemeClr val="tx1"/>
+                </a:solidFill>
+                <a:latin typeface="Arial" panose="020B0604020202020204" pitchFamily="34" charset="0"/>
+                <a:ea typeface="微软雅黑" panose="020B0503020204020204" pitchFamily="34" charset="-122"/>
+              </a:defRPr>
+            </a:lvl5pPr>
+            <a:lvl6pPr marL="2514600" indent="-228600" defTabSz="1216025" eaLnBrk="0" fontAlgn="base" hangingPunct="0">
+              <a:spcBef>
+                <a:spcPct val="0"/>
+              </a:spcBef>
+              <a:spcAft>
+                <a:spcPct val="0"/>
+              </a:spcAft>
+              <a:buFont typeface="Arial" panose="020B0604020202020204" pitchFamily="34" charset="0"/>
+              <a:defRPr>
+                <a:solidFill>
+                  <a:schemeClr val="tx1"/>
+                </a:solidFill>
+                <a:latin typeface="Arial" panose="020B0604020202020204" pitchFamily="34" charset="0"/>
+                <a:ea typeface="微软雅黑" panose="020B0503020204020204" pitchFamily="34" charset="-122"/>
+              </a:defRPr>
+            </a:lvl6pPr>
+            <a:lvl7pPr marL="2971800" indent="-228600" defTabSz="1216025" eaLnBrk="0" fontAlgn="base" hangingPunct="0">
+              <a:spcBef>
+                <a:spcPct val="0"/>
+              </a:spcBef>
+              <a:spcAft>
+                <a:spcPct val="0"/>
+              </a:spcAft>
+              <a:buFont typeface="Arial" panose="020B0604020202020204" pitchFamily="34" charset="0"/>
+              <a:defRPr>
+                <a:solidFill>
+                  <a:schemeClr val="tx1"/>
+                </a:solidFill>
+                <a:latin typeface="Arial" panose="020B0604020202020204" pitchFamily="34" charset="0"/>
+                <a:ea typeface="微软雅黑" panose="020B0503020204020204" pitchFamily="34" charset="-122"/>
+              </a:defRPr>
+            </a:lvl7pPr>
+            <a:lvl8pPr marL="3429000" indent="-228600" defTabSz="1216025" eaLnBrk="0" fontAlgn="base" hangingPunct="0">
+              <a:spcBef>
+                <a:spcPct val="0"/>
+              </a:spcBef>
+              <a:spcAft>
+                <a:spcPct val="0"/>
+              </a:spcAft>
+              <a:buFont typeface="Arial" panose="020B0604020202020204" pitchFamily="34" charset="0"/>
+              <a:defRPr>
+                <a:solidFill>
+                  <a:schemeClr val="tx1"/>
+                </a:solidFill>
+                <a:latin typeface="Arial" panose="020B0604020202020204" pitchFamily="34" charset="0"/>
+                <a:ea typeface="微软雅黑" panose="020B0503020204020204" pitchFamily="34" charset="-122"/>
+              </a:defRPr>
+            </a:lvl8pPr>
+            <a:lvl9pPr marL="3886200" indent="-228600" defTabSz="1216025" eaLnBrk="0" fontAlgn="base" hangingPunct="0">
+              <a:spcBef>
+                <a:spcPct val="0"/>
+              </a:spcBef>
+              <a:spcAft>
+                <a:spcPct val="0"/>
+              </a:spcAft>
+              <a:buFont typeface="Arial" panose="020B0604020202020204" pitchFamily="34" charset="0"/>
+              <a:defRPr>
+                <a:solidFill>
+                  <a:schemeClr val="tx1"/>
+                </a:solidFill>
+                <a:latin typeface="Arial" panose="020B0604020202020204" pitchFamily="34" charset="0"/>
+                <a:ea typeface="微软雅黑" panose="020B0503020204020204" pitchFamily="34" charset="-122"/>
+              </a:defRPr>
+            </a:lvl9pPr>
+          </a:lstStyle>
+          <a:p>
+            <a:pPr lvl="0">
+              <a:spcBef>
+                <a:spcPct val="20000"/>
+              </a:spcBef>
+              <a:defRPr/>
+            </a:pPr>
+            <a:r>
+              <a:rPr kumimoji="0" lang="zh-CN" altLang="en-US" sz="1200" b="0" i="0" u="none" strike="noStrike" kern="0" cap="none" spc="0" normalizeH="0" baseline="0" noProof="0" dirty="0" smtClean="0">
+                <a:ln>
+                  <a:noFill/>
+                </a:ln>
+                <a:solidFill>
+                  <a:srgbClr val="445469"/>
+                </a:solidFill>
+                <a:effectLst/>
+                <a:uLnTx/>
+                <a:uFillTx/>
+                <a:latin typeface="Arial" panose="020B0604020202020204" pitchFamily="34" charset="0"/>
+                <a:ea typeface="微软雅黑" panose="020B0503020204020204" pitchFamily="34" charset="-122"/>
+                <a:sym typeface="Arial" panose="020B0604020202020204" pitchFamily="34" charset="0"/>
+              </a:rPr>
+              <a:t>根据</a:t>
+            </a:r>
+            <a:r>
+              <a:rPr kumimoji="0" lang="en-US" altLang="zh-CN" sz="1200" b="0" i="0" u="none" strike="noStrike" kern="0" cap="none" spc="0" normalizeH="0" baseline="0" noProof="0" dirty="0" smtClean="0">
+                <a:ln>
+                  <a:noFill/>
+                </a:ln>
+                <a:solidFill>
+                  <a:srgbClr val="445469"/>
+                </a:solidFill>
+                <a:effectLst/>
+                <a:uLnTx/>
+                <a:uFillTx/>
+                <a:latin typeface="Arial" panose="020B0604020202020204" pitchFamily="34" charset="0"/>
+                <a:ea typeface="微软雅黑" panose="020B0503020204020204" pitchFamily="34" charset="-122"/>
+                <a:sym typeface="Arial" panose="020B0604020202020204" pitchFamily="34" charset="0"/>
+              </a:rPr>
+              <a:t>DTW-BDS</a:t>
+            </a:r>
+            <a:r>
+              <a:rPr kumimoji="0" lang="zh-CN" altLang="en-US" sz="1200" b="0" i="0" u="none" strike="noStrike" kern="0" cap="none" spc="0" normalizeH="0" baseline="0" noProof="0" dirty="0" smtClean="0">
+                <a:ln>
+                  <a:noFill/>
+                </a:ln>
+                <a:solidFill>
+                  <a:srgbClr val="445469"/>
+                </a:solidFill>
+                <a:effectLst/>
+                <a:uLnTx/>
+                <a:uFillTx/>
+                <a:latin typeface="Arial" panose="020B0604020202020204" pitchFamily="34" charset="0"/>
+                <a:ea typeface="微软雅黑" panose="020B0503020204020204" pitchFamily="34" charset="-122"/>
+                <a:sym typeface="Arial" panose="020B0604020202020204" pitchFamily="34" charset="0"/>
+              </a:rPr>
+              <a:t>匹配结果，以及长度比率的限制，确定数据轨迹中的有效子轨迹</a:t>
+            </a:r>
+            <a:endParaRPr kumimoji="0" lang="en-US" altLang="zh-CN" sz="1200" b="0" i="0" u="none" strike="noStrike" kern="0" cap="none" spc="0" normalizeH="0" baseline="0" noProof="0" dirty="0">
+              <a:ln>
+                <a:noFill/>
+              </a:ln>
+              <a:solidFill>
+                <a:srgbClr val="445469"/>
+              </a:solidFill>
+              <a:effectLst/>
+              <a:uLnTx/>
+              <a:uFillTx/>
+              <a:latin typeface="Arial" panose="020B0604020202020204" pitchFamily="34" charset="0"/>
+              <a:ea typeface="微软雅黑" panose="020B0503020204020204" pitchFamily="34" charset="-122"/>
+              <a:sym typeface="Arial" panose="020B0604020202020204" pitchFamily="34" charset="0"/>
+            </a:endParaRPr>
+          </a:p>
+        </p:txBody>
+      </p:sp>
+      <p:sp>
+        <p:nvSpPr>
+          <p:cNvPr id="21" name="稻壳儿小白白(http://dwz.cn/Wu2UP)"/>
+          <p:cNvSpPr txBox="1">
+            <a:spLocks noChangeArrowheads="1"/>
+          </p:cNvSpPr>
+          <p:nvPr/>
+        </p:nvSpPr>
+        <p:spPr bwMode="auto">
+          <a:xfrm>
+            <a:off x="6138202" y="3800639"/>
+            <a:ext cx="1376363" cy="246221"/>
+          </a:xfrm>
+          <a:prstGeom prst="rect">
+            <a:avLst/>
+          </a:prstGeom>
+          <a:noFill/>
+          <a:ln>
+            <a:noFill/>
+          </a:ln>
+          <a:extLst>
+            <a:ext uri="{909E8E84-426E-40DD-AFC4-6F175D3DCCD1}">
+              <a14:hiddenFill xmlns:a14="http://schemas.microsoft.com/office/drawing/2010/main">
+                <a:solidFill>
+                  <a:srgbClr val="FFFFFF"/>
+                </a:solidFill>
+              </a14:hiddenFill>
+            </a:ext>
+            <a:ext uri="{91240B29-F687-4F45-9708-019B960494DF}">
+              <a14:hiddenLine xmlns:a14="http://schemas.microsoft.com/office/drawing/2010/main" w="9525">
+                <a:solidFill>
+                  <a:srgbClr val="000000"/>
+                </a:solidFill>
+                <a:miter lim="800000"/>
+                <a:headEnd/>
+                <a:tailEnd/>
+              </a14:hiddenLine>
+            </a:ext>
+          </a:extLst>
+        </p:spPr>
+        <p:txBody>
+          <a:bodyPr lIns="0" tIns="0" rIns="0" bIns="0">
+            <a:spAutoFit/>
+          </a:bodyPr>
+          <a:lstStyle>
+            <a:lvl1pPr defTabSz="1216025">
+              <a:buFont typeface="Arial" panose="020B0604020202020204" pitchFamily="34" charset="0"/>
+              <a:defRPr>
+                <a:solidFill>
+                  <a:schemeClr val="tx1"/>
+                </a:solidFill>
+                <a:latin typeface="Arial" panose="020B0604020202020204" pitchFamily="34" charset="0"/>
+                <a:ea typeface="微软雅黑" panose="020B0503020204020204" pitchFamily="34" charset="-122"/>
+              </a:defRPr>
+            </a:lvl1pPr>
+            <a:lvl2pPr marL="742950" indent="-285750" defTabSz="1216025">
+              <a:buFont typeface="Arial" panose="020B0604020202020204" pitchFamily="34" charset="0"/>
+              <a:defRPr>
+                <a:solidFill>
+                  <a:schemeClr val="tx1"/>
+                </a:solidFill>
+                <a:latin typeface="Arial" panose="020B0604020202020204" pitchFamily="34" charset="0"/>
+                <a:ea typeface="微软雅黑" panose="020B0503020204020204" pitchFamily="34" charset="-122"/>
+              </a:defRPr>
+            </a:lvl2pPr>
+            <a:lvl3pPr marL="1143000" indent="-228600" defTabSz="1216025">
+              <a:buFont typeface="Arial" panose="020B0604020202020204" pitchFamily="34" charset="0"/>
+              <a:defRPr>
+                <a:solidFill>
+                  <a:schemeClr val="tx1"/>
+                </a:solidFill>
+                <a:latin typeface="Arial" panose="020B0604020202020204" pitchFamily="34" charset="0"/>
+                <a:ea typeface="微软雅黑" panose="020B0503020204020204" pitchFamily="34" charset="-122"/>
+              </a:defRPr>
+            </a:lvl3pPr>
+            <a:lvl4pPr marL="1600200" indent="-228600" defTabSz="1216025">
+              <a:buFont typeface="Arial" panose="020B0604020202020204" pitchFamily="34" charset="0"/>
+              <a:defRPr>
+                <a:solidFill>
+                  <a:schemeClr val="tx1"/>
+                </a:solidFill>
+                <a:latin typeface="Arial" panose="020B0604020202020204" pitchFamily="34" charset="0"/>
+                <a:ea typeface="微软雅黑" panose="020B0503020204020204" pitchFamily="34" charset="-122"/>
+              </a:defRPr>
+            </a:lvl4pPr>
+            <a:lvl5pPr marL="2057400" indent="-228600" defTabSz="1216025">
+              <a:buFont typeface="Arial" panose="020B0604020202020204" pitchFamily="34" charset="0"/>
+              <a:defRPr>
+                <a:solidFill>
+                  <a:schemeClr val="tx1"/>
+                </a:solidFill>
+                <a:latin typeface="Arial" panose="020B0604020202020204" pitchFamily="34" charset="0"/>
+                <a:ea typeface="微软雅黑" panose="020B0503020204020204" pitchFamily="34" charset="-122"/>
+              </a:defRPr>
+            </a:lvl5pPr>
+            <a:lvl6pPr marL="2514600" indent="-228600" defTabSz="1216025" eaLnBrk="0" fontAlgn="base" hangingPunct="0">
+              <a:spcBef>
+                <a:spcPct val="0"/>
+              </a:spcBef>
+              <a:spcAft>
+                <a:spcPct val="0"/>
+              </a:spcAft>
+              <a:buFont typeface="Arial" panose="020B0604020202020204" pitchFamily="34" charset="0"/>
+              <a:defRPr>
+                <a:solidFill>
+                  <a:schemeClr val="tx1"/>
+                </a:solidFill>
+                <a:latin typeface="Arial" panose="020B0604020202020204" pitchFamily="34" charset="0"/>
+                <a:ea typeface="微软雅黑" panose="020B0503020204020204" pitchFamily="34" charset="-122"/>
+              </a:defRPr>
+            </a:lvl6pPr>
+            <a:lvl7pPr marL="2971800" indent="-228600" defTabSz="1216025" eaLnBrk="0" fontAlgn="base" hangingPunct="0">
+              <a:spcBef>
+                <a:spcPct val="0"/>
+              </a:spcBef>
+              <a:spcAft>
+                <a:spcPct val="0"/>
+              </a:spcAft>
+              <a:buFont typeface="Arial" panose="020B0604020202020204" pitchFamily="34" charset="0"/>
+              <a:defRPr>
+                <a:solidFill>
+                  <a:schemeClr val="tx1"/>
+                </a:solidFill>
+                <a:latin typeface="Arial" panose="020B0604020202020204" pitchFamily="34" charset="0"/>
+                <a:ea typeface="微软雅黑" panose="020B0503020204020204" pitchFamily="34" charset="-122"/>
+              </a:defRPr>
+            </a:lvl7pPr>
+            <a:lvl8pPr marL="3429000" indent="-228600" defTabSz="1216025" eaLnBrk="0" fontAlgn="base" hangingPunct="0">
+              <a:spcBef>
+                <a:spcPct val="0"/>
+              </a:spcBef>
+              <a:spcAft>
+                <a:spcPct val="0"/>
+              </a:spcAft>
+              <a:buFont typeface="Arial" panose="020B0604020202020204" pitchFamily="34" charset="0"/>
+              <a:defRPr>
+                <a:solidFill>
+                  <a:schemeClr val="tx1"/>
+                </a:solidFill>
+                <a:latin typeface="Arial" panose="020B0604020202020204" pitchFamily="34" charset="0"/>
+                <a:ea typeface="微软雅黑" panose="020B0503020204020204" pitchFamily="34" charset="-122"/>
+              </a:defRPr>
+            </a:lvl8pPr>
+            <a:lvl9pPr marL="3886200" indent="-228600" defTabSz="1216025" eaLnBrk="0" fontAlgn="base" hangingPunct="0">
+              <a:spcBef>
+                <a:spcPct val="0"/>
+              </a:spcBef>
+              <a:spcAft>
+                <a:spcPct val="0"/>
+              </a:spcAft>
+              <a:buFont typeface="Arial" panose="020B0604020202020204" pitchFamily="34" charset="0"/>
+              <a:defRPr>
+                <a:solidFill>
+                  <a:schemeClr val="tx1"/>
+                </a:solidFill>
+                <a:latin typeface="Arial" panose="020B0604020202020204" pitchFamily="34" charset="0"/>
+                <a:ea typeface="微软雅黑" panose="020B0503020204020204" pitchFamily="34" charset="-122"/>
+              </a:defRPr>
+            </a:lvl9pPr>
+          </a:lstStyle>
+          <a:p>
+            <a:pPr marL="0" marR="0" lvl="0" indent="0" defTabSz="1216025" eaLnBrk="1" fontAlgn="auto" latinLnBrk="0" hangingPunct="1">
+              <a:lnSpc>
+                <a:spcPct val="100000"/>
+              </a:lnSpc>
+              <a:spcBef>
+                <a:spcPct val="20000"/>
+              </a:spcBef>
+              <a:spcAft>
+                <a:spcPts val="0"/>
+              </a:spcAft>
+              <a:buClrTx/>
+              <a:buSzTx/>
+              <a:buFont typeface="Arial" panose="020B0604020202020204" pitchFamily="34" charset="0"/>
+              <a:buNone/>
+              <a:tabLst/>
+              <a:defRPr/>
+            </a:pPr>
+            <a:r>
+              <a:rPr kumimoji="0" lang="zh-CN" altLang="en-US" sz="1600" b="1" i="0" u="none" strike="noStrike" kern="0" cap="none" spc="0" normalizeH="0" baseline="0" noProof="0" dirty="0" smtClean="0">
+                <a:ln>
+                  <a:noFill/>
+                </a:ln>
+                <a:solidFill>
+                  <a:srgbClr val="445469"/>
+                </a:solidFill>
+                <a:effectLst/>
+                <a:uLnTx/>
+                <a:uFillTx/>
+                <a:latin typeface="Arial" panose="020B0604020202020204" pitchFamily="34" charset="0"/>
+                <a:ea typeface="微软雅黑" panose="020B0503020204020204" pitchFamily="34" charset="-122"/>
+                <a:sym typeface="Arial" panose="020B0604020202020204" pitchFamily="34" charset="0"/>
+              </a:rPr>
+              <a:t>轨迹段距离</a:t>
+            </a:r>
+            <a:endParaRPr kumimoji="0" lang="en-US" altLang="zh-CN" sz="1600" b="1" i="0" u="none" strike="noStrike" kern="0" cap="none" spc="0" normalizeH="0" baseline="0" noProof="0" dirty="0">
+              <a:ln>
+                <a:noFill/>
+              </a:ln>
+              <a:solidFill>
+                <a:srgbClr val="445469"/>
+              </a:solidFill>
+              <a:effectLst/>
+              <a:uLnTx/>
+              <a:uFillTx/>
+              <a:latin typeface="Arial" panose="020B0604020202020204" pitchFamily="34" charset="0"/>
+              <a:ea typeface="微软雅黑" panose="020B0503020204020204" pitchFamily="34" charset="-122"/>
+              <a:sym typeface="Arial" panose="020B0604020202020204" pitchFamily="34" charset="0"/>
+            </a:endParaRPr>
+          </a:p>
+        </p:txBody>
+      </p:sp>
+      <p:sp>
+        <p:nvSpPr>
+          <p:cNvPr id="22" name="稻壳儿小白白(http://dwz.cn/Wu2UP)"/>
+          <p:cNvSpPr txBox="1">
+            <a:spLocks noChangeArrowheads="1"/>
+          </p:cNvSpPr>
+          <p:nvPr/>
+        </p:nvSpPr>
+        <p:spPr bwMode="auto">
+          <a:xfrm>
+            <a:off x="6138203" y="4086389"/>
+            <a:ext cx="1536700" cy="738664"/>
+          </a:xfrm>
+          <a:prstGeom prst="rect">
+            <a:avLst/>
+          </a:prstGeom>
+          <a:noFill/>
+          <a:ln>
+            <a:noFill/>
+          </a:ln>
+          <a:extLst>
+            <a:ext uri="{909E8E84-426E-40DD-AFC4-6F175D3DCCD1}">
+              <a14:hiddenFill xmlns:a14="http://schemas.microsoft.com/office/drawing/2010/main">
+                <a:solidFill>
+                  <a:srgbClr val="FFFFFF"/>
+                </a:solidFill>
+              </a14:hiddenFill>
+            </a:ext>
+            <a:ext uri="{91240B29-F687-4F45-9708-019B960494DF}">
+              <a14:hiddenLine xmlns:a14="http://schemas.microsoft.com/office/drawing/2010/main" w="9525">
+                <a:solidFill>
+                  <a:srgbClr val="000000"/>
+                </a:solidFill>
+                <a:miter lim="800000"/>
+                <a:headEnd/>
+                <a:tailEnd/>
+              </a14:hiddenLine>
+            </a:ext>
+          </a:extLst>
+        </p:spPr>
+        <p:txBody>
+          <a:bodyPr lIns="0" tIns="0" rIns="0" bIns="0">
+            <a:spAutoFit/>
+          </a:bodyPr>
+          <a:lstStyle>
+            <a:lvl1pPr defTabSz="1216025">
+              <a:buFont typeface="Arial" panose="020B0604020202020204" pitchFamily="34" charset="0"/>
+              <a:defRPr>
+                <a:solidFill>
+                  <a:schemeClr val="tx1"/>
+                </a:solidFill>
+                <a:latin typeface="Arial" panose="020B0604020202020204" pitchFamily="34" charset="0"/>
+                <a:ea typeface="微软雅黑" panose="020B0503020204020204" pitchFamily="34" charset="-122"/>
+              </a:defRPr>
+            </a:lvl1pPr>
+            <a:lvl2pPr marL="742950" indent="-285750" defTabSz="1216025">
+              <a:buFont typeface="Arial" panose="020B0604020202020204" pitchFamily="34" charset="0"/>
+              <a:defRPr>
+                <a:solidFill>
+                  <a:schemeClr val="tx1"/>
+                </a:solidFill>
+                <a:latin typeface="Arial" panose="020B0604020202020204" pitchFamily="34" charset="0"/>
+                <a:ea typeface="微软雅黑" panose="020B0503020204020204" pitchFamily="34" charset="-122"/>
+              </a:defRPr>
+            </a:lvl2pPr>
+            <a:lvl3pPr marL="1143000" indent="-228600" defTabSz="1216025">
+              <a:buFont typeface="Arial" panose="020B0604020202020204" pitchFamily="34" charset="0"/>
+              <a:defRPr>
+                <a:solidFill>
+                  <a:schemeClr val="tx1"/>
+                </a:solidFill>
+                <a:latin typeface="Arial" panose="020B0604020202020204" pitchFamily="34" charset="0"/>
+                <a:ea typeface="微软雅黑" panose="020B0503020204020204" pitchFamily="34" charset="-122"/>
+              </a:defRPr>
+            </a:lvl3pPr>
+            <a:lvl4pPr marL="1600200" indent="-228600" defTabSz="1216025">
+              <a:buFont typeface="Arial" panose="020B0604020202020204" pitchFamily="34" charset="0"/>
+              <a:defRPr>
+                <a:solidFill>
+                  <a:schemeClr val="tx1"/>
+                </a:solidFill>
+                <a:latin typeface="Arial" panose="020B0604020202020204" pitchFamily="34" charset="0"/>
+                <a:ea typeface="微软雅黑" panose="020B0503020204020204" pitchFamily="34" charset="-122"/>
+              </a:defRPr>
+            </a:lvl4pPr>
+            <a:lvl5pPr marL="2057400" indent="-228600" defTabSz="1216025">
+              <a:buFont typeface="Arial" panose="020B0604020202020204" pitchFamily="34" charset="0"/>
+              <a:defRPr>
+                <a:solidFill>
+                  <a:schemeClr val="tx1"/>
+                </a:solidFill>
+                <a:latin typeface="Arial" panose="020B0604020202020204" pitchFamily="34" charset="0"/>
+                <a:ea typeface="微软雅黑" panose="020B0503020204020204" pitchFamily="34" charset="-122"/>
+              </a:defRPr>
+            </a:lvl5pPr>
+            <a:lvl6pPr marL="2514600" indent="-228600" defTabSz="1216025" eaLnBrk="0" fontAlgn="base" hangingPunct="0">
+              <a:spcBef>
+                <a:spcPct val="0"/>
+              </a:spcBef>
+              <a:spcAft>
+                <a:spcPct val="0"/>
+              </a:spcAft>
+              <a:buFont typeface="Arial" panose="020B0604020202020204" pitchFamily="34" charset="0"/>
+              <a:defRPr>
+                <a:solidFill>
+                  <a:schemeClr val="tx1"/>
+                </a:solidFill>
+                <a:latin typeface="Arial" panose="020B0604020202020204" pitchFamily="34" charset="0"/>
+                <a:ea typeface="微软雅黑" panose="020B0503020204020204" pitchFamily="34" charset="-122"/>
+              </a:defRPr>
+            </a:lvl6pPr>
+            <a:lvl7pPr marL="2971800" indent="-228600" defTabSz="1216025" eaLnBrk="0" fontAlgn="base" hangingPunct="0">
+              <a:spcBef>
+                <a:spcPct val="0"/>
+              </a:spcBef>
+              <a:spcAft>
+                <a:spcPct val="0"/>
+              </a:spcAft>
+              <a:buFont typeface="Arial" panose="020B0604020202020204" pitchFamily="34" charset="0"/>
+              <a:defRPr>
+                <a:solidFill>
+                  <a:schemeClr val="tx1"/>
+                </a:solidFill>
+                <a:latin typeface="Arial" panose="020B0604020202020204" pitchFamily="34" charset="0"/>
+                <a:ea typeface="微软雅黑" panose="020B0503020204020204" pitchFamily="34" charset="-122"/>
+              </a:defRPr>
+            </a:lvl7pPr>
+            <a:lvl8pPr marL="3429000" indent="-228600" defTabSz="1216025" eaLnBrk="0" fontAlgn="base" hangingPunct="0">
+              <a:spcBef>
+                <a:spcPct val="0"/>
+              </a:spcBef>
+              <a:spcAft>
+                <a:spcPct val="0"/>
+              </a:spcAft>
+              <a:buFont typeface="Arial" panose="020B0604020202020204" pitchFamily="34" charset="0"/>
+              <a:defRPr>
+                <a:solidFill>
+                  <a:schemeClr val="tx1"/>
+                </a:solidFill>
+                <a:latin typeface="Arial" panose="020B0604020202020204" pitchFamily="34" charset="0"/>
+                <a:ea typeface="微软雅黑" panose="020B0503020204020204" pitchFamily="34" charset="-122"/>
+              </a:defRPr>
+            </a:lvl8pPr>
+            <a:lvl9pPr marL="3886200" indent="-228600" defTabSz="1216025" eaLnBrk="0" fontAlgn="base" hangingPunct="0">
+              <a:spcBef>
+                <a:spcPct val="0"/>
+              </a:spcBef>
+              <a:spcAft>
+                <a:spcPct val="0"/>
+              </a:spcAft>
+              <a:buFont typeface="Arial" panose="020B0604020202020204" pitchFamily="34" charset="0"/>
+              <a:defRPr>
+                <a:solidFill>
+                  <a:schemeClr val="tx1"/>
+                </a:solidFill>
+                <a:latin typeface="Arial" panose="020B0604020202020204" pitchFamily="34" charset="0"/>
+                <a:ea typeface="微软雅黑" panose="020B0503020204020204" pitchFamily="34" charset="-122"/>
+              </a:defRPr>
+            </a:lvl9pPr>
+          </a:lstStyle>
+          <a:p>
+            <a:pPr marL="0" marR="0" lvl="0" indent="0" defTabSz="1216025" eaLnBrk="1" fontAlgn="auto" latinLnBrk="0" hangingPunct="1">
+              <a:lnSpc>
+                <a:spcPct val="100000"/>
+              </a:lnSpc>
+              <a:spcBef>
+                <a:spcPct val="20000"/>
+              </a:spcBef>
+              <a:spcAft>
+                <a:spcPts val="0"/>
+              </a:spcAft>
+              <a:buClrTx/>
+              <a:buSzTx/>
+              <a:buFont typeface="Arial" panose="020B0604020202020204" pitchFamily="34" charset="0"/>
+              <a:buNone/>
+              <a:tabLst/>
+              <a:defRPr/>
+            </a:pPr>
+            <a:r>
+              <a:rPr lang="zh-CN" altLang="en-US" sz="1200" kern="0" dirty="0">
+                <a:solidFill>
+                  <a:srgbClr val="445469"/>
+                </a:solidFill>
+                <a:sym typeface="Arial" panose="020B0604020202020204" pitchFamily="34" charset="0"/>
+              </a:rPr>
+              <a:t>划分</a:t>
+            </a:r>
+            <a:r>
+              <a:rPr kumimoji="0" lang="zh-CN" altLang="en-US" sz="1200" b="0" i="0" u="none" strike="noStrike" kern="0" cap="none" spc="0" normalizeH="0" baseline="0" noProof="0" dirty="0" smtClean="0">
+                <a:ln>
+                  <a:noFill/>
+                </a:ln>
+                <a:solidFill>
+                  <a:srgbClr val="445469"/>
+                </a:solidFill>
+                <a:effectLst/>
+                <a:uLnTx/>
+                <a:uFillTx/>
+                <a:latin typeface="Arial" panose="020B0604020202020204" pitchFamily="34" charset="0"/>
+                <a:ea typeface="微软雅黑" panose="020B0503020204020204" pitchFamily="34" charset="-122"/>
+                <a:sym typeface="Arial" panose="020B0604020202020204" pitchFamily="34" charset="0"/>
+              </a:rPr>
+              <a:t>断点，计算轨迹时空距离和轨迹形状相似性因子，得到有效子轨迹中所有轨迹段距离</a:t>
+            </a:r>
+            <a:endParaRPr kumimoji="0" lang="en-US" altLang="zh-CN" sz="1200" b="0" i="0" u="none" strike="noStrike" kern="0" cap="none" spc="0" normalizeH="0" baseline="0" noProof="0" dirty="0">
+              <a:ln>
+                <a:noFill/>
+              </a:ln>
+              <a:solidFill>
+                <a:srgbClr val="445469"/>
+              </a:solidFill>
+              <a:effectLst/>
+              <a:uLnTx/>
+              <a:uFillTx/>
+              <a:latin typeface="Arial" panose="020B0604020202020204" pitchFamily="34" charset="0"/>
+              <a:ea typeface="微软雅黑" panose="020B0503020204020204" pitchFamily="34" charset="-122"/>
+              <a:sym typeface="Arial" panose="020B0604020202020204" pitchFamily="34" charset="0"/>
+            </a:endParaRPr>
+          </a:p>
+        </p:txBody>
+      </p:sp>
+      <p:sp>
+        <p:nvSpPr>
+          <p:cNvPr id="23" name="稻壳儿小白白(http://dwz.cn/Wu2UP)"/>
+          <p:cNvSpPr txBox="1">
+            <a:spLocks noChangeArrowheads="1"/>
+          </p:cNvSpPr>
+          <p:nvPr/>
+        </p:nvSpPr>
+        <p:spPr bwMode="auto">
+          <a:xfrm>
+            <a:off x="10018053" y="4046703"/>
+            <a:ext cx="1377951" cy="246063"/>
+          </a:xfrm>
+          <a:prstGeom prst="rect">
+            <a:avLst/>
+          </a:prstGeom>
+          <a:noFill/>
+          <a:ln>
+            <a:noFill/>
+          </a:ln>
+          <a:extLst>
+            <a:ext uri="{909E8E84-426E-40DD-AFC4-6F175D3DCCD1}">
+              <a14:hiddenFill xmlns:a14="http://schemas.microsoft.com/office/drawing/2010/main">
+                <a:solidFill>
+                  <a:srgbClr val="FFFFFF"/>
+                </a:solidFill>
+              </a14:hiddenFill>
+            </a:ext>
+            <a:ext uri="{91240B29-F687-4F45-9708-019B960494DF}">
+              <a14:hiddenLine xmlns:a14="http://schemas.microsoft.com/office/drawing/2010/main" w="9525">
+                <a:solidFill>
+                  <a:srgbClr val="000000"/>
+                </a:solidFill>
+                <a:miter lim="800000"/>
+                <a:headEnd/>
+                <a:tailEnd/>
+              </a14:hiddenLine>
+            </a:ext>
+          </a:extLst>
+        </p:spPr>
+        <p:txBody>
+          <a:bodyPr lIns="0" tIns="0" rIns="0" bIns="0">
+            <a:spAutoFit/>
+          </a:bodyPr>
+          <a:lstStyle>
+            <a:lvl1pPr defTabSz="1216025">
+              <a:buFont typeface="Arial" panose="020B0604020202020204" pitchFamily="34" charset="0"/>
+              <a:defRPr>
+                <a:solidFill>
+                  <a:schemeClr val="tx1"/>
+                </a:solidFill>
+                <a:latin typeface="Arial" panose="020B0604020202020204" pitchFamily="34" charset="0"/>
+                <a:ea typeface="微软雅黑" panose="020B0503020204020204" pitchFamily="34" charset="-122"/>
+              </a:defRPr>
+            </a:lvl1pPr>
+            <a:lvl2pPr marL="742950" indent="-285750" defTabSz="1216025">
+              <a:buFont typeface="Arial" panose="020B0604020202020204" pitchFamily="34" charset="0"/>
+              <a:defRPr>
+                <a:solidFill>
+                  <a:schemeClr val="tx1"/>
+                </a:solidFill>
+                <a:latin typeface="Arial" panose="020B0604020202020204" pitchFamily="34" charset="0"/>
+                <a:ea typeface="微软雅黑" panose="020B0503020204020204" pitchFamily="34" charset="-122"/>
+              </a:defRPr>
+            </a:lvl2pPr>
+            <a:lvl3pPr marL="1143000" indent="-228600" defTabSz="1216025">
+              <a:buFont typeface="Arial" panose="020B0604020202020204" pitchFamily="34" charset="0"/>
+              <a:defRPr>
+                <a:solidFill>
+                  <a:schemeClr val="tx1"/>
+                </a:solidFill>
+                <a:latin typeface="Arial" panose="020B0604020202020204" pitchFamily="34" charset="0"/>
+                <a:ea typeface="微软雅黑" panose="020B0503020204020204" pitchFamily="34" charset="-122"/>
+              </a:defRPr>
+            </a:lvl3pPr>
+            <a:lvl4pPr marL="1600200" indent="-228600" defTabSz="1216025">
+              <a:buFont typeface="Arial" panose="020B0604020202020204" pitchFamily="34" charset="0"/>
+              <a:defRPr>
+                <a:solidFill>
+                  <a:schemeClr val="tx1"/>
+                </a:solidFill>
+                <a:latin typeface="Arial" panose="020B0604020202020204" pitchFamily="34" charset="0"/>
+                <a:ea typeface="微软雅黑" panose="020B0503020204020204" pitchFamily="34" charset="-122"/>
+              </a:defRPr>
+            </a:lvl4pPr>
+            <a:lvl5pPr marL="2057400" indent="-228600" defTabSz="1216025">
+              <a:buFont typeface="Arial" panose="020B0604020202020204" pitchFamily="34" charset="0"/>
+              <a:defRPr>
+                <a:solidFill>
+                  <a:schemeClr val="tx1"/>
+                </a:solidFill>
+                <a:latin typeface="Arial" panose="020B0604020202020204" pitchFamily="34" charset="0"/>
+                <a:ea typeface="微软雅黑" panose="020B0503020204020204" pitchFamily="34" charset="-122"/>
+              </a:defRPr>
+            </a:lvl5pPr>
+            <a:lvl6pPr marL="2514600" indent="-228600" defTabSz="1216025" eaLnBrk="0" fontAlgn="base" hangingPunct="0">
+              <a:spcBef>
+                <a:spcPct val="0"/>
+              </a:spcBef>
+              <a:spcAft>
+                <a:spcPct val="0"/>
+              </a:spcAft>
+              <a:buFont typeface="Arial" panose="020B0604020202020204" pitchFamily="34" charset="0"/>
+              <a:defRPr>
+                <a:solidFill>
+                  <a:schemeClr val="tx1"/>
+                </a:solidFill>
+                <a:latin typeface="Arial" panose="020B0604020202020204" pitchFamily="34" charset="0"/>
+                <a:ea typeface="微软雅黑" panose="020B0503020204020204" pitchFamily="34" charset="-122"/>
+              </a:defRPr>
+            </a:lvl6pPr>
+            <a:lvl7pPr marL="2971800" indent="-228600" defTabSz="1216025" eaLnBrk="0" fontAlgn="base" hangingPunct="0">
+              <a:spcBef>
+                <a:spcPct val="0"/>
+              </a:spcBef>
+              <a:spcAft>
+                <a:spcPct val="0"/>
+              </a:spcAft>
+              <a:buFont typeface="Arial" panose="020B0604020202020204" pitchFamily="34" charset="0"/>
+              <a:defRPr>
+                <a:solidFill>
+                  <a:schemeClr val="tx1"/>
+                </a:solidFill>
+                <a:latin typeface="Arial" panose="020B0604020202020204" pitchFamily="34" charset="0"/>
+                <a:ea typeface="微软雅黑" panose="020B0503020204020204" pitchFamily="34" charset="-122"/>
+              </a:defRPr>
+            </a:lvl7pPr>
+            <a:lvl8pPr marL="3429000" indent="-228600" defTabSz="1216025" eaLnBrk="0" fontAlgn="base" hangingPunct="0">
+              <a:spcBef>
+                <a:spcPct val="0"/>
+              </a:spcBef>
+              <a:spcAft>
+                <a:spcPct val="0"/>
+              </a:spcAft>
+              <a:buFont typeface="Arial" panose="020B0604020202020204" pitchFamily="34" charset="0"/>
+              <a:defRPr>
+                <a:solidFill>
+                  <a:schemeClr val="tx1"/>
+                </a:solidFill>
+                <a:latin typeface="Arial" panose="020B0604020202020204" pitchFamily="34" charset="0"/>
+                <a:ea typeface="微软雅黑" panose="020B0503020204020204" pitchFamily="34" charset="-122"/>
+              </a:defRPr>
+            </a:lvl8pPr>
+            <a:lvl9pPr marL="3886200" indent="-228600" defTabSz="1216025" eaLnBrk="0" fontAlgn="base" hangingPunct="0">
+              <a:spcBef>
+                <a:spcPct val="0"/>
+              </a:spcBef>
+              <a:spcAft>
+                <a:spcPct val="0"/>
+              </a:spcAft>
+              <a:buFont typeface="Arial" panose="020B0604020202020204" pitchFamily="34" charset="0"/>
+              <a:defRPr>
+                <a:solidFill>
+                  <a:schemeClr val="tx1"/>
+                </a:solidFill>
+                <a:latin typeface="Arial" panose="020B0604020202020204" pitchFamily="34" charset="0"/>
+                <a:ea typeface="微软雅黑" panose="020B0503020204020204" pitchFamily="34" charset="-122"/>
+              </a:defRPr>
+            </a:lvl9pPr>
+          </a:lstStyle>
+          <a:p>
+            <a:pPr marL="0" marR="0" lvl="0" indent="0" defTabSz="1216025" eaLnBrk="1" fontAlgn="auto" latinLnBrk="0" hangingPunct="1">
+              <a:lnSpc>
+                <a:spcPct val="100000"/>
+              </a:lnSpc>
+              <a:spcBef>
+                <a:spcPct val="20000"/>
+              </a:spcBef>
+              <a:spcAft>
+                <a:spcPts val="0"/>
+              </a:spcAft>
+              <a:buClrTx/>
+              <a:buSzTx/>
+              <a:buFont typeface="Arial" panose="020B0604020202020204" pitchFamily="34" charset="0"/>
+              <a:buNone/>
+              <a:tabLst/>
+              <a:defRPr/>
+            </a:pPr>
+            <a:r>
+              <a:rPr kumimoji="0" lang="zh-CN" altLang="en-US" sz="1600" b="1" i="0" u="none" strike="noStrike" kern="0" cap="none" spc="0" normalizeH="0" baseline="0" noProof="0" dirty="0" smtClean="0">
+                <a:ln>
+                  <a:noFill/>
+                </a:ln>
+                <a:solidFill>
+                  <a:srgbClr val="445469"/>
+                </a:solidFill>
+                <a:effectLst/>
+                <a:uLnTx/>
+                <a:uFillTx/>
+                <a:latin typeface="Arial" panose="020B0604020202020204" pitchFamily="34" charset="0"/>
+                <a:ea typeface="微软雅黑" panose="020B0503020204020204" pitchFamily="34" charset="-122"/>
+                <a:sym typeface="Arial" panose="020B0604020202020204" pitchFamily="34" charset="0"/>
+              </a:rPr>
+              <a:t>计算轨迹距离</a:t>
+            </a:r>
+            <a:endParaRPr kumimoji="0" lang="zh-CN" altLang="en-US" sz="1600" b="1" i="0" u="none" strike="noStrike" kern="0" cap="none" spc="0" normalizeH="0" baseline="0" noProof="0" dirty="0">
+              <a:ln>
+                <a:noFill/>
+              </a:ln>
+              <a:solidFill>
+                <a:srgbClr val="445469"/>
+              </a:solidFill>
+              <a:effectLst/>
+              <a:uLnTx/>
+              <a:uFillTx/>
+              <a:latin typeface="Arial" panose="020B0604020202020204" pitchFamily="34" charset="0"/>
+              <a:ea typeface="微软雅黑" panose="020B0503020204020204" pitchFamily="34" charset="-122"/>
+              <a:sym typeface="Arial" panose="020B0604020202020204" pitchFamily="34" charset="0"/>
+            </a:endParaRPr>
+          </a:p>
+        </p:txBody>
+      </p:sp>
+      <p:sp>
+        <p:nvSpPr>
+          <p:cNvPr id="24" name="稻壳儿小白白(http://dwz.cn/Wu2UP)"/>
+          <p:cNvSpPr txBox="1">
+            <a:spLocks noChangeArrowheads="1"/>
+          </p:cNvSpPr>
+          <p:nvPr/>
+        </p:nvSpPr>
+        <p:spPr bwMode="auto">
+          <a:xfrm>
+            <a:off x="10019642" y="4330864"/>
+            <a:ext cx="1538287" cy="738664"/>
+          </a:xfrm>
+          <a:prstGeom prst="rect">
+            <a:avLst/>
+          </a:prstGeom>
+          <a:noFill/>
+          <a:ln>
+            <a:noFill/>
+          </a:ln>
+          <a:extLst>
+            <a:ext uri="{909E8E84-426E-40DD-AFC4-6F175D3DCCD1}">
+              <a14:hiddenFill xmlns:a14="http://schemas.microsoft.com/office/drawing/2010/main">
+                <a:solidFill>
+                  <a:srgbClr val="FFFFFF"/>
+                </a:solidFill>
+              </a14:hiddenFill>
+            </a:ext>
+            <a:ext uri="{91240B29-F687-4F45-9708-019B960494DF}">
+              <a14:hiddenLine xmlns:a14="http://schemas.microsoft.com/office/drawing/2010/main" w="9525">
+                <a:solidFill>
+                  <a:srgbClr val="000000"/>
+                </a:solidFill>
+                <a:miter lim="800000"/>
+                <a:headEnd/>
+                <a:tailEnd/>
+              </a14:hiddenLine>
+            </a:ext>
+          </a:extLst>
+        </p:spPr>
+        <p:txBody>
+          <a:bodyPr lIns="0" tIns="0" rIns="0" bIns="0">
+            <a:spAutoFit/>
+          </a:bodyPr>
+          <a:lstStyle>
+            <a:lvl1pPr defTabSz="1216025">
+              <a:buFont typeface="Arial" panose="020B0604020202020204" pitchFamily="34" charset="0"/>
+              <a:defRPr>
+                <a:solidFill>
+                  <a:schemeClr val="tx1"/>
+                </a:solidFill>
+                <a:latin typeface="Arial" panose="020B0604020202020204" pitchFamily="34" charset="0"/>
+                <a:ea typeface="微软雅黑" panose="020B0503020204020204" pitchFamily="34" charset="-122"/>
+              </a:defRPr>
+            </a:lvl1pPr>
+            <a:lvl2pPr marL="742950" indent="-285750" defTabSz="1216025">
+              <a:buFont typeface="Arial" panose="020B0604020202020204" pitchFamily="34" charset="0"/>
+              <a:defRPr>
+                <a:solidFill>
+                  <a:schemeClr val="tx1"/>
+                </a:solidFill>
+                <a:latin typeface="Arial" panose="020B0604020202020204" pitchFamily="34" charset="0"/>
+                <a:ea typeface="微软雅黑" panose="020B0503020204020204" pitchFamily="34" charset="-122"/>
+              </a:defRPr>
+            </a:lvl2pPr>
+            <a:lvl3pPr marL="1143000" indent="-228600" defTabSz="1216025">
+              <a:buFont typeface="Arial" panose="020B0604020202020204" pitchFamily="34" charset="0"/>
+              <a:defRPr>
+                <a:solidFill>
+                  <a:schemeClr val="tx1"/>
+                </a:solidFill>
+                <a:latin typeface="Arial" panose="020B0604020202020204" pitchFamily="34" charset="0"/>
+                <a:ea typeface="微软雅黑" panose="020B0503020204020204" pitchFamily="34" charset="-122"/>
+              </a:defRPr>
+            </a:lvl3pPr>
+            <a:lvl4pPr marL="1600200" indent="-228600" defTabSz="1216025">
+              <a:buFont typeface="Arial" panose="020B0604020202020204" pitchFamily="34" charset="0"/>
+              <a:defRPr>
+                <a:solidFill>
+                  <a:schemeClr val="tx1"/>
+                </a:solidFill>
+                <a:latin typeface="Arial" panose="020B0604020202020204" pitchFamily="34" charset="0"/>
+                <a:ea typeface="微软雅黑" panose="020B0503020204020204" pitchFamily="34" charset="-122"/>
+              </a:defRPr>
+            </a:lvl4pPr>
+            <a:lvl5pPr marL="2057400" indent="-228600" defTabSz="1216025">
+              <a:buFont typeface="Arial" panose="020B0604020202020204" pitchFamily="34" charset="0"/>
+              <a:defRPr>
+                <a:solidFill>
+                  <a:schemeClr val="tx1"/>
+                </a:solidFill>
+                <a:latin typeface="Arial" panose="020B0604020202020204" pitchFamily="34" charset="0"/>
+                <a:ea typeface="微软雅黑" panose="020B0503020204020204" pitchFamily="34" charset="-122"/>
+              </a:defRPr>
+            </a:lvl5pPr>
+            <a:lvl6pPr marL="2514600" indent="-228600" defTabSz="1216025" eaLnBrk="0" fontAlgn="base" hangingPunct="0">
+              <a:spcBef>
+                <a:spcPct val="0"/>
+              </a:spcBef>
+              <a:spcAft>
+                <a:spcPct val="0"/>
+              </a:spcAft>
+              <a:buFont typeface="Arial" panose="020B0604020202020204" pitchFamily="34" charset="0"/>
+              <a:defRPr>
+                <a:solidFill>
+                  <a:schemeClr val="tx1"/>
+                </a:solidFill>
+                <a:latin typeface="Arial" panose="020B0604020202020204" pitchFamily="34" charset="0"/>
+                <a:ea typeface="微软雅黑" panose="020B0503020204020204" pitchFamily="34" charset="-122"/>
+              </a:defRPr>
+            </a:lvl6pPr>
+            <a:lvl7pPr marL="2971800" indent="-228600" defTabSz="1216025" eaLnBrk="0" fontAlgn="base" hangingPunct="0">
+              <a:spcBef>
+                <a:spcPct val="0"/>
+              </a:spcBef>
+              <a:spcAft>
+                <a:spcPct val="0"/>
+              </a:spcAft>
+              <a:buFont typeface="Arial" panose="020B0604020202020204" pitchFamily="34" charset="0"/>
+              <a:defRPr>
+                <a:solidFill>
+                  <a:schemeClr val="tx1"/>
+                </a:solidFill>
+                <a:latin typeface="Arial" panose="020B0604020202020204" pitchFamily="34" charset="0"/>
+                <a:ea typeface="微软雅黑" panose="020B0503020204020204" pitchFamily="34" charset="-122"/>
+              </a:defRPr>
+            </a:lvl7pPr>
+            <a:lvl8pPr marL="3429000" indent="-228600" defTabSz="1216025" eaLnBrk="0" fontAlgn="base" hangingPunct="0">
+              <a:spcBef>
+                <a:spcPct val="0"/>
+              </a:spcBef>
+              <a:spcAft>
+                <a:spcPct val="0"/>
+              </a:spcAft>
+              <a:buFont typeface="Arial" panose="020B0604020202020204" pitchFamily="34" charset="0"/>
+              <a:defRPr>
+                <a:solidFill>
+                  <a:schemeClr val="tx1"/>
+                </a:solidFill>
+                <a:latin typeface="Arial" panose="020B0604020202020204" pitchFamily="34" charset="0"/>
+                <a:ea typeface="微软雅黑" panose="020B0503020204020204" pitchFamily="34" charset="-122"/>
+              </a:defRPr>
+            </a:lvl8pPr>
+            <a:lvl9pPr marL="3886200" indent="-228600" defTabSz="1216025" eaLnBrk="0" fontAlgn="base" hangingPunct="0">
+              <a:spcBef>
+                <a:spcPct val="0"/>
+              </a:spcBef>
+              <a:spcAft>
+                <a:spcPct val="0"/>
+              </a:spcAft>
+              <a:buFont typeface="Arial" panose="020B0604020202020204" pitchFamily="34" charset="0"/>
+              <a:defRPr>
+                <a:solidFill>
+                  <a:schemeClr val="tx1"/>
+                </a:solidFill>
+                <a:latin typeface="Arial" panose="020B0604020202020204" pitchFamily="34" charset="0"/>
+                <a:ea typeface="微软雅黑" panose="020B0503020204020204" pitchFamily="34" charset="-122"/>
+              </a:defRPr>
+            </a:lvl9pPr>
+          </a:lstStyle>
+          <a:p>
+            <a:pPr marL="0" marR="0" lvl="0" indent="0" defTabSz="1216025" eaLnBrk="1" fontAlgn="auto" latinLnBrk="0" hangingPunct="1">
+              <a:lnSpc>
+                <a:spcPct val="100000"/>
+              </a:lnSpc>
+              <a:spcBef>
+                <a:spcPct val="20000"/>
+              </a:spcBef>
+              <a:spcAft>
+                <a:spcPts val="0"/>
+              </a:spcAft>
+              <a:buClrTx/>
+              <a:buSzTx/>
+              <a:buFont typeface="Arial" panose="020B0604020202020204" pitchFamily="34" charset="0"/>
+              <a:buNone/>
+              <a:tabLst/>
+              <a:defRPr/>
+            </a:pPr>
+            <a:r>
+              <a:rPr kumimoji="0" lang="zh-CN" altLang="en-US" sz="1200" b="0" i="0" u="none" strike="noStrike" kern="0" cap="none" spc="0" normalizeH="0" baseline="0" noProof="0" smtClean="0">
+                <a:ln>
+                  <a:noFill/>
+                </a:ln>
+                <a:solidFill>
+                  <a:srgbClr val="445469"/>
+                </a:solidFill>
+                <a:effectLst/>
+                <a:uLnTx/>
+                <a:uFillTx/>
+                <a:latin typeface="Arial" panose="020B0604020202020204" pitchFamily="34" charset="0"/>
+                <a:ea typeface="微软雅黑" panose="020B0503020204020204" pitchFamily="34" charset="-122"/>
+                <a:sym typeface="Arial" panose="020B0604020202020204" pitchFamily="34" charset="0"/>
+              </a:rPr>
+              <a:t>计算有效子轨迹中所有轨迹段到其对应轨迹段距离之和，结果就是轨迹间的距离</a:t>
+            </a:r>
+            <a:endParaRPr kumimoji="0" lang="en-US" altLang="zh-CN" sz="1200" b="0" i="0" u="none" strike="noStrike" kern="0" cap="none" spc="0" normalizeH="0" baseline="0" noProof="0" dirty="0">
+              <a:ln>
+                <a:noFill/>
+              </a:ln>
+              <a:solidFill>
+                <a:srgbClr val="445469"/>
+              </a:solidFill>
+              <a:effectLst/>
+              <a:uLnTx/>
+              <a:uFillTx/>
+              <a:latin typeface="Arial" panose="020B0604020202020204" pitchFamily="34" charset="0"/>
+              <a:ea typeface="微软雅黑" panose="020B0503020204020204" pitchFamily="34" charset="-122"/>
+              <a:sym typeface="Arial" panose="020B0604020202020204" pitchFamily="34" charset="0"/>
+            </a:endParaRPr>
+          </a:p>
+        </p:txBody>
+      </p:sp>
+    </p:spTree>
+    <p:extLst>
+      <p:ext uri="{BB962C8B-B14F-4D97-AF65-F5344CB8AC3E}">
+        <p14:creationId xmlns:p14="http://schemas.microsoft.com/office/powerpoint/2010/main" val="523262613"/>
+      </p:ext>
+    </p:extLst>
+  </p:cSld>
+  <p:clrMapOvr>
+    <a:masterClrMapping/>
+  </p:clrMapOvr>
+</p:sld>
+</file>
+
 <file path=ppt/theme/theme1.xml><?xml version="1.0" encoding="utf-8"?>
 <a:theme xmlns:a="http://schemas.openxmlformats.org/drawingml/2006/main" name="Office 主题​​">
   <a:themeElements>
